--- a/NIBRS/data/template.pptx
+++ b/NIBRS/data/template.pptx
@@ -2,7 +2,7 @@
 <file path=ppt/presentation.xml><?xml version="1.0" encoding="utf-8"?>
 <p:presentation xmlns:a="http://schemas.openxmlformats.org/drawingml/2006/main" xmlns:r="http://schemas.openxmlformats.org/officeDocument/2006/relationships" xmlns:p="http://schemas.openxmlformats.org/presentationml/2006/main" saveSubsetFonts="1" autoCompressPictures="0">
   <p:sldMasterIdLst>
-    <p:sldMasterId id="2147483648" r:id="rId1"/>
+    <p:sldMasterId id="2147483804" r:id="rId1"/>
   </p:sldMasterIdLst>
   <p:sldIdLst>
     <p:sldId id="256" r:id="rId2"/>
@@ -13,7 +13,7 @@
     <a:defPPr>
       <a:defRPr lang="en-US"/>
     </a:defPPr>
-    <a:lvl1pPr marL="0" algn="l" defTabSz="914400" rtl="0" eaLnBrk="1" latinLnBrk="0" hangingPunct="1">
+    <a:lvl1pPr marL="0" algn="l" defTabSz="457200" rtl="0" eaLnBrk="1" latinLnBrk="0" hangingPunct="1">
       <a:defRPr sz="1800" kern="1200">
         <a:solidFill>
           <a:schemeClr val="tx1"/>
@@ -23,7 +23,7 @@
         <a:cs typeface="+mn-cs"/>
       </a:defRPr>
     </a:lvl1pPr>
-    <a:lvl2pPr marL="457200" algn="l" defTabSz="914400" rtl="0" eaLnBrk="1" latinLnBrk="0" hangingPunct="1">
+    <a:lvl2pPr marL="457200" algn="l" defTabSz="457200" rtl="0" eaLnBrk="1" latinLnBrk="0" hangingPunct="1">
       <a:defRPr sz="1800" kern="1200">
         <a:solidFill>
           <a:schemeClr val="tx1"/>
@@ -33,7 +33,7 @@
         <a:cs typeface="+mn-cs"/>
       </a:defRPr>
     </a:lvl2pPr>
-    <a:lvl3pPr marL="914400" algn="l" defTabSz="914400" rtl="0" eaLnBrk="1" latinLnBrk="0" hangingPunct="1">
+    <a:lvl3pPr marL="914400" algn="l" defTabSz="457200" rtl="0" eaLnBrk="1" latinLnBrk="0" hangingPunct="1">
       <a:defRPr sz="1800" kern="1200">
         <a:solidFill>
           <a:schemeClr val="tx1"/>
@@ -43,7 +43,7 @@
         <a:cs typeface="+mn-cs"/>
       </a:defRPr>
     </a:lvl3pPr>
-    <a:lvl4pPr marL="1371600" algn="l" defTabSz="914400" rtl="0" eaLnBrk="1" latinLnBrk="0" hangingPunct="1">
+    <a:lvl4pPr marL="1371600" algn="l" defTabSz="457200" rtl="0" eaLnBrk="1" latinLnBrk="0" hangingPunct="1">
       <a:defRPr sz="1800" kern="1200">
         <a:solidFill>
           <a:schemeClr val="tx1"/>
@@ -53,7 +53,7 @@
         <a:cs typeface="+mn-cs"/>
       </a:defRPr>
     </a:lvl4pPr>
-    <a:lvl5pPr marL="1828800" algn="l" defTabSz="914400" rtl="0" eaLnBrk="1" latinLnBrk="0" hangingPunct="1">
+    <a:lvl5pPr marL="1828800" algn="l" defTabSz="457200" rtl="0" eaLnBrk="1" latinLnBrk="0" hangingPunct="1">
       <a:defRPr sz="1800" kern="1200">
         <a:solidFill>
           <a:schemeClr val="tx1"/>
@@ -63,7 +63,7 @@
         <a:cs typeface="+mn-cs"/>
       </a:defRPr>
     </a:lvl5pPr>
-    <a:lvl6pPr marL="2286000" algn="l" defTabSz="914400" rtl="0" eaLnBrk="1" latinLnBrk="0" hangingPunct="1">
+    <a:lvl6pPr marL="2286000" algn="l" defTabSz="457200" rtl="0" eaLnBrk="1" latinLnBrk="0" hangingPunct="1">
       <a:defRPr sz="1800" kern="1200">
         <a:solidFill>
           <a:schemeClr val="tx1"/>
@@ -73,7 +73,7 @@
         <a:cs typeface="+mn-cs"/>
       </a:defRPr>
     </a:lvl6pPr>
-    <a:lvl7pPr marL="2743200" algn="l" defTabSz="914400" rtl="0" eaLnBrk="1" latinLnBrk="0" hangingPunct="1">
+    <a:lvl7pPr marL="2743200" algn="l" defTabSz="457200" rtl="0" eaLnBrk="1" latinLnBrk="0" hangingPunct="1">
       <a:defRPr sz="1800" kern="1200">
         <a:solidFill>
           <a:schemeClr val="tx1"/>
@@ -83,7 +83,7 @@
         <a:cs typeface="+mn-cs"/>
       </a:defRPr>
     </a:lvl7pPr>
-    <a:lvl8pPr marL="3200400" algn="l" defTabSz="914400" rtl="0" eaLnBrk="1" latinLnBrk="0" hangingPunct="1">
+    <a:lvl8pPr marL="3200400" algn="l" defTabSz="457200" rtl="0" eaLnBrk="1" latinLnBrk="0" hangingPunct="1">
       <a:defRPr sz="1800" kern="1200">
         <a:solidFill>
           <a:schemeClr val="tx1"/>
@@ -93,7 +93,7 @@
         <a:cs typeface="+mn-cs"/>
       </a:defRPr>
     </a:lvl8pPr>
-    <a:lvl9pPr marL="3657600" algn="l" defTabSz="914400" rtl="0" eaLnBrk="1" latinLnBrk="0" hangingPunct="1">
+    <a:lvl9pPr marL="3657600" algn="l" defTabSz="457200" rtl="0" eaLnBrk="1" latinLnBrk="0" hangingPunct="1">
       <a:defRPr sz="1800" kern="1200">
         <a:solidFill>
           <a:schemeClr val="tx1"/>
@@ -104,11 +104,16 @@
       </a:defRPr>
     </a:lvl9pPr>
   </p:defaultTextStyle>
+  <p:extLst>
+    <p:ext uri="{EFAFB233-063F-42B5-8137-9DF3F51BA10A}">
+      <p15:sldGuideLst xmlns:p15="http://schemas.microsoft.com/office/powerpoint/2012/main"/>
+    </p:ext>
+  </p:extLst>
 </p:presentation>
 </file>
 
 <file path=ppt/slideLayouts/slideLayout1.xml><?xml version="1.0" encoding="utf-8"?>
-<p:sldLayout xmlns:a="http://schemas.openxmlformats.org/drawingml/2006/main" xmlns:r="http://schemas.openxmlformats.org/officeDocument/2006/relationships" xmlns:p="http://schemas.openxmlformats.org/presentationml/2006/main" type="title" preserve="1">
+<p:sldLayout xmlns:a="http://schemas.openxmlformats.org/drawingml/2006/main" xmlns:r="http://schemas.openxmlformats.org/officeDocument/2006/relationships" xmlns:p="http://schemas.openxmlformats.org/presentationml/2006/main" showMasterSp="0" type="title" preserve="1">
   <p:cSld name="Title Slide">
     <p:spTree>
       <p:nvGrpSpPr>
@@ -124,15 +129,562 @@
           <a:chExt cx="0" cy="0"/>
         </a:xfrm>
       </p:grpSpPr>
-      <p:sp>
-        <p:nvSpPr>
-          <p:cNvPr id="2" name="Title 1">
-            <a:extLst>
-              <a:ext uri="{FF2B5EF4-FFF2-40B4-BE49-F238E27FC236}">
-                <a16:creationId xmlns:a16="http://schemas.microsoft.com/office/drawing/2014/main" id="{FCB68607-3D01-DC4D-BEC9-361B00C3BDD8}"/>
-              </a:ext>
-            </a:extLst>
-          </p:cNvPr>
+      <p:grpSp>
+        <p:nvGrpSpPr>
+          <p:cNvPr id="16" name="Group 15"/>
+          <p:cNvGrpSpPr/>
+          <p:nvPr/>
+        </p:nvGrpSpPr>
+        <p:grpSpPr>
+          <a:xfrm>
+            <a:off x="0" y="-8467"/>
+            <a:ext cx="12192000" cy="6866467"/>
+            <a:chOff x="0" y="-8467"/>
+            <a:chExt cx="12192000" cy="6866467"/>
+          </a:xfrm>
+        </p:grpSpPr>
+        <p:sp>
+          <p:nvSpPr>
+            <p:cNvPr id="15" name="Freeform 14"/>
+            <p:cNvSpPr/>
+            <p:nvPr/>
+          </p:nvSpPr>
+          <p:spPr>
+            <a:xfrm>
+              <a:off x="0" y="-7862"/>
+              <a:ext cx="863600" cy="5698067"/>
+            </a:xfrm>
+            <a:custGeom>
+              <a:avLst/>
+              <a:gdLst/>
+              <a:ahLst/>
+              <a:cxnLst/>
+              <a:rect l="l" t="t" r="r" b="b"/>
+              <a:pathLst>
+                <a:path w="863600" h="5698067">
+                  <a:moveTo>
+                    <a:pt x="0" y="8467"/>
+                  </a:moveTo>
+                  <a:lnTo>
+                    <a:pt x="863600" y="0"/>
+                  </a:lnTo>
+                  <a:lnTo>
+                    <a:pt x="863600" y="16934"/>
+                  </a:lnTo>
+                  <a:lnTo>
+                    <a:pt x="0" y="5698067"/>
+                  </a:lnTo>
+                  <a:lnTo>
+                    <a:pt x="0" y="8467"/>
+                  </a:lnTo>
+                  <a:close/>
+                </a:path>
+              </a:pathLst>
+            </a:custGeom>
+            <a:solidFill>
+              <a:schemeClr val="accent1">
+                <a:alpha val="70000"/>
+              </a:schemeClr>
+            </a:solidFill>
+            <a:ln>
+              <a:noFill/>
+            </a:ln>
+            <a:effectLst/>
+          </p:spPr>
+          <p:style>
+            <a:lnRef idx="1">
+              <a:schemeClr val="accent1"/>
+            </a:lnRef>
+            <a:fillRef idx="3">
+              <a:schemeClr val="accent1"/>
+            </a:fillRef>
+            <a:effectRef idx="2">
+              <a:schemeClr val="accent1"/>
+            </a:effectRef>
+            <a:fontRef idx="minor">
+              <a:schemeClr val="lt1"/>
+            </a:fontRef>
+          </p:style>
+        </p:sp>
+        <p:cxnSp>
+          <p:nvCxnSpPr>
+            <p:cNvPr id="19" name="Straight Connector 18"/>
+            <p:cNvCxnSpPr/>
+            <p:nvPr/>
+          </p:nvCxnSpPr>
+          <p:spPr>
+            <a:xfrm>
+              <a:off x="9371012" y="0"/>
+              <a:ext cx="1219200" cy="6858000"/>
+            </a:xfrm>
+            <a:prstGeom prst="line">
+              <a:avLst/>
+            </a:prstGeom>
+            <a:ln w="9525">
+              <a:solidFill>
+                <a:schemeClr val="accent1">
+                  <a:alpha val="70000"/>
+                </a:schemeClr>
+              </a:solidFill>
+            </a:ln>
+          </p:spPr>
+          <p:style>
+            <a:lnRef idx="2">
+              <a:schemeClr val="accent1"/>
+            </a:lnRef>
+            <a:fillRef idx="0">
+              <a:schemeClr val="accent1"/>
+            </a:fillRef>
+            <a:effectRef idx="1">
+              <a:schemeClr val="accent1"/>
+            </a:effectRef>
+            <a:fontRef idx="minor">
+              <a:schemeClr val="tx1"/>
+            </a:fontRef>
+          </p:style>
+        </p:cxnSp>
+        <p:cxnSp>
+          <p:nvCxnSpPr>
+            <p:cNvPr id="20" name="Straight Connector 19"/>
+            <p:cNvCxnSpPr/>
+            <p:nvPr/>
+          </p:nvCxnSpPr>
+          <p:spPr>
+            <a:xfrm flipH="1">
+              <a:off x="7425267" y="3681413"/>
+              <a:ext cx="4763558" cy="3176587"/>
+            </a:xfrm>
+            <a:prstGeom prst="line">
+              <a:avLst/>
+            </a:prstGeom>
+            <a:ln w="9525">
+              <a:solidFill>
+                <a:schemeClr val="accent1">
+                  <a:alpha val="70000"/>
+                </a:schemeClr>
+              </a:solidFill>
+            </a:ln>
+          </p:spPr>
+          <p:style>
+            <a:lnRef idx="2">
+              <a:schemeClr val="accent1"/>
+            </a:lnRef>
+            <a:fillRef idx="0">
+              <a:schemeClr val="accent1"/>
+            </a:fillRef>
+            <a:effectRef idx="1">
+              <a:schemeClr val="accent1"/>
+            </a:effectRef>
+            <a:fontRef idx="minor">
+              <a:schemeClr val="tx1"/>
+            </a:fontRef>
+          </p:style>
+        </p:cxnSp>
+        <p:sp>
+          <p:nvSpPr>
+            <p:cNvPr id="21" name="Rectangle 23"/>
+            <p:cNvSpPr/>
+            <p:nvPr/>
+          </p:nvSpPr>
+          <p:spPr>
+            <a:xfrm>
+              <a:off x="9181476" y="-8467"/>
+              <a:ext cx="3007349" cy="6866467"/>
+            </a:xfrm>
+            <a:custGeom>
+              <a:avLst/>
+              <a:gdLst/>
+              <a:ahLst/>
+              <a:cxnLst/>
+              <a:rect l="l" t="t" r="r" b="b"/>
+              <a:pathLst>
+                <a:path w="3007349" h="6866467">
+                  <a:moveTo>
+                    <a:pt x="2045532" y="0"/>
+                  </a:moveTo>
+                  <a:lnTo>
+                    <a:pt x="3007349" y="0"/>
+                  </a:lnTo>
+                  <a:lnTo>
+                    <a:pt x="3007349" y="6866467"/>
+                  </a:lnTo>
+                  <a:lnTo>
+                    <a:pt x="0" y="6866467"/>
+                  </a:lnTo>
+                  <a:lnTo>
+                    <a:pt x="2045532" y="0"/>
+                  </a:lnTo>
+                  <a:close/>
+                </a:path>
+              </a:pathLst>
+            </a:custGeom>
+            <a:solidFill>
+              <a:schemeClr val="accent1">
+                <a:alpha val="36000"/>
+              </a:schemeClr>
+            </a:solidFill>
+            <a:ln>
+              <a:noFill/>
+            </a:ln>
+            <a:effectLst/>
+          </p:spPr>
+          <p:style>
+            <a:lnRef idx="1">
+              <a:schemeClr val="accent1"/>
+            </a:lnRef>
+            <a:fillRef idx="3">
+              <a:schemeClr val="accent1"/>
+            </a:fillRef>
+            <a:effectRef idx="2">
+              <a:schemeClr val="accent1"/>
+            </a:effectRef>
+            <a:fontRef idx="minor">
+              <a:schemeClr val="lt1"/>
+            </a:fontRef>
+          </p:style>
+        </p:sp>
+        <p:sp>
+          <p:nvSpPr>
+            <p:cNvPr id="22" name="Rectangle 25"/>
+            <p:cNvSpPr/>
+            <p:nvPr/>
+          </p:nvSpPr>
+          <p:spPr>
+            <a:xfrm>
+              <a:off x="9603442" y="-8467"/>
+              <a:ext cx="2588558" cy="6866467"/>
+            </a:xfrm>
+            <a:custGeom>
+              <a:avLst/>
+              <a:gdLst/>
+              <a:ahLst/>
+              <a:cxnLst/>
+              <a:rect l="l" t="t" r="r" b="b"/>
+              <a:pathLst>
+                <a:path w="2573311" h="6866467">
+                  <a:moveTo>
+                    <a:pt x="0" y="0"/>
+                  </a:moveTo>
+                  <a:lnTo>
+                    <a:pt x="2573311" y="0"/>
+                  </a:lnTo>
+                  <a:lnTo>
+                    <a:pt x="2573311" y="6866467"/>
+                  </a:lnTo>
+                  <a:lnTo>
+                    <a:pt x="1202336" y="6866467"/>
+                  </a:lnTo>
+                  <a:lnTo>
+                    <a:pt x="0" y="0"/>
+                  </a:lnTo>
+                  <a:close/>
+                </a:path>
+              </a:pathLst>
+            </a:custGeom>
+            <a:solidFill>
+              <a:schemeClr val="accent1">
+                <a:alpha val="20000"/>
+              </a:schemeClr>
+            </a:solidFill>
+            <a:ln>
+              <a:noFill/>
+            </a:ln>
+            <a:effectLst/>
+          </p:spPr>
+          <p:style>
+            <a:lnRef idx="1">
+              <a:schemeClr val="accent1"/>
+            </a:lnRef>
+            <a:fillRef idx="3">
+              <a:schemeClr val="accent1"/>
+            </a:fillRef>
+            <a:effectRef idx="2">
+              <a:schemeClr val="accent1"/>
+            </a:effectRef>
+            <a:fontRef idx="minor">
+              <a:schemeClr val="lt1"/>
+            </a:fontRef>
+          </p:style>
+        </p:sp>
+        <p:sp>
+          <p:nvSpPr>
+            <p:cNvPr id="23" name="Isosceles Triangle 22"/>
+            <p:cNvSpPr/>
+            <p:nvPr/>
+          </p:nvSpPr>
+          <p:spPr>
+            <a:xfrm>
+              <a:off x="8932333" y="3048000"/>
+              <a:ext cx="3259667" cy="3810000"/>
+            </a:xfrm>
+            <a:prstGeom prst="triangle">
+              <a:avLst>
+                <a:gd name="adj" fmla="val 100000"/>
+              </a:avLst>
+            </a:prstGeom>
+            <a:solidFill>
+              <a:schemeClr val="accent1">
+                <a:lumMod val="75000"/>
+                <a:alpha val="66000"/>
+              </a:schemeClr>
+            </a:solidFill>
+            <a:ln>
+              <a:noFill/>
+            </a:ln>
+            <a:effectLst/>
+          </p:spPr>
+          <p:style>
+            <a:lnRef idx="1">
+              <a:schemeClr val="accent1"/>
+            </a:lnRef>
+            <a:fillRef idx="3">
+              <a:schemeClr val="accent1"/>
+            </a:fillRef>
+            <a:effectRef idx="2">
+              <a:schemeClr val="accent1"/>
+            </a:effectRef>
+            <a:fontRef idx="minor">
+              <a:schemeClr val="lt1"/>
+            </a:fontRef>
+          </p:style>
+        </p:sp>
+        <p:sp>
+          <p:nvSpPr>
+            <p:cNvPr id="24" name="Rectangle 27"/>
+            <p:cNvSpPr/>
+            <p:nvPr/>
+          </p:nvSpPr>
+          <p:spPr>
+            <a:xfrm>
+              <a:off x="9334500" y="-8467"/>
+              <a:ext cx="2854326" cy="6866467"/>
+            </a:xfrm>
+            <a:custGeom>
+              <a:avLst/>
+              <a:gdLst/>
+              <a:ahLst/>
+              <a:cxnLst/>
+              <a:rect l="l" t="t" r="r" b="b"/>
+              <a:pathLst>
+                <a:path w="2858013" h="6866467">
+                  <a:moveTo>
+                    <a:pt x="0" y="0"/>
+                  </a:moveTo>
+                  <a:lnTo>
+                    <a:pt x="2858013" y="0"/>
+                  </a:lnTo>
+                  <a:lnTo>
+                    <a:pt x="2858013" y="6866467"/>
+                  </a:lnTo>
+                  <a:lnTo>
+                    <a:pt x="2473942" y="6866467"/>
+                  </a:lnTo>
+                  <a:lnTo>
+                    <a:pt x="0" y="0"/>
+                  </a:lnTo>
+                  <a:close/>
+                </a:path>
+              </a:pathLst>
+            </a:custGeom>
+            <a:solidFill>
+              <a:schemeClr val="accent1">
+                <a:lumMod val="75000"/>
+                <a:alpha val="50000"/>
+              </a:schemeClr>
+            </a:solidFill>
+            <a:ln>
+              <a:noFill/>
+            </a:ln>
+            <a:effectLst/>
+          </p:spPr>
+          <p:style>
+            <a:lnRef idx="1">
+              <a:schemeClr val="accent1"/>
+            </a:lnRef>
+            <a:fillRef idx="3">
+              <a:schemeClr val="accent1"/>
+            </a:fillRef>
+            <a:effectRef idx="2">
+              <a:schemeClr val="accent1"/>
+            </a:effectRef>
+            <a:fontRef idx="minor">
+              <a:schemeClr val="lt1"/>
+            </a:fontRef>
+          </p:style>
+        </p:sp>
+        <p:sp>
+          <p:nvSpPr>
+            <p:cNvPr id="25" name="Rectangle 28"/>
+            <p:cNvSpPr/>
+            <p:nvPr/>
+          </p:nvSpPr>
+          <p:spPr>
+            <a:xfrm>
+              <a:off x="10898730" y="-8467"/>
+              <a:ext cx="1290094" cy="6866467"/>
+            </a:xfrm>
+            <a:custGeom>
+              <a:avLst/>
+              <a:gdLst/>
+              <a:ahLst/>
+              <a:cxnLst/>
+              <a:rect l="l" t="t" r="r" b="b"/>
+              <a:pathLst>
+                <a:path w="1290094" h="6858000">
+                  <a:moveTo>
+                    <a:pt x="1019735" y="0"/>
+                  </a:moveTo>
+                  <a:lnTo>
+                    <a:pt x="1290094" y="0"/>
+                  </a:lnTo>
+                  <a:lnTo>
+                    <a:pt x="1290094" y="6858000"/>
+                  </a:lnTo>
+                  <a:lnTo>
+                    <a:pt x="0" y="6858000"/>
+                  </a:lnTo>
+                  <a:lnTo>
+                    <a:pt x="1019735" y="0"/>
+                  </a:lnTo>
+                  <a:close/>
+                </a:path>
+              </a:pathLst>
+            </a:custGeom>
+            <a:solidFill>
+              <a:schemeClr val="accent2">
+                <a:alpha val="70000"/>
+              </a:schemeClr>
+            </a:solidFill>
+            <a:ln>
+              <a:noFill/>
+            </a:ln>
+            <a:effectLst/>
+          </p:spPr>
+          <p:style>
+            <a:lnRef idx="1">
+              <a:schemeClr val="accent1"/>
+            </a:lnRef>
+            <a:fillRef idx="3">
+              <a:schemeClr val="accent1"/>
+            </a:fillRef>
+            <a:effectRef idx="2">
+              <a:schemeClr val="accent1"/>
+            </a:effectRef>
+            <a:fontRef idx="minor">
+              <a:schemeClr val="lt1"/>
+            </a:fontRef>
+          </p:style>
+        </p:sp>
+        <p:sp>
+          <p:nvSpPr>
+            <p:cNvPr id="26" name="Rectangle 29"/>
+            <p:cNvSpPr/>
+            <p:nvPr/>
+          </p:nvSpPr>
+          <p:spPr>
+            <a:xfrm>
+              <a:off x="10938999" y="-8467"/>
+              <a:ext cx="1249825" cy="6866467"/>
+            </a:xfrm>
+            <a:custGeom>
+              <a:avLst/>
+              <a:gdLst/>
+              <a:ahLst/>
+              <a:cxnLst/>
+              <a:rect l="l" t="t" r="r" b="b"/>
+              <a:pathLst>
+                <a:path w="1249825" h="6858000">
+                  <a:moveTo>
+                    <a:pt x="0" y="0"/>
+                  </a:moveTo>
+                  <a:lnTo>
+                    <a:pt x="1249825" y="0"/>
+                  </a:lnTo>
+                  <a:lnTo>
+                    <a:pt x="1249825" y="6858000"/>
+                  </a:lnTo>
+                  <a:lnTo>
+                    <a:pt x="1109382" y="6858000"/>
+                  </a:lnTo>
+                  <a:lnTo>
+                    <a:pt x="0" y="0"/>
+                  </a:lnTo>
+                  <a:close/>
+                </a:path>
+              </a:pathLst>
+            </a:custGeom>
+            <a:solidFill>
+              <a:schemeClr val="accent2">
+                <a:lumMod val="75000"/>
+                <a:alpha val="80000"/>
+              </a:schemeClr>
+            </a:solidFill>
+            <a:ln>
+              <a:noFill/>
+            </a:ln>
+            <a:effectLst/>
+          </p:spPr>
+          <p:style>
+            <a:lnRef idx="1">
+              <a:schemeClr val="accent1"/>
+            </a:lnRef>
+            <a:fillRef idx="3">
+              <a:schemeClr val="accent1"/>
+            </a:fillRef>
+            <a:effectRef idx="2">
+              <a:schemeClr val="accent1"/>
+            </a:effectRef>
+            <a:fontRef idx="minor">
+              <a:schemeClr val="lt1"/>
+            </a:fontRef>
+          </p:style>
+        </p:sp>
+        <p:sp>
+          <p:nvSpPr>
+            <p:cNvPr id="27" name="Isosceles Triangle 26"/>
+            <p:cNvSpPr/>
+            <p:nvPr/>
+          </p:nvSpPr>
+          <p:spPr>
+            <a:xfrm>
+              <a:off x="10371666" y="3589867"/>
+              <a:ext cx="1817159" cy="3268133"/>
+            </a:xfrm>
+            <a:prstGeom prst="triangle">
+              <a:avLst>
+                <a:gd name="adj" fmla="val 100000"/>
+              </a:avLst>
+            </a:prstGeom>
+            <a:solidFill>
+              <a:schemeClr val="accent1">
+                <a:lumMod val="75000"/>
+                <a:alpha val="66000"/>
+              </a:schemeClr>
+            </a:solidFill>
+            <a:ln>
+              <a:noFill/>
+            </a:ln>
+            <a:effectLst/>
+          </p:spPr>
+          <p:style>
+            <a:lnRef idx="1">
+              <a:schemeClr val="accent1"/>
+            </a:lnRef>
+            <a:fillRef idx="3">
+              <a:schemeClr val="accent1"/>
+            </a:fillRef>
+            <a:effectRef idx="2">
+              <a:schemeClr val="accent1"/>
+            </a:effectRef>
+            <a:fontRef idx="minor">
+              <a:schemeClr val="lt1"/>
+            </a:fontRef>
+          </p:style>
+        </p:sp>
+      </p:grpSp>
+      <p:sp>
+        <p:nvSpPr>
+          <p:cNvPr id="2" name="Title 1"/>
           <p:cNvSpPr>
             <a:spLocks noGrp="1"/>
           </p:cNvSpPr>
@@ -142,15 +694,21 @@
         </p:nvSpPr>
         <p:spPr>
           <a:xfrm>
-            <a:off x="1524000" y="1122363"/>
-            <a:ext cx="9144000" cy="2387600"/>
+            <a:off x="1507067" y="2404534"/>
+            <a:ext cx="7766936" cy="1646302"/>
           </a:xfrm>
         </p:spPr>
         <p:txBody>
-          <a:bodyPr anchor="b"/>
+          <a:bodyPr anchor="b">
+            <a:noAutofit/>
+          </a:bodyPr>
           <a:lstStyle>
-            <a:lvl1pPr algn="ctr">
-              <a:defRPr sz="6000"/>
+            <a:lvl1pPr algn="r">
+              <a:defRPr sz="5400">
+                <a:solidFill>
+                  <a:schemeClr val="accent1"/>
+                </a:solidFill>
+              </a:defRPr>
             </a:lvl1pPr>
           </a:lstStyle>
           <a:p>
@@ -158,18 +716,13 @@
               <a:rPr lang="en-US"/>
               <a:t>Click to edit Master title style</a:t>
             </a:r>
-          </a:p>
-        </p:txBody>
-      </p:sp>
-      <p:sp>
-        <p:nvSpPr>
-          <p:cNvPr id="3" name="Subtitle 2">
-            <a:extLst>
-              <a:ext uri="{FF2B5EF4-FFF2-40B4-BE49-F238E27FC236}">
-                <a16:creationId xmlns:a16="http://schemas.microsoft.com/office/drawing/2014/main" id="{671FEC4D-C6C6-5542-977E-C92C485ECA78}"/>
-              </a:ext>
-            </a:extLst>
-          </p:cNvPr>
+            <a:endParaRPr lang="en-US" dirty="0"/>
+          </a:p>
+        </p:txBody>
+      </p:sp>
+      <p:sp>
+        <p:nvSpPr>
+          <p:cNvPr id="3" name="Subtitle 2"/>
           <p:cNvSpPr>
             <a:spLocks noGrp="1"/>
           </p:cNvSpPr>
@@ -179,48 +732,103 @@
         </p:nvSpPr>
         <p:spPr>
           <a:xfrm>
-            <a:off x="1524000" y="3602038"/>
-            <a:ext cx="9144000" cy="1655762"/>
+            <a:off x="1507067" y="4050833"/>
+            <a:ext cx="7766936" cy="1096899"/>
           </a:xfrm>
         </p:spPr>
         <p:txBody>
-          <a:bodyPr/>
+          <a:bodyPr anchor="t"/>
           <a:lstStyle>
-            <a:lvl1pPr marL="0" indent="0" algn="ctr">
-              <a:buNone/>
-              <a:defRPr sz="2400"/>
+            <a:lvl1pPr marL="0" indent="0" algn="r">
+              <a:buNone/>
+              <a:defRPr>
+                <a:solidFill>
+                  <a:schemeClr val="tx1">
+                    <a:lumMod val="50000"/>
+                    <a:lumOff val="50000"/>
+                  </a:schemeClr>
+                </a:solidFill>
+              </a:defRPr>
             </a:lvl1pPr>
             <a:lvl2pPr marL="457200" indent="0" algn="ctr">
               <a:buNone/>
-              <a:defRPr sz="2000"/>
+              <a:defRPr>
+                <a:solidFill>
+                  <a:schemeClr val="tx1">
+                    <a:tint val="75000"/>
+                  </a:schemeClr>
+                </a:solidFill>
+              </a:defRPr>
             </a:lvl2pPr>
             <a:lvl3pPr marL="914400" indent="0" algn="ctr">
               <a:buNone/>
-              <a:defRPr sz="1800"/>
+              <a:defRPr>
+                <a:solidFill>
+                  <a:schemeClr val="tx1">
+                    <a:tint val="75000"/>
+                  </a:schemeClr>
+                </a:solidFill>
+              </a:defRPr>
             </a:lvl3pPr>
             <a:lvl4pPr marL="1371600" indent="0" algn="ctr">
               <a:buNone/>
-              <a:defRPr sz="1600"/>
+              <a:defRPr>
+                <a:solidFill>
+                  <a:schemeClr val="tx1">
+                    <a:tint val="75000"/>
+                  </a:schemeClr>
+                </a:solidFill>
+              </a:defRPr>
             </a:lvl4pPr>
             <a:lvl5pPr marL="1828800" indent="0" algn="ctr">
               <a:buNone/>
-              <a:defRPr sz="1600"/>
+              <a:defRPr>
+                <a:solidFill>
+                  <a:schemeClr val="tx1">
+                    <a:tint val="75000"/>
+                  </a:schemeClr>
+                </a:solidFill>
+              </a:defRPr>
             </a:lvl5pPr>
             <a:lvl6pPr marL="2286000" indent="0" algn="ctr">
               <a:buNone/>
-              <a:defRPr sz="1600"/>
+              <a:defRPr>
+                <a:solidFill>
+                  <a:schemeClr val="tx1">
+                    <a:tint val="75000"/>
+                  </a:schemeClr>
+                </a:solidFill>
+              </a:defRPr>
             </a:lvl6pPr>
             <a:lvl7pPr marL="2743200" indent="0" algn="ctr">
               <a:buNone/>
-              <a:defRPr sz="1600"/>
+              <a:defRPr>
+                <a:solidFill>
+                  <a:schemeClr val="tx1">
+                    <a:tint val="75000"/>
+                  </a:schemeClr>
+                </a:solidFill>
+              </a:defRPr>
             </a:lvl7pPr>
             <a:lvl8pPr marL="3200400" indent="0" algn="ctr">
               <a:buNone/>
-              <a:defRPr sz="1600"/>
+              <a:defRPr>
+                <a:solidFill>
+                  <a:schemeClr val="tx1">
+                    <a:tint val="75000"/>
+                  </a:schemeClr>
+                </a:solidFill>
+              </a:defRPr>
             </a:lvl8pPr>
             <a:lvl9pPr marL="3657600" indent="0" algn="ctr">
               <a:buNone/>
-              <a:defRPr sz="1600"/>
+              <a:defRPr>
+                <a:solidFill>
+                  <a:schemeClr val="tx1">
+                    <a:tint val="75000"/>
+                  </a:schemeClr>
+                </a:solidFill>
+              </a:defRPr>
             </a:lvl9pPr>
           </a:lstStyle>
           <a:p>
@@ -228,18 +836,13 @@
               <a:rPr lang="en-US"/>
               <a:t>Click to edit Master subtitle style</a:t>
             </a:r>
-          </a:p>
-        </p:txBody>
-      </p:sp>
-      <p:sp>
-        <p:nvSpPr>
-          <p:cNvPr id="4" name="Date Placeholder 3">
-            <a:extLst>
-              <a:ext uri="{FF2B5EF4-FFF2-40B4-BE49-F238E27FC236}">
-                <a16:creationId xmlns:a16="http://schemas.microsoft.com/office/drawing/2014/main" id="{A1B0AD6C-AEE6-9740-BF09-387CAE2DD92A}"/>
-              </a:ext>
-            </a:extLst>
-          </p:cNvPr>
+            <a:endParaRPr lang="en-US" dirty="0"/>
+          </a:p>
+        </p:txBody>
+      </p:sp>
+      <p:sp>
+        <p:nvSpPr>
+          <p:cNvPr id="4" name="Date Placeholder 3"/>
           <p:cNvSpPr>
             <a:spLocks noGrp="1"/>
           </p:cNvSpPr>
@@ -254,7 +857,7 @@
           <a:p>
             <a:fld id="{2BE45E80-1765-774A-A455-E954E38424A6}" type="datetimeFigureOut">
               <a:rPr lang="en-US" smtClean="0"/>
-              <a:t>7/23/21</a:t>
+              <a:t>8/5/21</a:t>
             </a:fld>
             <a:endParaRPr lang="en-US"/>
           </a:p>
@@ -262,13 +865,7 @@
       </p:sp>
       <p:sp>
         <p:nvSpPr>
-          <p:cNvPr id="5" name="Footer Placeholder 4">
-            <a:extLst>
-              <a:ext uri="{FF2B5EF4-FFF2-40B4-BE49-F238E27FC236}">
-                <a16:creationId xmlns:a16="http://schemas.microsoft.com/office/drawing/2014/main" id="{72341F4C-8844-A24C-90A2-F762CDC1AD0C}"/>
-              </a:ext>
-            </a:extLst>
-          </p:cNvPr>
+          <p:cNvPr id="5" name="Footer Placeholder 4"/>
           <p:cNvSpPr>
             <a:spLocks noGrp="1"/>
           </p:cNvSpPr>
@@ -287,13 +884,7 @@
       </p:sp>
       <p:sp>
         <p:nvSpPr>
-          <p:cNvPr id="6" name="Slide Number Placeholder 5">
-            <a:extLst>
-              <a:ext uri="{FF2B5EF4-FFF2-40B4-BE49-F238E27FC236}">
-                <a16:creationId xmlns:a16="http://schemas.microsoft.com/office/drawing/2014/main" id="{CD0A7B64-1FB0-7E4A-B45B-DC1021CACE36}"/>
-              </a:ext>
-            </a:extLst>
-          </p:cNvPr>
+          <p:cNvPr id="6" name="Slide Number Placeholder 5"/>
           <p:cNvSpPr>
             <a:spLocks noGrp="1"/>
           </p:cNvSpPr>
@@ -317,7 +908,7 @@
     </p:spTree>
     <p:extLst>
       <p:ext uri="{BB962C8B-B14F-4D97-AF65-F5344CB8AC3E}">
-        <p14:creationId xmlns:p14="http://schemas.microsoft.com/office/powerpoint/2010/main" val="2732057320"/>
+        <p14:creationId xmlns:p14="http://schemas.microsoft.com/office/powerpoint/2010/main" val="2827327058"/>
       </p:ext>
     </p:extLst>
   </p:cSld>
@@ -328,6 +919,1611 @@
 </file>
 
 <file path=ppt/slideLayouts/slideLayout10.xml><?xml version="1.0" encoding="utf-8"?>
+<p:sldLayout xmlns:a="http://schemas.openxmlformats.org/drawingml/2006/main" xmlns:r="http://schemas.openxmlformats.org/officeDocument/2006/relationships" xmlns:p="http://schemas.openxmlformats.org/presentationml/2006/main" preserve="1">
+  <p:cSld name="Title and Caption">
+    <p:spTree>
+      <p:nvGrpSpPr>
+        <p:cNvPr id="1" name=""/>
+        <p:cNvGrpSpPr/>
+        <p:nvPr/>
+      </p:nvGrpSpPr>
+      <p:grpSpPr>
+        <a:xfrm>
+          <a:off x="0" y="0"/>
+          <a:ext cx="0" cy="0"/>
+          <a:chOff x="0" y="0"/>
+          <a:chExt cx="0" cy="0"/>
+        </a:xfrm>
+      </p:grpSpPr>
+      <p:sp>
+        <p:nvSpPr>
+          <p:cNvPr id="2" name="Title 1"/>
+          <p:cNvSpPr>
+            <a:spLocks noGrp="1"/>
+          </p:cNvSpPr>
+          <p:nvPr>
+            <p:ph type="title"/>
+          </p:nvPr>
+        </p:nvSpPr>
+        <p:spPr>
+          <a:xfrm>
+            <a:off x="677335" y="609600"/>
+            <a:ext cx="8596668" cy="3403600"/>
+          </a:xfrm>
+        </p:spPr>
+        <p:txBody>
+          <a:bodyPr anchor="ctr">
+            <a:normAutofit/>
+          </a:bodyPr>
+          <a:lstStyle>
+            <a:lvl1pPr algn="l">
+              <a:defRPr sz="4400" b="0" cap="none"/>
+            </a:lvl1pPr>
+          </a:lstStyle>
+          <a:p>
+            <a:r>
+              <a:rPr lang="en-US"/>
+              <a:t>Click to edit Master title style</a:t>
+            </a:r>
+            <a:endParaRPr lang="en-US" dirty="0"/>
+          </a:p>
+        </p:txBody>
+      </p:sp>
+      <p:sp>
+        <p:nvSpPr>
+          <p:cNvPr id="3" name="Text Placeholder 2"/>
+          <p:cNvSpPr>
+            <a:spLocks noGrp="1"/>
+          </p:cNvSpPr>
+          <p:nvPr>
+            <p:ph type="body" idx="1"/>
+          </p:nvPr>
+        </p:nvSpPr>
+        <p:spPr>
+          <a:xfrm>
+            <a:off x="677335" y="4470400"/>
+            <a:ext cx="8596668" cy="1570962"/>
+          </a:xfrm>
+        </p:spPr>
+        <p:txBody>
+          <a:bodyPr anchor="ctr">
+            <a:normAutofit/>
+          </a:bodyPr>
+          <a:lstStyle>
+            <a:lvl1pPr marL="0" indent="0" algn="l">
+              <a:buNone/>
+              <a:defRPr sz="1800">
+                <a:solidFill>
+                  <a:schemeClr val="tx1">
+                    <a:lumMod val="75000"/>
+                    <a:lumOff val="25000"/>
+                  </a:schemeClr>
+                </a:solidFill>
+              </a:defRPr>
+            </a:lvl1pPr>
+            <a:lvl2pPr marL="457200" indent="0">
+              <a:buNone/>
+              <a:defRPr sz="1800">
+                <a:solidFill>
+                  <a:schemeClr val="tx1">
+                    <a:tint val="75000"/>
+                  </a:schemeClr>
+                </a:solidFill>
+              </a:defRPr>
+            </a:lvl2pPr>
+            <a:lvl3pPr marL="914400" indent="0">
+              <a:buNone/>
+              <a:defRPr sz="1600">
+                <a:solidFill>
+                  <a:schemeClr val="tx1">
+                    <a:tint val="75000"/>
+                  </a:schemeClr>
+                </a:solidFill>
+              </a:defRPr>
+            </a:lvl3pPr>
+            <a:lvl4pPr marL="1371600" indent="0">
+              <a:buNone/>
+              <a:defRPr sz="1400">
+                <a:solidFill>
+                  <a:schemeClr val="tx1">
+                    <a:tint val="75000"/>
+                  </a:schemeClr>
+                </a:solidFill>
+              </a:defRPr>
+            </a:lvl4pPr>
+            <a:lvl5pPr marL="1828800" indent="0">
+              <a:buNone/>
+              <a:defRPr sz="1400">
+                <a:solidFill>
+                  <a:schemeClr val="tx1">
+                    <a:tint val="75000"/>
+                  </a:schemeClr>
+                </a:solidFill>
+              </a:defRPr>
+            </a:lvl5pPr>
+            <a:lvl6pPr marL="2286000" indent="0">
+              <a:buNone/>
+              <a:defRPr sz="1400">
+                <a:solidFill>
+                  <a:schemeClr val="tx1">
+                    <a:tint val="75000"/>
+                  </a:schemeClr>
+                </a:solidFill>
+              </a:defRPr>
+            </a:lvl6pPr>
+            <a:lvl7pPr marL="2743200" indent="0">
+              <a:buNone/>
+              <a:defRPr sz="1400">
+                <a:solidFill>
+                  <a:schemeClr val="tx1">
+                    <a:tint val="75000"/>
+                  </a:schemeClr>
+                </a:solidFill>
+              </a:defRPr>
+            </a:lvl7pPr>
+            <a:lvl8pPr marL="3200400" indent="0">
+              <a:buNone/>
+              <a:defRPr sz="1400">
+                <a:solidFill>
+                  <a:schemeClr val="tx1">
+                    <a:tint val="75000"/>
+                  </a:schemeClr>
+                </a:solidFill>
+              </a:defRPr>
+            </a:lvl8pPr>
+            <a:lvl9pPr marL="3657600" indent="0">
+              <a:buNone/>
+              <a:defRPr sz="1400">
+                <a:solidFill>
+                  <a:schemeClr val="tx1">
+                    <a:tint val="75000"/>
+                  </a:schemeClr>
+                </a:solidFill>
+              </a:defRPr>
+            </a:lvl9pPr>
+          </a:lstStyle>
+          <a:p>
+            <a:pPr lvl="0"/>
+            <a:r>
+              <a:rPr lang="en-US"/>
+              <a:t>Click to edit Master text styles</a:t>
+            </a:r>
+          </a:p>
+        </p:txBody>
+      </p:sp>
+      <p:sp>
+        <p:nvSpPr>
+          <p:cNvPr id="4" name="Date Placeholder 3"/>
+          <p:cNvSpPr>
+            <a:spLocks noGrp="1"/>
+          </p:cNvSpPr>
+          <p:nvPr>
+            <p:ph type="dt" sz="half" idx="10"/>
+          </p:nvPr>
+        </p:nvSpPr>
+        <p:spPr/>
+        <p:txBody>
+          <a:bodyPr/>
+          <a:lstStyle/>
+          <a:p>
+            <a:fld id="{2BE45E80-1765-774A-A455-E954E38424A6}" type="datetimeFigureOut">
+              <a:rPr lang="en-US" smtClean="0"/>
+              <a:t>8/5/21</a:t>
+            </a:fld>
+            <a:endParaRPr lang="en-US"/>
+          </a:p>
+        </p:txBody>
+      </p:sp>
+      <p:sp>
+        <p:nvSpPr>
+          <p:cNvPr id="5" name="Footer Placeholder 4"/>
+          <p:cNvSpPr>
+            <a:spLocks noGrp="1"/>
+          </p:cNvSpPr>
+          <p:nvPr>
+            <p:ph type="ftr" sz="quarter" idx="11"/>
+          </p:nvPr>
+        </p:nvSpPr>
+        <p:spPr/>
+        <p:txBody>
+          <a:bodyPr/>
+          <a:lstStyle/>
+          <a:p>
+            <a:endParaRPr lang="en-US"/>
+          </a:p>
+        </p:txBody>
+      </p:sp>
+      <p:sp>
+        <p:nvSpPr>
+          <p:cNvPr id="6" name="Slide Number Placeholder 5"/>
+          <p:cNvSpPr>
+            <a:spLocks noGrp="1"/>
+          </p:cNvSpPr>
+          <p:nvPr>
+            <p:ph type="sldNum" sz="quarter" idx="12"/>
+          </p:nvPr>
+        </p:nvSpPr>
+        <p:spPr/>
+        <p:txBody>
+          <a:bodyPr/>
+          <a:lstStyle/>
+          <a:p>
+            <a:fld id="{140A115B-E4D8-0947-866C-BBF368380B9B}" type="slidenum">
+              <a:rPr lang="en-US" smtClean="0"/>
+              <a:t>‹#›</a:t>
+            </a:fld>
+            <a:endParaRPr lang="en-US"/>
+          </a:p>
+        </p:txBody>
+      </p:sp>
+    </p:spTree>
+    <p:extLst>
+      <p:ext uri="{BB962C8B-B14F-4D97-AF65-F5344CB8AC3E}">
+        <p14:creationId xmlns:p14="http://schemas.microsoft.com/office/powerpoint/2010/main" val="3223718337"/>
+      </p:ext>
+    </p:extLst>
+  </p:cSld>
+  <p:clrMapOvr>
+    <a:masterClrMapping/>
+  </p:clrMapOvr>
+</p:sldLayout>
+</file>
+
+<file path=ppt/slideLayouts/slideLayout11.xml><?xml version="1.0" encoding="utf-8"?>
+<p:sldLayout xmlns:a="http://schemas.openxmlformats.org/drawingml/2006/main" xmlns:r="http://schemas.openxmlformats.org/officeDocument/2006/relationships" xmlns:p="http://schemas.openxmlformats.org/presentationml/2006/main" preserve="1">
+  <p:cSld name="Quote with Caption">
+    <p:spTree>
+      <p:nvGrpSpPr>
+        <p:cNvPr id="1" name=""/>
+        <p:cNvGrpSpPr/>
+        <p:nvPr/>
+      </p:nvGrpSpPr>
+      <p:grpSpPr>
+        <a:xfrm>
+          <a:off x="0" y="0"/>
+          <a:ext cx="0" cy="0"/>
+          <a:chOff x="0" y="0"/>
+          <a:chExt cx="0" cy="0"/>
+        </a:xfrm>
+      </p:grpSpPr>
+      <p:sp>
+        <p:nvSpPr>
+          <p:cNvPr id="2" name="Title 1"/>
+          <p:cNvSpPr>
+            <a:spLocks noGrp="1"/>
+          </p:cNvSpPr>
+          <p:nvPr>
+            <p:ph type="title"/>
+          </p:nvPr>
+        </p:nvSpPr>
+        <p:spPr>
+          <a:xfrm>
+            <a:off x="931334" y="609600"/>
+            <a:ext cx="8094134" cy="3022600"/>
+          </a:xfrm>
+        </p:spPr>
+        <p:txBody>
+          <a:bodyPr anchor="ctr">
+            <a:normAutofit/>
+          </a:bodyPr>
+          <a:lstStyle>
+            <a:lvl1pPr algn="l">
+              <a:defRPr sz="4400" b="0" cap="none"/>
+            </a:lvl1pPr>
+          </a:lstStyle>
+          <a:p>
+            <a:r>
+              <a:rPr lang="en-US"/>
+              <a:t>Click to edit Master title style</a:t>
+            </a:r>
+            <a:endParaRPr lang="en-US" dirty="0"/>
+          </a:p>
+        </p:txBody>
+      </p:sp>
+      <p:sp>
+        <p:nvSpPr>
+          <p:cNvPr id="23" name="Text Placeholder 9"/>
+          <p:cNvSpPr>
+            <a:spLocks noGrp="1"/>
+          </p:cNvSpPr>
+          <p:nvPr>
+            <p:ph type="body" sz="quarter" idx="13"/>
+          </p:nvPr>
+        </p:nvSpPr>
+        <p:spPr>
+          <a:xfrm>
+            <a:off x="1366139" y="3632200"/>
+            <a:ext cx="7224524" cy="381000"/>
+          </a:xfrm>
+        </p:spPr>
+        <p:txBody>
+          <a:bodyPr anchor="ctr">
+            <a:noAutofit/>
+          </a:bodyPr>
+          <a:lstStyle>
+            <a:lvl1pPr marL="0" indent="0">
+              <a:buFontTx/>
+              <a:buNone/>
+              <a:defRPr sz="1600">
+                <a:solidFill>
+                  <a:schemeClr val="tx1">
+                    <a:lumMod val="50000"/>
+                    <a:lumOff val="50000"/>
+                  </a:schemeClr>
+                </a:solidFill>
+              </a:defRPr>
+            </a:lvl1pPr>
+            <a:lvl2pPr marL="457200" indent="0">
+              <a:buFontTx/>
+              <a:buNone/>
+              <a:defRPr/>
+            </a:lvl2pPr>
+            <a:lvl3pPr marL="914400" indent="0">
+              <a:buFontTx/>
+              <a:buNone/>
+              <a:defRPr/>
+            </a:lvl3pPr>
+            <a:lvl4pPr marL="1371600" indent="0">
+              <a:buFontTx/>
+              <a:buNone/>
+              <a:defRPr/>
+            </a:lvl4pPr>
+            <a:lvl5pPr marL="1828800" indent="0">
+              <a:buFontTx/>
+              <a:buNone/>
+              <a:defRPr/>
+            </a:lvl5pPr>
+          </a:lstStyle>
+          <a:p>
+            <a:pPr lvl="0"/>
+            <a:r>
+              <a:rPr lang="en-US"/>
+              <a:t>Click to edit Master text styles</a:t>
+            </a:r>
+          </a:p>
+        </p:txBody>
+      </p:sp>
+      <p:sp>
+        <p:nvSpPr>
+          <p:cNvPr id="3" name="Text Placeholder 2"/>
+          <p:cNvSpPr>
+            <a:spLocks noGrp="1"/>
+          </p:cNvSpPr>
+          <p:nvPr>
+            <p:ph type="body" idx="1"/>
+          </p:nvPr>
+        </p:nvSpPr>
+        <p:spPr>
+          <a:xfrm>
+            <a:off x="677335" y="4470400"/>
+            <a:ext cx="8596668" cy="1570962"/>
+          </a:xfrm>
+        </p:spPr>
+        <p:txBody>
+          <a:bodyPr anchor="ctr">
+            <a:normAutofit/>
+          </a:bodyPr>
+          <a:lstStyle>
+            <a:lvl1pPr marL="0" indent="0" algn="l">
+              <a:buNone/>
+              <a:defRPr sz="1800">
+                <a:solidFill>
+                  <a:schemeClr val="tx1">
+                    <a:lumMod val="75000"/>
+                    <a:lumOff val="25000"/>
+                  </a:schemeClr>
+                </a:solidFill>
+              </a:defRPr>
+            </a:lvl1pPr>
+            <a:lvl2pPr marL="457200" indent="0">
+              <a:buNone/>
+              <a:defRPr sz="1800">
+                <a:solidFill>
+                  <a:schemeClr val="tx1">
+                    <a:tint val="75000"/>
+                  </a:schemeClr>
+                </a:solidFill>
+              </a:defRPr>
+            </a:lvl2pPr>
+            <a:lvl3pPr marL="914400" indent="0">
+              <a:buNone/>
+              <a:defRPr sz="1600">
+                <a:solidFill>
+                  <a:schemeClr val="tx1">
+                    <a:tint val="75000"/>
+                  </a:schemeClr>
+                </a:solidFill>
+              </a:defRPr>
+            </a:lvl3pPr>
+            <a:lvl4pPr marL="1371600" indent="0">
+              <a:buNone/>
+              <a:defRPr sz="1400">
+                <a:solidFill>
+                  <a:schemeClr val="tx1">
+                    <a:tint val="75000"/>
+                  </a:schemeClr>
+                </a:solidFill>
+              </a:defRPr>
+            </a:lvl4pPr>
+            <a:lvl5pPr marL="1828800" indent="0">
+              <a:buNone/>
+              <a:defRPr sz="1400">
+                <a:solidFill>
+                  <a:schemeClr val="tx1">
+                    <a:tint val="75000"/>
+                  </a:schemeClr>
+                </a:solidFill>
+              </a:defRPr>
+            </a:lvl5pPr>
+            <a:lvl6pPr marL="2286000" indent="0">
+              <a:buNone/>
+              <a:defRPr sz="1400">
+                <a:solidFill>
+                  <a:schemeClr val="tx1">
+                    <a:tint val="75000"/>
+                  </a:schemeClr>
+                </a:solidFill>
+              </a:defRPr>
+            </a:lvl6pPr>
+            <a:lvl7pPr marL="2743200" indent="0">
+              <a:buNone/>
+              <a:defRPr sz="1400">
+                <a:solidFill>
+                  <a:schemeClr val="tx1">
+                    <a:tint val="75000"/>
+                  </a:schemeClr>
+                </a:solidFill>
+              </a:defRPr>
+            </a:lvl7pPr>
+            <a:lvl8pPr marL="3200400" indent="0">
+              <a:buNone/>
+              <a:defRPr sz="1400">
+                <a:solidFill>
+                  <a:schemeClr val="tx1">
+                    <a:tint val="75000"/>
+                  </a:schemeClr>
+                </a:solidFill>
+              </a:defRPr>
+            </a:lvl8pPr>
+            <a:lvl9pPr marL="3657600" indent="0">
+              <a:buNone/>
+              <a:defRPr sz="1400">
+                <a:solidFill>
+                  <a:schemeClr val="tx1">
+                    <a:tint val="75000"/>
+                  </a:schemeClr>
+                </a:solidFill>
+              </a:defRPr>
+            </a:lvl9pPr>
+          </a:lstStyle>
+          <a:p>
+            <a:pPr lvl="0"/>
+            <a:r>
+              <a:rPr lang="en-US"/>
+              <a:t>Click to edit Master text styles</a:t>
+            </a:r>
+          </a:p>
+        </p:txBody>
+      </p:sp>
+      <p:sp>
+        <p:nvSpPr>
+          <p:cNvPr id="4" name="Date Placeholder 3"/>
+          <p:cNvSpPr>
+            <a:spLocks noGrp="1"/>
+          </p:cNvSpPr>
+          <p:nvPr>
+            <p:ph type="dt" sz="half" idx="10"/>
+          </p:nvPr>
+        </p:nvSpPr>
+        <p:spPr/>
+        <p:txBody>
+          <a:bodyPr/>
+          <a:lstStyle/>
+          <a:p>
+            <a:fld id="{2BE45E80-1765-774A-A455-E954E38424A6}" type="datetimeFigureOut">
+              <a:rPr lang="en-US" smtClean="0"/>
+              <a:t>8/5/21</a:t>
+            </a:fld>
+            <a:endParaRPr lang="en-US"/>
+          </a:p>
+        </p:txBody>
+      </p:sp>
+      <p:sp>
+        <p:nvSpPr>
+          <p:cNvPr id="5" name="Footer Placeholder 4"/>
+          <p:cNvSpPr>
+            <a:spLocks noGrp="1"/>
+          </p:cNvSpPr>
+          <p:nvPr>
+            <p:ph type="ftr" sz="quarter" idx="11"/>
+          </p:nvPr>
+        </p:nvSpPr>
+        <p:spPr/>
+        <p:txBody>
+          <a:bodyPr/>
+          <a:lstStyle/>
+          <a:p>
+            <a:endParaRPr lang="en-US"/>
+          </a:p>
+        </p:txBody>
+      </p:sp>
+      <p:sp>
+        <p:nvSpPr>
+          <p:cNvPr id="6" name="Slide Number Placeholder 5"/>
+          <p:cNvSpPr>
+            <a:spLocks noGrp="1"/>
+          </p:cNvSpPr>
+          <p:nvPr>
+            <p:ph type="sldNum" sz="quarter" idx="12"/>
+          </p:nvPr>
+        </p:nvSpPr>
+        <p:spPr/>
+        <p:txBody>
+          <a:bodyPr/>
+          <a:lstStyle/>
+          <a:p>
+            <a:fld id="{140A115B-E4D8-0947-866C-BBF368380B9B}" type="slidenum">
+              <a:rPr lang="en-US" smtClean="0"/>
+              <a:t>‹#›</a:t>
+            </a:fld>
+            <a:endParaRPr lang="en-US"/>
+          </a:p>
+        </p:txBody>
+      </p:sp>
+      <p:sp>
+        <p:nvSpPr>
+          <p:cNvPr id="24" name="TextBox 23"/>
+          <p:cNvSpPr txBox="1"/>
+          <p:nvPr/>
+        </p:nvSpPr>
+        <p:spPr>
+          <a:xfrm>
+            <a:off x="541870" y="790378"/>
+            <a:ext cx="609600" cy="584776"/>
+          </a:xfrm>
+          <a:prstGeom prst="rect">
+            <a:avLst/>
+          </a:prstGeom>
+        </p:spPr>
+        <p:txBody>
+          <a:bodyPr vert="horz" lIns="91440" tIns="45720" rIns="91440" bIns="45720" rtlCol="0" anchor="ctr">
+            <a:noAutofit/>
+          </a:bodyPr>
+          <a:lstStyle/>
+          <a:p>
+            <a:pPr lvl="0"/>
+            <a:r>
+              <a:rPr lang="en-US" sz="8000" baseline="0" dirty="0">
+                <a:ln w="3175" cmpd="sng">
+                  <a:noFill/>
+                </a:ln>
+                <a:solidFill>
+                  <a:schemeClr val="accent1">
+                    <a:lumMod val="60000"/>
+                    <a:lumOff val="40000"/>
+                  </a:schemeClr>
+                </a:solidFill>
+                <a:effectLst/>
+                <a:latin typeface="Arial"/>
+              </a:rPr>
+              <a:t>“</a:t>
+            </a:r>
+          </a:p>
+        </p:txBody>
+      </p:sp>
+      <p:sp>
+        <p:nvSpPr>
+          <p:cNvPr id="25" name="TextBox 24"/>
+          <p:cNvSpPr txBox="1"/>
+          <p:nvPr/>
+        </p:nvSpPr>
+        <p:spPr>
+          <a:xfrm>
+            <a:off x="8893011" y="2886556"/>
+            <a:ext cx="609600" cy="584776"/>
+          </a:xfrm>
+          <a:prstGeom prst="rect">
+            <a:avLst/>
+          </a:prstGeom>
+        </p:spPr>
+        <p:txBody>
+          <a:bodyPr vert="horz" lIns="91440" tIns="45720" rIns="91440" bIns="45720" rtlCol="0" anchor="ctr">
+            <a:noAutofit/>
+          </a:bodyPr>
+          <a:lstStyle/>
+          <a:p>
+            <a:pPr lvl="0"/>
+            <a:r>
+              <a:rPr lang="en-US" sz="8000" baseline="0" dirty="0">
+                <a:ln w="3175" cmpd="sng">
+                  <a:noFill/>
+                </a:ln>
+                <a:solidFill>
+                  <a:schemeClr val="accent1">
+                    <a:lumMod val="60000"/>
+                    <a:lumOff val="40000"/>
+                  </a:schemeClr>
+                </a:solidFill>
+                <a:effectLst/>
+                <a:latin typeface="Arial"/>
+              </a:rPr>
+              <a:t>”</a:t>
+            </a:r>
+          </a:p>
+        </p:txBody>
+      </p:sp>
+    </p:spTree>
+    <p:extLst>
+      <p:ext uri="{BB962C8B-B14F-4D97-AF65-F5344CB8AC3E}">
+        <p14:creationId xmlns:p14="http://schemas.microsoft.com/office/powerpoint/2010/main" val="2970312520"/>
+      </p:ext>
+    </p:extLst>
+  </p:cSld>
+  <p:clrMapOvr>
+    <a:masterClrMapping/>
+  </p:clrMapOvr>
+</p:sldLayout>
+</file>
+
+<file path=ppt/slideLayouts/slideLayout12.xml><?xml version="1.0" encoding="utf-8"?>
+<p:sldLayout xmlns:a="http://schemas.openxmlformats.org/drawingml/2006/main" xmlns:r="http://schemas.openxmlformats.org/officeDocument/2006/relationships" xmlns:p="http://schemas.openxmlformats.org/presentationml/2006/main" preserve="1">
+  <p:cSld name="Name Card">
+    <p:spTree>
+      <p:nvGrpSpPr>
+        <p:cNvPr id="1" name=""/>
+        <p:cNvGrpSpPr/>
+        <p:nvPr/>
+      </p:nvGrpSpPr>
+      <p:grpSpPr>
+        <a:xfrm>
+          <a:off x="0" y="0"/>
+          <a:ext cx="0" cy="0"/>
+          <a:chOff x="0" y="0"/>
+          <a:chExt cx="0" cy="0"/>
+        </a:xfrm>
+      </p:grpSpPr>
+      <p:sp>
+        <p:nvSpPr>
+          <p:cNvPr id="2" name="Title 1"/>
+          <p:cNvSpPr>
+            <a:spLocks noGrp="1"/>
+          </p:cNvSpPr>
+          <p:nvPr>
+            <p:ph type="title"/>
+          </p:nvPr>
+        </p:nvSpPr>
+        <p:spPr>
+          <a:xfrm>
+            <a:off x="677335" y="1931988"/>
+            <a:ext cx="8596668" cy="2595460"/>
+          </a:xfrm>
+        </p:spPr>
+        <p:txBody>
+          <a:bodyPr anchor="b">
+            <a:normAutofit/>
+          </a:bodyPr>
+          <a:lstStyle>
+            <a:lvl1pPr algn="l">
+              <a:defRPr sz="4400" b="0" cap="none"/>
+            </a:lvl1pPr>
+          </a:lstStyle>
+          <a:p>
+            <a:r>
+              <a:rPr lang="en-US"/>
+              <a:t>Click to edit Master title style</a:t>
+            </a:r>
+            <a:endParaRPr lang="en-US" dirty="0"/>
+          </a:p>
+        </p:txBody>
+      </p:sp>
+      <p:sp>
+        <p:nvSpPr>
+          <p:cNvPr id="3" name="Text Placeholder 2"/>
+          <p:cNvSpPr>
+            <a:spLocks noGrp="1"/>
+          </p:cNvSpPr>
+          <p:nvPr>
+            <p:ph type="body" idx="1"/>
+          </p:nvPr>
+        </p:nvSpPr>
+        <p:spPr>
+          <a:xfrm>
+            <a:off x="677335" y="4527448"/>
+            <a:ext cx="8596668" cy="1513914"/>
+          </a:xfrm>
+        </p:spPr>
+        <p:txBody>
+          <a:bodyPr anchor="t">
+            <a:normAutofit/>
+          </a:bodyPr>
+          <a:lstStyle>
+            <a:lvl1pPr marL="0" indent="0" algn="l">
+              <a:buNone/>
+              <a:defRPr sz="1800">
+                <a:solidFill>
+                  <a:schemeClr val="tx1">
+                    <a:lumMod val="75000"/>
+                    <a:lumOff val="25000"/>
+                  </a:schemeClr>
+                </a:solidFill>
+              </a:defRPr>
+            </a:lvl1pPr>
+            <a:lvl2pPr marL="457200" indent="0">
+              <a:buNone/>
+              <a:defRPr sz="1800">
+                <a:solidFill>
+                  <a:schemeClr val="tx1">
+                    <a:tint val="75000"/>
+                  </a:schemeClr>
+                </a:solidFill>
+              </a:defRPr>
+            </a:lvl2pPr>
+            <a:lvl3pPr marL="914400" indent="0">
+              <a:buNone/>
+              <a:defRPr sz="1600">
+                <a:solidFill>
+                  <a:schemeClr val="tx1">
+                    <a:tint val="75000"/>
+                  </a:schemeClr>
+                </a:solidFill>
+              </a:defRPr>
+            </a:lvl3pPr>
+            <a:lvl4pPr marL="1371600" indent="0">
+              <a:buNone/>
+              <a:defRPr sz="1400">
+                <a:solidFill>
+                  <a:schemeClr val="tx1">
+                    <a:tint val="75000"/>
+                  </a:schemeClr>
+                </a:solidFill>
+              </a:defRPr>
+            </a:lvl4pPr>
+            <a:lvl5pPr marL="1828800" indent="0">
+              <a:buNone/>
+              <a:defRPr sz="1400">
+                <a:solidFill>
+                  <a:schemeClr val="tx1">
+                    <a:tint val="75000"/>
+                  </a:schemeClr>
+                </a:solidFill>
+              </a:defRPr>
+            </a:lvl5pPr>
+            <a:lvl6pPr marL="2286000" indent="0">
+              <a:buNone/>
+              <a:defRPr sz="1400">
+                <a:solidFill>
+                  <a:schemeClr val="tx1">
+                    <a:tint val="75000"/>
+                  </a:schemeClr>
+                </a:solidFill>
+              </a:defRPr>
+            </a:lvl6pPr>
+            <a:lvl7pPr marL="2743200" indent="0">
+              <a:buNone/>
+              <a:defRPr sz="1400">
+                <a:solidFill>
+                  <a:schemeClr val="tx1">
+                    <a:tint val="75000"/>
+                  </a:schemeClr>
+                </a:solidFill>
+              </a:defRPr>
+            </a:lvl7pPr>
+            <a:lvl8pPr marL="3200400" indent="0">
+              <a:buNone/>
+              <a:defRPr sz="1400">
+                <a:solidFill>
+                  <a:schemeClr val="tx1">
+                    <a:tint val="75000"/>
+                  </a:schemeClr>
+                </a:solidFill>
+              </a:defRPr>
+            </a:lvl8pPr>
+            <a:lvl9pPr marL="3657600" indent="0">
+              <a:buNone/>
+              <a:defRPr sz="1400">
+                <a:solidFill>
+                  <a:schemeClr val="tx1">
+                    <a:tint val="75000"/>
+                  </a:schemeClr>
+                </a:solidFill>
+              </a:defRPr>
+            </a:lvl9pPr>
+          </a:lstStyle>
+          <a:p>
+            <a:pPr lvl="0"/>
+            <a:r>
+              <a:rPr lang="en-US"/>
+              <a:t>Click to edit Master text styles</a:t>
+            </a:r>
+          </a:p>
+        </p:txBody>
+      </p:sp>
+      <p:sp>
+        <p:nvSpPr>
+          <p:cNvPr id="4" name="Date Placeholder 3"/>
+          <p:cNvSpPr>
+            <a:spLocks noGrp="1"/>
+          </p:cNvSpPr>
+          <p:nvPr>
+            <p:ph type="dt" sz="half" idx="10"/>
+          </p:nvPr>
+        </p:nvSpPr>
+        <p:spPr/>
+        <p:txBody>
+          <a:bodyPr/>
+          <a:lstStyle/>
+          <a:p>
+            <a:fld id="{2BE45E80-1765-774A-A455-E954E38424A6}" type="datetimeFigureOut">
+              <a:rPr lang="en-US" smtClean="0"/>
+              <a:t>8/5/21</a:t>
+            </a:fld>
+            <a:endParaRPr lang="en-US"/>
+          </a:p>
+        </p:txBody>
+      </p:sp>
+      <p:sp>
+        <p:nvSpPr>
+          <p:cNvPr id="5" name="Footer Placeholder 4"/>
+          <p:cNvSpPr>
+            <a:spLocks noGrp="1"/>
+          </p:cNvSpPr>
+          <p:nvPr>
+            <p:ph type="ftr" sz="quarter" idx="11"/>
+          </p:nvPr>
+        </p:nvSpPr>
+        <p:spPr/>
+        <p:txBody>
+          <a:bodyPr/>
+          <a:lstStyle/>
+          <a:p>
+            <a:endParaRPr lang="en-US"/>
+          </a:p>
+        </p:txBody>
+      </p:sp>
+      <p:sp>
+        <p:nvSpPr>
+          <p:cNvPr id="6" name="Slide Number Placeholder 5"/>
+          <p:cNvSpPr>
+            <a:spLocks noGrp="1"/>
+          </p:cNvSpPr>
+          <p:nvPr>
+            <p:ph type="sldNum" sz="quarter" idx="12"/>
+          </p:nvPr>
+        </p:nvSpPr>
+        <p:spPr/>
+        <p:txBody>
+          <a:bodyPr/>
+          <a:lstStyle/>
+          <a:p>
+            <a:fld id="{140A115B-E4D8-0947-866C-BBF368380B9B}" type="slidenum">
+              <a:rPr lang="en-US" smtClean="0"/>
+              <a:t>‹#›</a:t>
+            </a:fld>
+            <a:endParaRPr lang="en-US"/>
+          </a:p>
+        </p:txBody>
+      </p:sp>
+    </p:spTree>
+    <p:extLst>
+      <p:ext uri="{BB962C8B-B14F-4D97-AF65-F5344CB8AC3E}">
+        <p14:creationId xmlns:p14="http://schemas.microsoft.com/office/powerpoint/2010/main" val="3724430598"/>
+      </p:ext>
+    </p:extLst>
+  </p:cSld>
+  <p:clrMapOvr>
+    <a:masterClrMapping/>
+  </p:clrMapOvr>
+</p:sldLayout>
+</file>
+
+<file path=ppt/slideLayouts/slideLayout13.xml><?xml version="1.0" encoding="utf-8"?>
+<p:sldLayout xmlns:a="http://schemas.openxmlformats.org/drawingml/2006/main" xmlns:r="http://schemas.openxmlformats.org/officeDocument/2006/relationships" xmlns:p="http://schemas.openxmlformats.org/presentationml/2006/main" preserve="1">
+  <p:cSld name="Quote Name Card">
+    <p:spTree>
+      <p:nvGrpSpPr>
+        <p:cNvPr id="1" name=""/>
+        <p:cNvGrpSpPr/>
+        <p:nvPr/>
+      </p:nvGrpSpPr>
+      <p:grpSpPr>
+        <a:xfrm>
+          <a:off x="0" y="0"/>
+          <a:ext cx="0" cy="0"/>
+          <a:chOff x="0" y="0"/>
+          <a:chExt cx="0" cy="0"/>
+        </a:xfrm>
+      </p:grpSpPr>
+      <p:sp>
+        <p:nvSpPr>
+          <p:cNvPr id="2" name="Title 1"/>
+          <p:cNvSpPr>
+            <a:spLocks noGrp="1"/>
+          </p:cNvSpPr>
+          <p:nvPr>
+            <p:ph type="title"/>
+          </p:nvPr>
+        </p:nvSpPr>
+        <p:spPr>
+          <a:xfrm>
+            <a:off x="931334" y="609600"/>
+            <a:ext cx="8094134" cy="3022600"/>
+          </a:xfrm>
+        </p:spPr>
+        <p:txBody>
+          <a:bodyPr anchor="ctr">
+            <a:normAutofit/>
+          </a:bodyPr>
+          <a:lstStyle>
+            <a:lvl1pPr algn="l">
+              <a:defRPr sz="4400" b="0" cap="none"/>
+            </a:lvl1pPr>
+          </a:lstStyle>
+          <a:p>
+            <a:r>
+              <a:rPr lang="en-US"/>
+              <a:t>Click to edit Master title style</a:t>
+            </a:r>
+            <a:endParaRPr lang="en-US" dirty="0"/>
+          </a:p>
+        </p:txBody>
+      </p:sp>
+      <p:sp>
+        <p:nvSpPr>
+          <p:cNvPr id="23" name="Text Placeholder 9"/>
+          <p:cNvSpPr>
+            <a:spLocks noGrp="1"/>
+          </p:cNvSpPr>
+          <p:nvPr>
+            <p:ph type="body" sz="quarter" idx="13"/>
+          </p:nvPr>
+        </p:nvSpPr>
+        <p:spPr>
+          <a:xfrm>
+            <a:off x="677332" y="4013200"/>
+            <a:ext cx="8596669" cy="514248"/>
+          </a:xfrm>
+        </p:spPr>
+        <p:txBody>
+          <a:bodyPr anchor="b">
+            <a:noAutofit/>
+          </a:bodyPr>
+          <a:lstStyle>
+            <a:lvl1pPr marL="0" indent="0">
+              <a:buFontTx/>
+              <a:buNone/>
+              <a:defRPr sz="2400">
+                <a:solidFill>
+                  <a:schemeClr val="tx1">
+                    <a:lumMod val="75000"/>
+                    <a:lumOff val="25000"/>
+                  </a:schemeClr>
+                </a:solidFill>
+              </a:defRPr>
+            </a:lvl1pPr>
+            <a:lvl2pPr marL="457200" indent="0">
+              <a:buFontTx/>
+              <a:buNone/>
+              <a:defRPr/>
+            </a:lvl2pPr>
+            <a:lvl3pPr marL="914400" indent="0">
+              <a:buFontTx/>
+              <a:buNone/>
+              <a:defRPr/>
+            </a:lvl3pPr>
+            <a:lvl4pPr marL="1371600" indent="0">
+              <a:buFontTx/>
+              <a:buNone/>
+              <a:defRPr/>
+            </a:lvl4pPr>
+            <a:lvl5pPr marL="1828800" indent="0">
+              <a:buFontTx/>
+              <a:buNone/>
+              <a:defRPr/>
+            </a:lvl5pPr>
+          </a:lstStyle>
+          <a:p>
+            <a:pPr lvl="0"/>
+            <a:r>
+              <a:rPr lang="en-US"/>
+              <a:t>Click to edit Master text styles</a:t>
+            </a:r>
+          </a:p>
+        </p:txBody>
+      </p:sp>
+      <p:sp>
+        <p:nvSpPr>
+          <p:cNvPr id="3" name="Text Placeholder 2"/>
+          <p:cNvSpPr>
+            <a:spLocks noGrp="1"/>
+          </p:cNvSpPr>
+          <p:nvPr>
+            <p:ph type="body" idx="1"/>
+          </p:nvPr>
+        </p:nvSpPr>
+        <p:spPr>
+          <a:xfrm>
+            <a:off x="677335" y="4527448"/>
+            <a:ext cx="8596668" cy="1513914"/>
+          </a:xfrm>
+        </p:spPr>
+        <p:txBody>
+          <a:bodyPr anchor="t">
+            <a:normAutofit/>
+          </a:bodyPr>
+          <a:lstStyle>
+            <a:lvl1pPr marL="0" indent="0" algn="l">
+              <a:buNone/>
+              <a:defRPr sz="1800">
+                <a:solidFill>
+                  <a:schemeClr val="tx1">
+                    <a:lumMod val="50000"/>
+                    <a:lumOff val="50000"/>
+                  </a:schemeClr>
+                </a:solidFill>
+              </a:defRPr>
+            </a:lvl1pPr>
+            <a:lvl2pPr marL="457200" indent="0">
+              <a:buNone/>
+              <a:defRPr sz="1800">
+                <a:solidFill>
+                  <a:schemeClr val="tx1">
+                    <a:tint val="75000"/>
+                  </a:schemeClr>
+                </a:solidFill>
+              </a:defRPr>
+            </a:lvl2pPr>
+            <a:lvl3pPr marL="914400" indent="0">
+              <a:buNone/>
+              <a:defRPr sz="1600">
+                <a:solidFill>
+                  <a:schemeClr val="tx1">
+                    <a:tint val="75000"/>
+                  </a:schemeClr>
+                </a:solidFill>
+              </a:defRPr>
+            </a:lvl3pPr>
+            <a:lvl4pPr marL="1371600" indent="0">
+              <a:buNone/>
+              <a:defRPr sz="1400">
+                <a:solidFill>
+                  <a:schemeClr val="tx1">
+                    <a:tint val="75000"/>
+                  </a:schemeClr>
+                </a:solidFill>
+              </a:defRPr>
+            </a:lvl4pPr>
+            <a:lvl5pPr marL="1828800" indent="0">
+              <a:buNone/>
+              <a:defRPr sz="1400">
+                <a:solidFill>
+                  <a:schemeClr val="tx1">
+                    <a:tint val="75000"/>
+                  </a:schemeClr>
+                </a:solidFill>
+              </a:defRPr>
+            </a:lvl5pPr>
+            <a:lvl6pPr marL="2286000" indent="0">
+              <a:buNone/>
+              <a:defRPr sz="1400">
+                <a:solidFill>
+                  <a:schemeClr val="tx1">
+                    <a:tint val="75000"/>
+                  </a:schemeClr>
+                </a:solidFill>
+              </a:defRPr>
+            </a:lvl6pPr>
+            <a:lvl7pPr marL="2743200" indent="0">
+              <a:buNone/>
+              <a:defRPr sz="1400">
+                <a:solidFill>
+                  <a:schemeClr val="tx1">
+                    <a:tint val="75000"/>
+                  </a:schemeClr>
+                </a:solidFill>
+              </a:defRPr>
+            </a:lvl7pPr>
+            <a:lvl8pPr marL="3200400" indent="0">
+              <a:buNone/>
+              <a:defRPr sz="1400">
+                <a:solidFill>
+                  <a:schemeClr val="tx1">
+                    <a:tint val="75000"/>
+                  </a:schemeClr>
+                </a:solidFill>
+              </a:defRPr>
+            </a:lvl8pPr>
+            <a:lvl9pPr marL="3657600" indent="0">
+              <a:buNone/>
+              <a:defRPr sz="1400">
+                <a:solidFill>
+                  <a:schemeClr val="tx1">
+                    <a:tint val="75000"/>
+                  </a:schemeClr>
+                </a:solidFill>
+              </a:defRPr>
+            </a:lvl9pPr>
+          </a:lstStyle>
+          <a:p>
+            <a:pPr lvl="0"/>
+            <a:r>
+              <a:rPr lang="en-US"/>
+              <a:t>Click to edit Master text styles</a:t>
+            </a:r>
+          </a:p>
+        </p:txBody>
+      </p:sp>
+      <p:sp>
+        <p:nvSpPr>
+          <p:cNvPr id="4" name="Date Placeholder 3"/>
+          <p:cNvSpPr>
+            <a:spLocks noGrp="1"/>
+          </p:cNvSpPr>
+          <p:nvPr>
+            <p:ph type="dt" sz="half" idx="10"/>
+          </p:nvPr>
+        </p:nvSpPr>
+        <p:spPr/>
+        <p:txBody>
+          <a:bodyPr/>
+          <a:lstStyle/>
+          <a:p>
+            <a:fld id="{2BE45E80-1765-774A-A455-E954E38424A6}" type="datetimeFigureOut">
+              <a:rPr lang="en-US" smtClean="0"/>
+              <a:t>8/5/21</a:t>
+            </a:fld>
+            <a:endParaRPr lang="en-US"/>
+          </a:p>
+        </p:txBody>
+      </p:sp>
+      <p:sp>
+        <p:nvSpPr>
+          <p:cNvPr id="5" name="Footer Placeholder 4"/>
+          <p:cNvSpPr>
+            <a:spLocks noGrp="1"/>
+          </p:cNvSpPr>
+          <p:nvPr>
+            <p:ph type="ftr" sz="quarter" idx="11"/>
+          </p:nvPr>
+        </p:nvSpPr>
+        <p:spPr/>
+        <p:txBody>
+          <a:bodyPr/>
+          <a:lstStyle/>
+          <a:p>
+            <a:endParaRPr lang="en-US"/>
+          </a:p>
+        </p:txBody>
+      </p:sp>
+      <p:sp>
+        <p:nvSpPr>
+          <p:cNvPr id="6" name="Slide Number Placeholder 5"/>
+          <p:cNvSpPr>
+            <a:spLocks noGrp="1"/>
+          </p:cNvSpPr>
+          <p:nvPr>
+            <p:ph type="sldNum" sz="quarter" idx="12"/>
+          </p:nvPr>
+        </p:nvSpPr>
+        <p:spPr/>
+        <p:txBody>
+          <a:bodyPr/>
+          <a:lstStyle/>
+          <a:p>
+            <a:fld id="{140A115B-E4D8-0947-866C-BBF368380B9B}" type="slidenum">
+              <a:rPr lang="en-US" smtClean="0"/>
+              <a:t>‹#›</a:t>
+            </a:fld>
+            <a:endParaRPr lang="en-US"/>
+          </a:p>
+        </p:txBody>
+      </p:sp>
+      <p:sp>
+        <p:nvSpPr>
+          <p:cNvPr id="24" name="TextBox 23"/>
+          <p:cNvSpPr txBox="1"/>
+          <p:nvPr/>
+        </p:nvSpPr>
+        <p:spPr>
+          <a:xfrm>
+            <a:off x="541870" y="790378"/>
+            <a:ext cx="609600" cy="584776"/>
+          </a:xfrm>
+          <a:prstGeom prst="rect">
+            <a:avLst/>
+          </a:prstGeom>
+        </p:spPr>
+        <p:txBody>
+          <a:bodyPr vert="horz" lIns="91440" tIns="45720" rIns="91440" bIns="45720" rtlCol="0" anchor="ctr">
+            <a:noAutofit/>
+          </a:bodyPr>
+          <a:lstStyle/>
+          <a:p>
+            <a:pPr lvl="0"/>
+            <a:r>
+              <a:rPr lang="en-US" sz="8000" baseline="0" dirty="0">
+                <a:ln w="3175" cmpd="sng">
+                  <a:noFill/>
+                </a:ln>
+                <a:solidFill>
+                  <a:schemeClr val="accent1">
+                    <a:lumMod val="60000"/>
+                    <a:lumOff val="40000"/>
+                  </a:schemeClr>
+                </a:solidFill>
+                <a:effectLst/>
+                <a:latin typeface="Arial"/>
+              </a:rPr>
+              <a:t>“</a:t>
+            </a:r>
+          </a:p>
+        </p:txBody>
+      </p:sp>
+      <p:sp>
+        <p:nvSpPr>
+          <p:cNvPr id="25" name="TextBox 24"/>
+          <p:cNvSpPr txBox="1"/>
+          <p:nvPr/>
+        </p:nvSpPr>
+        <p:spPr>
+          <a:xfrm>
+            <a:off x="8893011" y="2886556"/>
+            <a:ext cx="609600" cy="584776"/>
+          </a:xfrm>
+          <a:prstGeom prst="rect">
+            <a:avLst/>
+          </a:prstGeom>
+        </p:spPr>
+        <p:txBody>
+          <a:bodyPr vert="horz" lIns="91440" tIns="45720" rIns="91440" bIns="45720" rtlCol="0" anchor="ctr">
+            <a:noAutofit/>
+          </a:bodyPr>
+          <a:lstStyle/>
+          <a:p>
+            <a:pPr lvl="0"/>
+            <a:r>
+              <a:rPr lang="en-US" sz="8000" baseline="0" dirty="0">
+                <a:ln w="3175" cmpd="sng">
+                  <a:noFill/>
+                </a:ln>
+                <a:solidFill>
+                  <a:schemeClr val="accent1">
+                    <a:lumMod val="60000"/>
+                    <a:lumOff val="40000"/>
+                  </a:schemeClr>
+                </a:solidFill>
+                <a:effectLst/>
+                <a:latin typeface="Arial"/>
+              </a:rPr>
+              <a:t>”</a:t>
+            </a:r>
+          </a:p>
+        </p:txBody>
+      </p:sp>
+    </p:spTree>
+    <p:extLst>
+      <p:ext uri="{BB962C8B-B14F-4D97-AF65-F5344CB8AC3E}">
+        <p14:creationId xmlns:p14="http://schemas.microsoft.com/office/powerpoint/2010/main" val="1880745630"/>
+      </p:ext>
+    </p:extLst>
+  </p:cSld>
+  <p:clrMapOvr>
+    <a:masterClrMapping/>
+  </p:clrMapOvr>
+</p:sldLayout>
+</file>
+
+<file path=ppt/slideLayouts/slideLayout14.xml><?xml version="1.0" encoding="utf-8"?>
+<p:sldLayout xmlns:a="http://schemas.openxmlformats.org/drawingml/2006/main" xmlns:r="http://schemas.openxmlformats.org/officeDocument/2006/relationships" xmlns:p="http://schemas.openxmlformats.org/presentationml/2006/main" preserve="1">
+  <p:cSld name="True or False">
+    <p:spTree>
+      <p:nvGrpSpPr>
+        <p:cNvPr id="1" name=""/>
+        <p:cNvGrpSpPr/>
+        <p:nvPr/>
+      </p:nvGrpSpPr>
+      <p:grpSpPr>
+        <a:xfrm>
+          <a:off x="0" y="0"/>
+          <a:ext cx="0" cy="0"/>
+          <a:chOff x="0" y="0"/>
+          <a:chExt cx="0" cy="0"/>
+        </a:xfrm>
+      </p:grpSpPr>
+      <p:sp>
+        <p:nvSpPr>
+          <p:cNvPr id="2" name="Title 1"/>
+          <p:cNvSpPr>
+            <a:spLocks noGrp="1"/>
+          </p:cNvSpPr>
+          <p:nvPr>
+            <p:ph type="title"/>
+          </p:nvPr>
+        </p:nvSpPr>
+        <p:spPr>
+          <a:xfrm>
+            <a:off x="685799" y="609600"/>
+            <a:ext cx="8588203" cy="3022600"/>
+          </a:xfrm>
+        </p:spPr>
+        <p:txBody>
+          <a:bodyPr anchor="ctr">
+            <a:normAutofit/>
+          </a:bodyPr>
+          <a:lstStyle>
+            <a:lvl1pPr algn="l">
+              <a:defRPr sz="4400" b="0" cap="none"/>
+            </a:lvl1pPr>
+          </a:lstStyle>
+          <a:p>
+            <a:r>
+              <a:rPr lang="en-US"/>
+              <a:t>Click to edit Master title style</a:t>
+            </a:r>
+            <a:endParaRPr lang="en-US" dirty="0"/>
+          </a:p>
+        </p:txBody>
+      </p:sp>
+      <p:sp>
+        <p:nvSpPr>
+          <p:cNvPr id="23" name="Text Placeholder 9"/>
+          <p:cNvSpPr>
+            <a:spLocks noGrp="1"/>
+          </p:cNvSpPr>
+          <p:nvPr>
+            <p:ph type="body" sz="quarter" idx="13"/>
+          </p:nvPr>
+        </p:nvSpPr>
+        <p:spPr>
+          <a:xfrm>
+            <a:off x="677332" y="4013200"/>
+            <a:ext cx="8596669" cy="514248"/>
+          </a:xfrm>
+        </p:spPr>
+        <p:txBody>
+          <a:bodyPr anchor="b">
+            <a:noAutofit/>
+          </a:bodyPr>
+          <a:lstStyle>
+            <a:lvl1pPr marL="0" indent="0">
+              <a:buFontTx/>
+              <a:buNone/>
+              <a:defRPr sz="2400">
+                <a:solidFill>
+                  <a:schemeClr val="accent1"/>
+                </a:solidFill>
+              </a:defRPr>
+            </a:lvl1pPr>
+            <a:lvl2pPr marL="457200" indent="0">
+              <a:buFontTx/>
+              <a:buNone/>
+              <a:defRPr/>
+            </a:lvl2pPr>
+            <a:lvl3pPr marL="914400" indent="0">
+              <a:buFontTx/>
+              <a:buNone/>
+              <a:defRPr/>
+            </a:lvl3pPr>
+            <a:lvl4pPr marL="1371600" indent="0">
+              <a:buFontTx/>
+              <a:buNone/>
+              <a:defRPr/>
+            </a:lvl4pPr>
+            <a:lvl5pPr marL="1828800" indent="0">
+              <a:buFontTx/>
+              <a:buNone/>
+              <a:defRPr/>
+            </a:lvl5pPr>
+          </a:lstStyle>
+          <a:p>
+            <a:pPr lvl="0"/>
+            <a:r>
+              <a:rPr lang="en-US"/>
+              <a:t>Click to edit Master text styles</a:t>
+            </a:r>
+          </a:p>
+        </p:txBody>
+      </p:sp>
+      <p:sp>
+        <p:nvSpPr>
+          <p:cNvPr id="3" name="Text Placeholder 2"/>
+          <p:cNvSpPr>
+            <a:spLocks noGrp="1"/>
+          </p:cNvSpPr>
+          <p:nvPr>
+            <p:ph type="body" idx="1"/>
+          </p:nvPr>
+        </p:nvSpPr>
+        <p:spPr>
+          <a:xfrm>
+            <a:off x="677335" y="4527448"/>
+            <a:ext cx="8596668" cy="1513914"/>
+          </a:xfrm>
+        </p:spPr>
+        <p:txBody>
+          <a:bodyPr anchor="t">
+            <a:normAutofit/>
+          </a:bodyPr>
+          <a:lstStyle>
+            <a:lvl1pPr marL="0" indent="0" algn="l">
+              <a:buNone/>
+              <a:defRPr sz="1800">
+                <a:solidFill>
+                  <a:schemeClr val="tx1">
+                    <a:lumMod val="50000"/>
+                    <a:lumOff val="50000"/>
+                  </a:schemeClr>
+                </a:solidFill>
+              </a:defRPr>
+            </a:lvl1pPr>
+            <a:lvl2pPr marL="457200" indent="0">
+              <a:buNone/>
+              <a:defRPr sz="1800">
+                <a:solidFill>
+                  <a:schemeClr val="tx1">
+                    <a:tint val="75000"/>
+                  </a:schemeClr>
+                </a:solidFill>
+              </a:defRPr>
+            </a:lvl2pPr>
+            <a:lvl3pPr marL="914400" indent="0">
+              <a:buNone/>
+              <a:defRPr sz="1600">
+                <a:solidFill>
+                  <a:schemeClr val="tx1">
+                    <a:tint val="75000"/>
+                  </a:schemeClr>
+                </a:solidFill>
+              </a:defRPr>
+            </a:lvl3pPr>
+            <a:lvl4pPr marL="1371600" indent="0">
+              <a:buNone/>
+              <a:defRPr sz="1400">
+                <a:solidFill>
+                  <a:schemeClr val="tx1">
+                    <a:tint val="75000"/>
+                  </a:schemeClr>
+                </a:solidFill>
+              </a:defRPr>
+            </a:lvl4pPr>
+            <a:lvl5pPr marL="1828800" indent="0">
+              <a:buNone/>
+              <a:defRPr sz="1400">
+                <a:solidFill>
+                  <a:schemeClr val="tx1">
+                    <a:tint val="75000"/>
+                  </a:schemeClr>
+                </a:solidFill>
+              </a:defRPr>
+            </a:lvl5pPr>
+            <a:lvl6pPr marL="2286000" indent="0">
+              <a:buNone/>
+              <a:defRPr sz="1400">
+                <a:solidFill>
+                  <a:schemeClr val="tx1">
+                    <a:tint val="75000"/>
+                  </a:schemeClr>
+                </a:solidFill>
+              </a:defRPr>
+            </a:lvl6pPr>
+            <a:lvl7pPr marL="2743200" indent="0">
+              <a:buNone/>
+              <a:defRPr sz="1400">
+                <a:solidFill>
+                  <a:schemeClr val="tx1">
+                    <a:tint val="75000"/>
+                  </a:schemeClr>
+                </a:solidFill>
+              </a:defRPr>
+            </a:lvl7pPr>
+            <a:lvl8pPr marL="3200400" indent="0">
+              <a:buNone/>
+              <a:defRPr sz="1400">
+                <a:solidFill>
+                  <a:schemeClr val="tx1">
+                    <a:tint val="75000"/>
+                  </a:schemeClr>
+                </a:solidFill>
+              </a:defRPr>
+            </a:lvl8pPr>
+            <a:lvl9pPr marL="3657600" indent="0">
+              <a:buNone/>
+              <a:defRPr sz="1400">
+                <a:solidFill>
+                  <a:schemeClr val="tx1">
+                    <a:tint val="75000"/>
+                  </a:schemeClr>
+                </a:solidFill>
+              </a:defRPr>
+            </a:lvl9pPr>
+          </a:lstStyle>
+          <a:p>
+            <a:pPr lvl="0"/>
+            <a:r>
+              <a:rPr lang="en-US"/>
+              <a:t>Click to edit Master text styles</a:t>
+            </a:r>
+          </a:p>
+        </p:txBody>
+      </p:sp>
+      <p:sp>
+        <p:nvSpPr>
+          <p:cNvPr id="4" name="Date Placeholder 3"/>
+          <p:cNvSpPr>
+            <a:spLocks noGrp="1"/>
+          </p:cNvSpPr>
+          <p:nvPr>
+            <p:ph type="dt" sz="half" idx="10"/>
+          </p:nvPr>
+        </p:nvSpPr>
+        <p:spPr/>
+        <p:txBody>
+          <a:bodyPr/>
+          <a:lstStyle/>
+          <a:p>
+            <a:fld id="{2BE45E80-1765-774A-A455-E954E38424A6}" type="datetimeFigureOut">
+              <a:rPr lang="en-US" smtClean="0"/>
+              <a:t>8/5/21</a:t>
+            </a:fld>
+            <a:endParaRPr lang="en-US"/>
+          </a:p>
+        </p:txBody>
+      </p:sp>
+      <p:sp>
+        <p:nvSpPr>
+          <p:cNvPr id="5" name="Footer Placeholder 4"/>
+          <p:cNvSpPr>
+            <a:spLocks noGrp="1"/>
+          </p:cNvSpPr>
+          <p:nvPr>
+            <p:ph type="ftr" sz="quarter" idx="11"/>
+          </p:nvPr>
+        </p:nvSpPr>
+        <p:spPr/>
+        <p:txBody>
+          <a:bodyPr/>
+          <a:lstStyle/>
+          <a:p>
+            <a:endParaRPr lang="en-US"/>
+          </a:p>
+        </p:txBody>
+      </p:sp>
+      <p:sp>
+        <p:nvSpPr>
+          <p:cNvPr id="6" name="Slide Number Placeholder 5"/>
+          <p:cNvSpPr>
+            <a:spLocks noGrp="1"/>
+          </p:cNvSpPr>
+          <p:nvPr>
+            <p:ph type="sldNum" sz="quarter" idx="12"/>
+          </p:nvPr>
+        </p:nvSpPr>
+        <p:spPr/>
+        <p:txBody>
+          <a:bodyPr/>
+          <a:lstStyle/>
+          <a:p>
+            <a:fld id="{140A115B-E4D8-0947-866C-BBF368380B9B}" type="slidenum">
+              <a:rPr lang="en-US" smtClean="0"/>
+              <a:t>‹#›</a:t>
+            </a:fld>
+            <a:endParaRPr lang="en-US"/>
+          </a:p>
+        </p:txBody>
+      </p:sp>
+    </p:spTree>
+    <p:extLst>
+      <p:ext uri="{BB962C8B-B14F-4D97-AF65-F5344CB8AC3E}">
+        <p14:creationId xmlns:p14="http://schemas.microsoft.com/office/powerpoint/2010/main" val="2911227273"/>
+      </p:ext>
+    </p:extLst>
+  </p:cSld>
+  <p:clrMapOvr>
+    <a:masterClrMapping/>
+  </p:clrMapOvr>
+</p:sldLayout>
+</file>
+
+<file path=ppt/slideLayouts/slideLayout15.xml><?xml version="1.0" encoding="utf-8"?>
 <p:sldLayout xmlns:a="http://schemas.openxmlformats.org/drawingml/2006/main" xmlns:r="http://schemas.openxmlformats.org/officeDocument/2006/relationships" xmlns:p="http://schemas.openxmlformats.org/presentationml/2006/main" type="vertTx" preserve="1">
   <p:cSld name="Title and Vertical Text">
     <p:spTree>
@@ -346,13 +2542,7 @@
       </p:grpSpPr>
       <p:sp>
         <p:nvSpPr>
-          <p:cNvPr id="2" name="Title 1">
-            <a:extLst>
-              <a:ext uri="{FF2B5EF4-FFF2-40B4-BE49-F238E27FC236}">
-                <a16:creationId xmlns:a16="http://schemas.microsoft.com/office/drawing/2014/main" id="{BFC685BB-650A-4648-9A88-15F24C0A20D5}"/>
-              </a:ext>
-            </a:extLst>
-          </p:cNvPr>
+          <p:cNvPr id="2" name="Title 1"/>
           <p:cNvSpPr>
             <a:spLocks noGrp="1"/>
           </p:cNvSpPr>
@@ -369,18 +2559,13 @@
               <a:rPr lang="en-US"/>
               <a:t>Click to edit Master title style</a:t>
             </a:r>
-          </a:p>
-        </p:txBody>
-      </p:sp>
-      <p:sp>
-        <p:nvSpPr>
-          <p:cNvPr id="3" name="Vertical Text Placeholder 2">
-            <a:extLst>
-              <a:ext uri="{FF2B5EF4-FFF2-40B4-BE49-F238E27FC236}">
-                <a16:creationId xmlns:a16="http://schemas.microsoft.com/office/drawing/2014/main" id="{8938CF36-1C30-EC40-B5F3-91A15CC33ADA}"/>
-              </a:ext>
-            </a:extLst>
-          </p:cNvPr>
+            <a:endParaRPr lang="en-US" dirty="0"/>
+          </a:p>
+        </p:txBody>
+      </p:sp>
+      <p:sp>
+        <p:nvSpPr>
+          <p:cNvPr id="3" name="Vertical Text Placeholder 2"/>
           <p:cNvSpPr>
             <a:spLocks noGrp="1"/>
           </p:cNvSpPr>
@@ -426,18 +2611,13 @@
               <a:rPr lang="en-US"/>
               <a:t>Fifth level</a:t>
             </a:r>
-          </a:p>
-        </p:txBody>
-      </p:sp>
-      <p:sp>
-        <p:nvSpPr>
-          <p:cNvPr id="4" name="Date Placeholder 3">
-            <a:extLst>
-              <a:ext uri="{FF2B5EF4-FFF2-40B4-BE49-F238E27FC236}">
-                <a16:creationId xmlns:a16="http://schemas.microsoft.com/office/drawing/2014/main" id="{1FE86E4D-A002-834D-9B9A-C78CE4E59067}"/>
-              </a:ext>
-            </a:extLst>
-          </p:cNvPr>
+            <a:endParaRPr lang="en-US" dirty="0"/>
+          </a:p>
+        </p:txBody>
+      </p:sp>
+      <p:sp>
+        <p:nvSpPr>
+          <p:cNvPr id="4" name="Date Placeholder 3"/>
           <p:cNvSpPr>
             <a:spLocks noGrp="1"/>
           </p:cNvSpPr>
@@ -452,7 +2632,7 @@
           <a:p>
             <a:fld id="{2BE45E80-1765-774A-A455-E954E38424A6}" type="datetimeFigureOut">
               <a:rPr lang="en-US" smtClean="0"/>
-              <a:t>7/23/21</a:t>
+              <a:t>8/5/21</a:t>
             </a:fld>
             <a:endParaRPr lang="en-US"/>
           </a:p>
@@ -460,13 +2640,7 @@
       </p:sp>
       <p:sp>
         <p:nvSpPr>
-          <p:cNvPr id="5" name="Footer Placeholder 4">
-            <a:extLst>
-              <a:ext uri="{FF2B5EF4-FFF2-40B4-BE49-F238E27FC236}">
-                <a16:creationId xmlns:a16="http://schemas.microsoft.com/office/drawing/2014/main" id="{65F802A8-7F4D-3441-904E-ADDE44DF31BD}"/>
-              </a:ext>
-            </a:extLst>
-          </p:cNvPr>
+          <p:cNvPr id="5" name="Footer Placeholder 4"/>
           <p:cNvSpPr>
             <a:spLocks noGrp="1"/>
           </p:cNvSpPr>
@@ -485,13 +2659,7 @@
       </p:sp>
       <p:sp>
         <p:nvSpPr>
-          <p:cNvPr id="6" name="Slide Number Placeholder 5">
-            <a:extLst>
-              <a:ext uri="{FF2B5EF4-FFF2-40B4-BE49-F238E27FC236}">
-                <a16:creationId xmlns:a16="http://schemas.microsoft.com/office/drawing/2014/main" id="{F96DFC39-2393-044D-A557-B59DF3827E7F}"/>
-              </a:ext>
-            </a:extLst>
-          </p:cNvPr>
+          <p:cNvPr id="6" name="Slide Number Placeholder 5"/>
           <p:cNvSpPr>
             <a:spLocks noGrp="1"/>
           </p:cNvSpPr>
@@ -515,7 +2683,7 @@
     </p:spTree>
     <p:extLst>
       <p:ext uri="{BB962C8B-B14F-4D97-AF65-F5344CB8AC3E}">
-        <p14:creationId xmlns:p14="http://schemas.microsoft.com/office/powerpoint/2010/main" val="2546276865"/>
+        <p14:creationId xmlns:p14="http://schemas.microsoft.com/office/powerpoint/2010/main" val="2683767517"/>
       </p:ext>
     </p:extLst>
   </p:cSld>
@@ -525,7 +2693,7 @@
 </p:sldLayout>
 </file>
 
-<file path=ppt/slideLayouts/slideLayout11.xml><?xml version="1.0" encoding="utf-8"?>
+<file path=ppt/slideLayouts/slideLayout16.xml><?xml version="1.0" encoding="utf-8"?>
 <p:sldLayout xmlns:a="http://schemas.openxmlformats.org/drawingml/2006/main" xmlns:r="http://schemas.openxmlformats.org/officeDocument/2006/relationships" xmlns:p="http://schemas.openxmlformats.org/presentationml/2006/main" type="vertTitleAndTx" preserve="1">
   <p:cSld name="Vertical Title and Text">
     <p:spTree>
@@ -544,13 +2712,7 @@
       </p:grpSpPr>
       <p:sp>
         <p:nvSpPr>
-          <p:cNvPr id="2" name="Vertical Title 1">
-            <a:extLst>
-              <a:ext uri="{FF2B5EF4-FFF2-40B4-BE49-F238E27FC236}">
-                <a16:creationId xmlns:a16="http://schemas.microsoft.com/office/drawing/2014/main" id="{CB2DBCE9-056C-D341-8BA3-F404B91CCD50}"/>
-              </a:ext>
-            </a:extLst>
-          </p:cNvPr>
+          <p:cNvPr id="2" name="Vertical Title 1"/>
           <p:cNvSpPr>
             <a:spLocks noGrp="1"/>
           </p:cNvSpPr>
@@ -560,30 +2722,25 @@
         </p:nvSpPr>
         <p:spPr>
           <a:xfrm>
-            <a:off x="8724900" y="365125"/>
-            <a:ext cx="2628900" cy="5811838"/>
+            <a:off x="7967673" y="609599"/>
+            <a:ext cx="1304743" cy="5251451"/>
           </a:xfrm>
         </p:spPr>
         <p:txBody>
-          <a:bodyPr vert="eaVert"/>
+          <a:bodyPr vert="eaVert" anchor="ctr"/>
           <a:lstStyle/>
           <a:p>
             <a:r>
               <a:rPr lang="en-US"/>
               <a:t>Click to edit Master title style</a:t>
             </a:r>
-          </a:p>
-        </p:txBody>
-      </p:sp>
-      <p:sp>
-        <p:nvSpPr>
-          <p:cNvPr id="3" name="Vertical Text Placeholder 2">
-            <a:extLst>
-              <a:ext uri="{FF2B5EF4-FFF2-40B4-BE49-F238E27FC236}">
-                <a16:creationId xmlns:a16="http://schemas.microsoft.com/office/drawing/2014/main" id="{9C169C09-CB66-654B-B845-AE00735ACFF4}"/>
-              </a:ext>
-            </a:extLst>
-          </p:cNvPr>
+            <a:endParaRPr lang="en-US" dirty="0"/>
+          </a:p>
+        </p:txBody>
+      </p:sp>
+      <p:sp>
+        <p:nvSpPr>
+          <p:cNvPr id="3" name="Vertical Text Placeholder 2"/>
           <p:cNvSpPr>
             <a:spLocks noGrp="1"/>
           </p:cNvSpPr>
@@ -593,8 +2750,8 @@
         </p:nvSpPr>
         <p:spPr>
           <a:xfrm>
-            <a:off x="838200" y="365125"/>
-            <a:ext cx="7734300" cy="5811838"/>
+            <a:off x="677335" y="609600"/>
+            <a:ext cx="7060150" cy="5251450"/>
           </a:xfrm>
         </p:spPr>
         <p:txBody>
@@ -634,18 +2791,13 @@
               <a:rPr lang="en-US"/>
               <a:t>Fifth level</a:t>
             </a:r>
-          </a:p>
-        </p:txBody>
-      </p:sp>
-      <p:sp>
-        <p:nvSpPr>
-          <p:cNvPr id="4" name="Date Placeholder 3">
-            <a:extLst>
-              <a:ext uri="{FF2B5EF4-FFF2-40B4-BE49-F238E27FC236}">
-                <a16:creationId xmlns:a16="http://schemas.microsoft.com/office/drawing/2014/main" id="{D3819271-E12D-9840-B65A-F30721B8580A}"/>
-              </a:ext>
-            </a:extLst>
-          </p:cNvPr>
+            <a:endParaRPr lang="en-US" dirty="0"/>
+          </a:p>
+        </p:txBody>
+      </p:sp>
+      <p:sp>
+        <p:nvSpPr>
+          <p:cNvPr id="4" name="Date Placeholder 3"/>
           <p:cNvSpPr>
             <a:spLocks noGrp="1"/>
           </p:cNvSpPr>
@@ -660,7 +2812,7 @@
           <a:p>
             <a:fld id="{2BE45E80-1765-774A-A455-E954E38424A6}" type="datetimeFigureOut">
               <a:rPr lang="en-US" smtClean="0"/>
-              <a:t>7/23/21</a:t>
+              <a:t>8/5/21</a:t>
             </a:fld>
             <a:endParaRPr lang="en-US"/>
           </a:p>
@@ -668,13 +2820,7 @@
       </p:sp>
       <p:sp>
         <p:nvSpPr>
-          <p:cNvPr id="5" name="Footer Placeholder 4">
-            <a:extLst>
-              <a:ext uri="{FF2B5EF4-FFF2-40B4-BE49-F238E27FC236}">
-                <a16:creationId xmlns:a16="http://schemas.microsoft.com/office/drawing/2014/main" id="{64A235F1-C7F6-B34A-881D-B62EC3F4240B}"/>
-              </a:ext>
-            </a:extLst>
-          </p:cNvPr>
+          <p:cNvPr id="5" name="Footer Placeholder 4"/>
           <p:cNvSpPr>
             <a:spLocks noGrp="1"/>
           </p:cNvSpPr>
@@ -693,13 +2839,7 @@
       </p:sp>
       <p:sp>
         <p:nvSpPr>
-          <p:cNvPr id="6" name="Slide Number Placeholder 5">
-            <a:extLst>
-              <a:ext uri="{FF2B5EF4-FFF2-40B4-BE49-F238E27FC236}">
-                <a16:creationId xmlns:a16="http://schemas.microsoft.com/office/drawing/2014/main" id="{DF3FC3F5-C22B-054F-9449-15C41279BFDA}"/>
-              </a:ext>
-            </a:extLst>
-          </p:cNvPr>
+          <p:cNvPr id="6" name="Slide Number Placeholder 5"/>
           <p:cNvSpPr>
             <a:spLocks noGrp="1"/>
           </p:cNvSpPr>
@@ -723,7 +2863,7 @@
     </p:spTree>
     <p:extLst>
       <p:ext uri="{BB962C8B-B14F-4D97-AF65-F5344CB8AC3E}">
-        <p14:creationId xmlns:p14="http://schemas.microsoft.com/office/powerpoint/2010/main" val="962200124"/>
+        <p14:creationId xmlns:p14="http://schemas.microsoft.com/office/powerpoint/2010/main" val="1663324312"/>
       </p:ext>
     </p:extLst>
   </p:cSld>
@@ -752,13 +2892,7 @@
       </p:grpSpPr>
       <p:sp>
         <p:nvSpPr>
-          <p:cNvPr id="2" name="Title 1">
-            <a:extLst>
-              <a:ext uri="{FF2B5EF4-FFF2-40B4-BE49-F238E27FC236}">
-                <a16:creationId xmlns:a16="http://schemas.microsoft.com/office/drawing/2014/main" id="{FAF1A10E-AC03-5049-96B2-FBEDB6D78452}"/>
-              </a:ext>
-            </a:extLst>
-          </p:cNvPr>
+          <p:cNvPr id="2" name="Title 1"/>
           <p:cNvSpPr>
             <a:spLocks noGrp="1"/>
           </p:cNvSpPr>
@@ -775,18 +2909,13 @@
               <a:rPr lang="en-US"/>
               <a:t>Click to edit Master title style</a:t>
             </a:r>
-          </a:p>
-        </p:txBody>
-      </p:sp>
-      <p:sp>
-        <p:nvSpPr>
-          <p:cNvPr id="3" name="Content Placeholder 2">
-            <a:extLst>
-              <a:ext uri="{FF2B5EF4-FFF2-40B4-BE49-F238E27FC236}">
-                <a16:creationId xmlns:a16="http://schemas.microsoft.com/office/drawing/2014/main" id="{C3226931-2F40-594C-B5E8-E5D6A527C79D}"/>
-              </a:ext>
-            </a:extLst>
-          </p:cNvPr>
+            <a:endParaRPr lang="en-US" dirty="0"/>
+          </a:p>
+        </p:txBody>
+      </p:sp>
+      <p:sp>
+        <p:nvSpPr>
+          <p:cNvPr id="3" name="Content Placeholder 2"/>
           <p:cNvSpPr>
             <a:spLocks noGrp="1"/>
           </p:cNvSpPr>
@@ -832,18 +2961,13 @@
               <a:rPr lang="en-US"/>
               <a:t>Fifth level</a:t>
             </a:r>
-          </a:p>
-        </p:txBody>
-      </p:sp>
-      <p:sp>
-        <p:nvSpPr>
-          <p:cNvPr id="4" name="Date Placeholder 3">
-            <a:extLst>
-              <a:ext uri="{FF2B5EF4-FFF2-40B4-BE49-F238E27FC236}">
-                <a16:creationId xmlns:a16="http://schemas.microsoft.com/office/drawing/2014/main" id="{160C45FA-E40C-7C4A-AF04-CBD2C14D245F}"/>
-              </a:ext>
-            </a:extLst>
-          </p:cNvPr>
+            <a:endParaRPr lang="en-US" dirty="0"/>
+          </a:p>
+        </p:txBody>
+      </p:sp>
+      <p:sp>
+        <p:nvSpPr>
+          <p:cNvPr id="4" name="Date Placeholder 3"/>
           <p:cNvSpPr>
             <a:spLocks noGrp="1"/>
           </p:cNvSpPr>
@@ -858,7 +2982,7 @@
           <a:p>
             <a:fld id="{2BE45E80-1765-774A-A455-E954E38424A6}" type="datetimeFigureOut">
               <a:rPr lang="en-US" smtClean="0"/>
-              <a:t>7/23/21</a:t>
+              <a:t>8/5/21</a:t>
             </a:fld>
             <a:endParaRPr lang="en-US"/>
           </a:p>
@@ -866,13 +2990,7 @@
       </p:sp>
       <p:sp>
         <p:nvSpPr>
-          <p:cNvPr id="5" name="Footer Placeholder 4">
-            <a:extLst>
-              <a:ext uri="{FF2B5EF4-FFF2-40B4-BE49-F238E27FC236}">
-                <a16:creationId xmlns:a16="http://schemas.microsoft.com/office/drawing/2014/main" id="{EB43FCCA-39A6-1544-B844-26A20FA8FB5A}"/>
-              </a:ext>
-            </a:extLst>
-          </p:cNvPr>
+          <p:cNvPr id="5" name="Footer Placeholder 4"/>
           <p:cNvSpPr>
             <a:spLocks noGrp="1"/>
           </p:cNvSpPr>
@@ -891,13 +3009,7 @@
       </p:sp>
       <p:sp>
         <p:nvSpPr>
-          <p:cNvPr id="6" name="Slide Number Placeholder 5">
-            <a:extLst>
-              <a:ext uri="{FF2B5EF4-FFF2-40B4-BE49-F238E27FC236}">
-                <a16:creationId xmlns:a16="http://schemas.microsoft.com/office/drawing/2014/main" id="{E616C4B8-F74A-E449-BA30-37078FD83D2F}"/>
-              </a:ext>
-            </a:extLst>
-          </p:cNvPr>
+          <p:cNvPr id="6" name="Slide Number Placeholder 5"/>
           <p:cNvSpPr>
             <a:spLocks noGrp="1"/>
           </p:cNvSpPr>
@@ -921,7 +3033,7 @@
     </p:spTree>
     <p:extLst>
       <p:ext uri="{BB962C8B-B14F-4D97-AF65-F5344CB8AC3E}">
-        <p14:creationId xmlns:p14="http://schemas.microsoft.com/office/powerpoint/2010/main" val="4038024346"/>
+        <p14:creationId xmlns:p14="http://schemas.microsoft.com/office/powerpoint/2010/main" val="1985110405"/>
       </p:ext>
     </p:extLst>
   </p:cSld>
@@ -950,13 +3062,7 @@
       </p:grpSpPr>
       <p:sp>
         <p:nvSpPr>
-          <p:cNvPr id="2" name="Title 1">
-            <a:extLst>
-              <a:ext uri="{FF2B5EF4-FFF2-40B4-BE49-F238E27FC236}">
-                <a16:creationId xmlns:a16="http://schemas.microsoft.com/office/drawing/2014/main" id="{A7501599-3AA2-AB4F-97B3-EF5054173916}"/>
-              </a:ext>
-            </a:extLst>
-          </p:cNvPr>
+          <p:cNvPr id="2" name="Title 1"/>
           <p:cNvSpPr>
             <a:spLocks noGrp="1"/>
           </p:cNvSpPr>
@@ -966,15 +3072,15 @@
         </p:nvSpPr>
         <p:spPr>
           <a:xfrm>
-            <a:off x="831850" y="1709738"/>
-            <a:ext cx="10515600" cy="2852737"/>
+            <a:off x="677335" y="2700867"/>
+            <a:ext cx="8596668" cy="1826581"/>
           </a:xfrm>
         </p:spPr>
         <p:txBody>
           <a:bodyPr anchor="b"/>
           <a:lstStyle>
-            <a:lvl1pPr>
-              <a:defRPr sz="6000"/>
+            <a:lvl1pPr algn="l">
+              <a:defRPr sz="4000" b="0" cap="none"/>
             </a:lvl1pPr>
           </a:lstStyle>
           <a:p>
@@ -982,18 +3088,13 @@
               <a:rPr lang="en-US"/>
               <a:t>Click to edit Master title style</a:t>
             </a:r>
-          </a:p>
-        </p:txBody>
-      </p:sp>
-      <p:sp>
-        <p:nvSpPr>
-          <p:cNvPr id="3" name="Text Placeholder 2">
-            <a:extLst>
-              <a:ext uri="{FF2B5EF4-FFF2-40B4-BE49-F238E27FC236}">
-                <a16:creationId xmlns:a16="http://schemas.microsoft.com/office/drawing/2014/main" id="{73B627FB-538E-5F41-BB39-550F09217654}"/>
-              </a:ext>
-            </a:extLst>
-          </p:cNvPr>
+            <a:endParaRPr lang="en-US" dirty="0"/>
+          </a:p>
+        </p:txBody>
+      </p:sp>
+      <p:sp>
+        <p:nvSpPr>
+          <p:cNvPr id="3" name="Text Placeholder 2"/>
           <p:cNvSpPr>
             <a:spLocks noGrp="1"/>
           </p:cNvSpPr>
@@ -1003,26 +3104,27 @@
         </p:nvSpPr>
         <p:spPr>
           <a:xfrm>
-            <a:off x="831850" y="4589463"/>
-            <a:ext cx="10515600" cy="1500187"/>
+            <a:off x="677335" y="4527448"/>
+            <a:ext cx="8596668" cy="860400"/>
           </a:xfrm>
         </p:spPr>
         <p:txBody>
-          <a:bodyPr/>
+          <a:bodyPr anchor="t"/>
           <a:lstStyle>
-            <a:lvl1pPr marL="0" indent="0">
-              <a:buNone/>
-              <a:defRPr sz="2400">
-                <a:solidFill>
-                  <a:schemeClr val="tx1">
-                    <a:tint val="75000"/>
+            <a:lvl1pPr marL="0" indent="0" algn="l">
+              <a:buNone/>
+              <a:defRPr sz="2000">
+                <a:solidFill>
+                  <a:schemeClr val="tx1">
+                    <a:lumMod val="50000"/>
+                    <a:lumOff val="50000"/>
                   </a:schemeClr>
                 </a:solidFill>
               </a:defRPr>
             </a:lvl1pPr>
             <a:lvl2pPr marL="457200" indent="0">
               <a:buNone/>
-              <a:defRPr sz="2000">
+              <a:defRPr sz="1800">
                 <a:solidFill>
                   <a:schemeClr val="tx1">
                     <a:tint val="75000"/>
@@ -1032,7 +3134,7 @@
             </a:lvl2pPr>
             <a:lvl3pPr marL="914400" indent="0">
               <a:buNone/>
-              <a:defRPr sz="1800">
+              <a:defRPr sz="1600">
                 <a:solidFill>
                   <a:schemeClr val="tx1">
                     <a:tint val="75000"/>
@@ -1042,7 +3144,7 @@
             </a:lvl3pPr>
             <a:lvl4pPr marL="1371600" indent="0">
               <a:buNone/>
-              <a:defRPr sz="1600">
+              <a:defRPr sz="1400">
                 <a:solidFill>
                   <a:schemeClr val="tx1">
                     <a:tint val="75000"/>
@@ -1052,7 +3154,7 @@
             </a:lvl4pPr>
             <a:lvl5pPr marL="1828800" indent="0">
               <a:buNone/>
-              <a:defRPr sz="1600">
+              <a:defRPr sz="1400">
                 <a:solidFill>
                   <a:schemeClr val="tx1">
                     <a:tint val="75000"/>
@@ -1062,7 +3164,7 @@
             </a:lvl5pPr>
             <a:lvl6pPr marL="2286000" indent="0">
               <a:buNone/>
-              <a:defRPr sz="1600">
+              <a:defRPr sz="1400">
                 <a:solidFill>
                   <a:schemeClr val="tx1">
                     <a:tint val="75000"/>
@@ -1072,7 +3174,7 @@
             </a:lvl6pPr>
             <a:lvl7pPr marL="2743200" indent="0">
               <a:buNone/>
-              <a:defRPr sz="1600">
+              <a:defRPr sz="1400">
                 <a:solidFill>
                   <a:schemeClr val="tx1">
                     <a:tint val="75000"/>
@@ -1082,7 +3184,7 @@
             </a:lvl7pPr>
             <a:lvl8pPr marL="3200400" indent="0">
               <a:buNone/>
-              <a:defRPr sz="1600">
+              <a:defRPr sz="1400">
                 <a:solidFill>
                   <a:schemeClr val="tx1">
                     <a:tint val="75000"/>
@@ -1092,7 +3194,7 @@
             </a:lvl8pPr>
             <a:lvl9pPr marL="3657600" indent="0">
               <a:buNone/>
-              <a:defRPr sz="1600">
+              <a:defRPr sz="1400">
                 <a:solidFill>
                   <a:schemeClr val="tx1">
                     <a:tint val="75000"/>
@@ -1112,13 +3214,7 @@
       </p:sp>
       <p:sp>
         <p:nvSpPr>
-          <p:cNvPr id="4" name="Date Placeholder 3">
-            <a:extLst>
-              <a:ext uri="{FF2B5EF4-FFF2-40B4-BE49-F238E27FC236}">
-                <a16:creationId xmlns:a16="http://schemas.microsoft.com/office/drawing/2014/main" id="{D9E0C8C6-6575-2A4C-9B4D-A82B9C18F1F1}"/>
-              </a:ext>
-            </a:extLst>
-          </p:cNvPr>
+          <p:cNvPr id="4" name="Date Placeholder 3"/>
           <p:cNvSpPr>
             <a:spLocks noGrp="1"/>
           </p:cNvSpPr>
@@ -1133,7 +3229,7 @@
           <a:p>
             <a:fld id="{2BE45E80-1765-774A-A455-E954E38424A6}" type="datetimeFigureOut">
               <a:rPr lang="en-US" smtClean="0"/>
-              <a:t>7/23/21</a:t>
+              <a:t>8/5/21</a:t>
             </a:fld>
             <a:endParaRPr lang="en-US"/>
           </a:p>
@@ -1141,13 +3237,7 @@
       </p:sp>
       <p:sp>
         <p:nvSpPr>
-          <p:cNvPr id="5" name="Footer Placeholder 4">
-            <a:extLst>
-              <a:ext uri="{FF2B5EF4-FFF2-40B4-BE49-F238E27FC236}">
-                <a16:creationId xmlns:a16="http://schemas.microsoft.com/office/drawing/2014/main" id="{A1F9A128-3A26-1546-AF7D-5E7F6DC1098F}"/>
-              </a:ext>
-            </a:extLst>
-          </p:cNvPr>
+          <p:cNvPr id="5" name="Footer Placeholder 4"/>
           <p:cNvSpPr>
             <a:spLocks noGrp="1"/>
           </p:cNvSpPr>
@@ -1166,13 +3256,7 @@
       </p:sp>
       <p:sp>
         <p:nvSpPr>
-          <p:cNvPr id="6" name="Slide Number Placeholder 5">
-            <a:extLst>
-              <a:ext uri="{FF2B5EF4-FFF2-40B4-BE49-F238E27FC236}">
-                <a16:creationId xmlns:a16="http://schemas.microsoft.com/office/drawing/2014/main" id="{19952119-556C-BA44-B607-E3E98EEB3CCC}"/>
-              </a:ext>
-            </a:extLst>
-          </p:cNvPr>
+          <p:cNvPr id="6" name="Slide Number Placeholder 5"/>
           <p:cNvSpPr>
             <a:spLocks noGrp="1"/>
           </p:cNvSpPr>
@@ -1196,7 +3280,7 @@
     </p:spTree>
     <p:extLst>
       <p:ext uri="{BB962C8B-B14F-4D97-AF65-F5344CB8AC3E}">
-        <p14:creationId xmlns:p14="http://schemas.microsoft.com/office/powerpoint/2010/main" val="1897384186"/>
+        <p14:creationId xmlns:p14="http://schemas.microsoft.com/office/powerpoint/2010/main" val="2651548749"/>
       </p:ext>
     </p:extLst>
   </p:cSld>
@@ -1225,13 +3309,7 @@
       </p:grpSpPr>
       <p:sp>
         <p:nvSpPr>
-          <p:cNvPr id="2" name="Title 1">
-            <a:extLst>
-              <a:ext uri="{FF2B5EF4-FFF2-40B4-BE49-F238E27FC236}">
-                <a16:creationId xmlns:a16="http://schemas.microsoft.com/office/drawing/2014/main" id="{6C93FCE5-45E9-C444-8166-5BD9B5EF140C}"/>
-              </a:ext>
-            </a:extLst>
-          </p:cNvPr>
+          <p:cNvPr id="2" name="Title 1"/>
           <p:cNvSpPr>
             <a:spLocks noGrp="1"/>
           </p:cNvSpPr>
@@ -1248,18 +3326,13 @@
               <a:rPr lang="en-US"/>
               <a:t>Click to edit Master title style</a:t>
             </a:r>
-          </a:p>
-        </p:txBody>
-      </p:sp>
-      <p:sp>
-        <p:nvSpPr>
-          <p:cNvPr id="3" name="Content Placeholder 2">
-            <a:extLst>
-              <a:ext uri="{FF2B5EF4-FFF2-40B4-BE49-F238E27FC236}">
-                <a16:creationId xmlns:a16="http://schemas.microsoft.com/office/drawing/2014/main" id="{F43FFCD0-A7BC-DE40-BEA4-AFC0813AE654}"/>
-              </a:ext>
-            </a:extLst>
-          </p:cNvPr>
+            <a:endParaRPr lang="en-US" dirty="0"/>
+          </a:p>
+        </p:txBody>
+      </p:sp>
+      <p:sp>
+        <p:nvSpPr>
+          <p:cNvPr id="3" name="Content Placeholder 2"/>
           <p:cNvSpPr>
             <a:spLocks noGrp="1"/>
           </p:cNvSpPr>
@@ -1269,8 +3342,8 @@
         </p:nvSpPr>
         <p:spPr>
           <a:xfrm>
-            <a:off x="838200" y="1825625"/>
-            <a:ext cx="5181600" cy="4351338"/>
+            <a:off x="677334" y="2160589"/>
+            <a:ext cx="4184035" cy="3880772"/>
           </a:xfrm>
         </p:spPr>
         <p:txBody>
@@ -1310,18 +3383,13 @@
               <a:rPr lang="en-US"/>
               <a:t>Fifth level</a:t>
             </a:r>
-          </a:p>
-        </p:txBody>
-      </p:sp>
-      <p:sp>
-        <p:nvSpPr>
-          <p:cNvPr id="4" name="Content Placeholder 3">
-            <a:extLst>
-              <a:ext uri="{FF2B5EF4-FFF2-40B4-BE49-F238E27FC236}">
-                <a16:creationId xmlns:a16="http://schemas.microsoft.com/office/drawing/2014/main" id="{8B07AE0E-8BE9-3243-9178-80B32FFA8038}"/>
-              </a:ext>
-            </a:extLst>
-          </p:cNvPr>
+            <a:endParaRPr lang="en-US" dirty="0"/>
+          </a:p>
+        </p:txBody>
+      </p:sp>
+      <p:sp>
+        <p:nvSpPr>
+          <p:cNvPr id="4" name="Content Placeholder 3"/>
           <p:cNvSpPr>
             <a:spLocks noGrp="1"/>
           </p:cNvSpPr>
@@ -1331,8 +3399,8 @@
         </p:nvSpPr>
         <p:spPr>
           <a:xfrm>
-            <a:off x="6172200" y="1825625"/>
-            <a:ext cx="5181600" cy="4351338"/>
+            <a:off x="5089970" y="2160589"/>
+            <a:ext cx="4184034" cy="3880773"/>
           </a:xfrm>
         </p:spPr>
         <p:txBody>
@@ -1372,18 +3440,13 @@
               <a:rPr lang="en-US"/>
               <a:t>Fifth level</a:t>
             </a:r>
-          </a:p>
-        </p:txBody>
-      </p:sp>
-      <p:sp>
-        <p:nvSpPr>
-          <p:cNvPr id="5" name="Date Placeholder 4">
-            <a:extLst>
-              <a:ext uri="{FF2B5EF4-FFF2-40B4-BE49-F238E27FC236}">
-                <a16:creationId xmlns:a16="http://schemas.microsoft.com/office/drawing/2014/main" id="{1268CACD-0C29-C042-9508-D4C67937BB9B}"/>
-              </a:ext>
-            </a:extLst>
-          </p:cNvPr>
+            <a:endParaRPr lang="en-US" dirty="0"/>
+          </a:p>
+        </p:txBody>
+      </p:sp>
+      <p:sp>
+        <p:nvSpPr>
+          <p:cNvPr id="5" name="Date Placeholder 4"/>
           <p:cNvSpPr>
             <a:spLocks noGrp="1"/>
           </p:cNvSpPr>
@@ -1398,7 +3461,7 @@
           <a:p>
             <a:fld id="{2BE45E80-1765-774A-A455-E954E38424A6}" type="datetimeFigureOut">
               <a:rPr lang="en-US" smtClean="0"/>
-              <a:t>7/23/21</a:t>
+              <a:t>8/5/21</a:t>
             </a:fld>
             <a:endParaRPr lang="en-US"/>
           </a:p>
@@ -1406,13 +3469,7 @@
       </p:sp>
       <p:sp>
         <p:nvSpPr>
-          <p:cNvPr id="6" name="Footer Placeholder 5">
-            <a:extLst>
-              <a:ext uri="{FF2B5EF4-FFF2-40B4-BE49-F238E27FC236}">
-                <a16:creationId xmlns:a16="http://schemas.microsoft.com/office/drawing/2014/main" id="{6163233D-3E49-9D4A-A81D-FEB5554BDA79}"/>
-              </a:ext>
-            </a:extLst>
-          </p:cNvPr>
+          <p:cNvPr id="6" name="Footer Placeholder 5"/>
           <p:cNvSpPr>
             <a:spLocks noGrp="1"/>
           </p:cNvSpPr>
@@ -1431,13 +3488,7 @@
       </p:sp>
       <p:sp>
         <p:nvSpPr>
-          <p:cNvPr id="7" name="Slide Number Placeholder 6">
-            <a:extLst>
-              <a:ext uri="{FF2B5EF4-FFF2-40B4-BE49-F238E27FC236}">
-                <a16:creationId xmlns:a16="http://schemas.microsoft.com/office/drawing/2014/main" id="{37709146-D927-2540-980E-8F94629E2580}"/>
-              </a:ext>
-            </a:extLst>
-          </p:cNvPr>
+          <p:cNvPr id="7" name="Slide Number Placeholder 6"/>
           <p:cNvSpPr>
             <a:spLocks noGrp="1"/>
           </p:cNvSpPr>
@@ -1461,7 +3512,7 @@
     </p:spTree>
     <p:extLst>
       <p:ext uri="{BB962C8B-B14F-4D97-AF65-F5344CB8AC3E}">
-        <p14:creationId xmlns:p14="http://schemas.microsoft.com/office/powerpoint/2010/main" val="4090549271"/>
+        <p14:creationId xmlns:p14="http://schemas.microsoft.com/office/powerpoint/2010/main" val="3191811589"/>
       </p:ext>
     </p:extLst>
   </p:cSld>
@@ -1490,65 +3541,55 @@
       </p:grpSpPr>
       <p:sp>
         <p:nvSpPr>
-          <p:cNvPr id="2" name="Title 1">
-            <a:extLst>
-              <a:ext uri="{FF2B5EF4-FFF2-40B4-BE49-F238E27FC236}">
-                <a16:creationId xmlns:a16="http://schemas.microsoft.com/office/drawing/2014/main" id="{3EF8551A-7B19-0245-8184-D57909622259}"/>
-              </a:ext>
-            </a:extLst>
-          </p:cNvPr>
+          <p:cNvPr id="2" name="Title 1"/>
           <p:cNvSpPr>
             <a:spLocks noGrp="1"/>
           </p:cNvSpPr>
           <p:nvPr>
             <p:ph type="title"/>
+          </p:nvPr>
+        </p:nvSpPr>
+        <p:spPr/>
+        <p:txBody>
+          <a:bodyPr/>
+          <a:lstStyle>
+            <a:lvl1pPr>
+              <a:defRPr/>
+            </a:lvl1pPr>
+          </a:lstStyle>
+          <a:p>
+            <a:r>
+              <a:rPr lang="en-US"/>
+              <a:t>Click to edit Master title style</a:t>
+            </a:r>
+            <a:endParaRPr lang="en-US" dirty="0"/>
+          </a:p>
+        </p:txBody>
+      </p:sp>
+      <p:sp>
+        <p:nvSpPr>
+          <p:cNvPr id="3" name="Text Placeholder 2"/>
+          <p:cNvSpPr>
+            <a:spLocks noGrp="1"/>
+          </p:cNvSpPr>
+          <p:nvPr>
+            <p:ph type="body" idx="1"/>
           </p:nvPr>
         </p:nvSpPr>
         <p:spPr>
           <a:xfrm>
-            <a:off x="839788" y="365125"/>
-            <a:ext cx="10515600" cy="1325563"/>
+            <a:off x="675745" y="2160983"/>
+            <a:ext cx="4185623" cy="576262"/>
           </a:xfrm>
         </p:spPr>
         <p:txBody>
-          <a:bodyPr/>
-          <a:lstStyle/>
-          <a:p>
-            <a:r>
-              <a:rPr lang="en-US"/>
-              <a:t>Click to edit Master title style</a:t>
-            </a:r>
-          </a:p>
-        </p:txBody>
-      </p:sp>
-      <p:sp>
-        <p:nvSpPr>
-          <p:cNvPr id="3" name="Text Placeholder 2">
-            <a:extLst>
-              <a:ext uri="{FF2B5EF4-FFF2-40B4-BE49-F238E27FC236}">
-                <a16:creationId xmlns:a16="http://schemas.microsoft.com/office/drawing/2014/main" id="{BCF321D2-7360-A344-8E52-D7F5E049C415}"/>
-              </a:ext>
-            </a:extLst>
-          </p:cNvPr>
-          <p:cNvSpPr>
-            <a:spLocks noGrp="1"/>
-          </p:cNvSpPr>
-          <p:nvPr>
-            <p:ph type="body" idx="1"/>
-          </p:nvPr>
-        </p:nvSpPr>
-        <p:spPr>
-          <a:xfrm>
-            <a:off x="839788" y="1681163"/>
-            <a:ext cx="5157787" cy="823912"/>
-          </a:xfrm>
-        </p:spPr>
-        <p:txBody>
-          <a:bodyPr anchor="b"/>
+          <a:bodyPr anchor="b">
+            <a:noAutofit/>
+          </a:bodyPr>
           <a:lstStyle>
             <a:lvl1pPr marL="0" indent="0">
               <a:buNone/>
-              <a:defRPr sz="2400" b="1"/>
+              <a:defRPr sz="2400" b="0"/>
             </a:lvl1pPr>
             <a:lvl2pPr marL="457200" indent="0">
               <a:buNone/>
@@ -1594,13 +3635,7 @@
       </p:sp>
       <p:sp>
         <p:nvSpPr>
-          <p:cNvPr id="4" name="Content Placeholder 3">
-            <a:extLst>
-              <a:ext uri="{FF2B5EF4-FFF2-40B4-BE49-F238E27FC236}">
-                <a16:creationId xmlns:a16="http://schemas.microsoft.com/office/drawing/2014/main" id="{BD0079E8-F12E-4542-897E-93B4D4DE9DCB}"/>
-              </a:ext>
-            </a:extLst>
-          </p:cNvPr>
+          <p:cNvPr id="4" name="Content Placeholder 3"/>
           <p:cNvSpPr>
             <a:spLocks noGrp="1"/>
           </p:cNvSpPr>
@@ -1610,12 +3645,14 @@
         </p:nvSpPr>
         <p:spPr>
           <a:xfrm>
-            <a:off x="839788" y="2505075"/>
-            <a:ext cx="5157787" cy="3684588"/>
+            <a:off x="675745" y="2737245"/>
+            <a:ext cx="4185623" cy="3304117"/>
           </a:xfrm>
         </p:spPr>
         <p:txBody>
-          <a:bodyPr/>
+          <a:bodyPr>
+            <a:normAutofit/>
+          </a:bodyPr>
           <a:lstStyle/>
           <a:p>
             <a:pPr lvl="0"/>
@@ -1651,18 +3688,13 @@
               <a:rPr lang="en-US"/>
               <a:t>Fifth level</a:t>
             </a:r>
-          </a:p>
-        </p:txBody>
-      </p:sp>
-      <p:sp>
-        <p:nvSpPr>
-          <p:cNvPr id="5" name="Text Placeholder 4">
-            <a:extLst>
-              <a:ext uri="{FF2B5EF4-FFF2-40B4-BE49-F238E27FC236}">
-                <a16:creationId xmlns:a16="http://schemas.microsoft.com/office/drawing/2014/main" id="{A054956F-BA9A-6742-800B-9D4787F54635}"/>
-              </a:ext>
-            </a:extLst>
-          </p:cNvPr>
+            <a:endParaRPr lang="en-US" dirty="0"/>
+          </a:p>
+        </p:txBody>
+      </p:sp>
+      <p:sp>
+        <p:nvSpPr>
+          <p:cNvPr id="5" name="Text Placeholder 4"/>
           <p:cNvSpPr>
             <a:spLocks noGrp="1"/>
           </p:cNvSpPr>
@@ -1672,16 +3704,18 @@
         </p:nvSpPr>
         <p:spPr>
           <a:xfrm>
-            <a:off x="6172200" y="1681163"/>
-            <a:ext cx="5183188" cy="823912"/>
+            <a:off x="5088383" y="2160983"/>
+            <a:ext cx="4185618" cy="576262"/>
           </a:xfrm>
         </p:spPr>
         <p:txBody>
-          <a:bodyPr anchor="b"/>
+          <a:bodyPr anchor="b">
+            <a:noAutofit/>
+          </a:bodyPr>
           <a:lstStyle>
             <a:lvl1pPr marL="0" indent="0">
               <a:buNone/>
-              <a:defRPr sz="2400" b="1"/>
+              <a:defRPr sz="2400" b="0"/>
             </a:lvl1pPr>
             <a:lvl2pPr marL="457200" indent="0">
               <a:buNone/>
@@ -1727,13 +3761,7 @@
       </p:sp>
       <p:sp>
         <p:nvSpPr>
-          <p:cNvPr id="6" name="Content Placeholder 5">
-            <a:extLst>
-              <a:ext uri="{FF2B5EF4-FFF2-40B4-BE49-F238E27FC236}">
-                <a16:creationId xmlns:a16="http://schemas.microsoft.com/office/drawing/2014/main" id="{BD0C95EC-CBAF-5746-881A-7F82D91DAE2F}"/>
-              </a:ext>
-            </a:extLst>
-          </p:cNvPr>
+          <p:cNvPr id="6" name="Content Placeholder 5"/>
           <p:cNvSpPr>
             <a:spLocks noGrp="1"/>
           </p:cNvSpPr>
@@ -1743,12 +3771,14 @@
         </p:nvSpPr>
         <p:spPr>
           <a:xfrm>
-            <a:off x="6172200" y="2505075"/>
-            <a:ext cx="5183188" cy="3684588"/>
+            <a:off x="5088384" y="2737245"/>
+            <a:ext cx="4185617" cy="3304117"/>
           </a:xfrm>
         </p:spPr>
         <p:txBody>
-          <a:bodyPr/>
+          <a:bodyPr>
+            <a:normAutofit/>
+          </a:bodyPr>
           <a:lstStyle/>
           <a:p>
             <a:pPr lvl="0"/>
@@ -1784,18 +3814,13 @@
               <a:rPr lang="en-US"/>
               <a:t>Fifth level</a:t>
             </a:r>
-          </a:p>
-        </p:txBody>
-      </p:sp>
-      <p:sp>
-        <p:nvSpPr>
-          <p:cNvPr id="7" name="Date Placeholder 6">
-            <a:extLst>
-              <a:ext uri="{FF2B5EF4-FFF2-40B4-BE49-F238E27FC236}">
-                <a16:creationId xmlns:a16="http://schemas.microsoft.com/office/drawing/2014/main" id="{E2319317-5AB8-2F4B-9286-F1F5AAFC7DAE}"/>
-              </a:ext>
-            </a:extLst>
-          </p:cNvPr>
+            <a:endParaRPr lang="en-US" dirty="0"/>
+          </a:p>
+        </p:txBody>
+      </p:sp>
+      <p:sp>
+        <p:nvSpPr>
+          <p:cNvPr id="7" name="Date Placeholder 6"/>
           <p:cNvSpPr>
             <a:spLocks noGrp="1"/>
           </p:cNvSpPr>
@@ -1810,7 +3835,7 @@
           <a:p>
             <a:fld id="{2BE45E80-1765-774A-A455-E954E38424A6}" type="datetimeFigureOut">
               <a:rPr lang="en-US" smtClean="0"/>
-              <a:t>7/23/21</a:t>
+              <a:t>8/5/21</a:t>
             </a:fld>
             <a:endParaRPr lang="en-US"/>
           </a:p>
@@ -1818,13 +3843,7 @@
       </p:sp>
       <p:sp>
         <p:nvSpPr>
-          <p:cNvPr id="8" name="Footer Placeholder 7">
-            <a:extLst>
-              <a:ext uri="{FF2B5EF4-FFF2-40B4-BE49-F238E27FC236}">
-                <a16:creationId xmlns:a16="http://schemas.microsoft.com/office/drawing/2014/main" id="{89EF205D-442B-8046-AF23-77CD1959EBF5}"/>
-              </a:ext>
-            </a:extLst>
-          </p:cNvPr>
+          <p:cNvPr id="8" name="Footer Placeholder 7"/>
           <p:cNvSpPr>
             <a:spLocks noGrp="1"/>
           </p:cNvSpPr>
@@ -1843,13 +3862,7 @@
       </p:sp>
       <p:sp>
         <p:nvSpPr>
-          <p:cNvPr id="9" name="Slide Number Placeholder 8">
-            <a:extLst>
-              <a:ext uri="{FF2B5EF4-FFF2-40B4-BE49-F238E27FC236}">
-                <a16:creationId xmlns:a16="http://schemas.microsoft.com/office/drawing/2014/main" id="{5F7CE6C8-35BD-A34E-923B-17BE123F4ADB}"/>
-              </a:ext>
-            </a:extLst>
-          </p:cNvPr>
+          <p:cNvPr id="9" name="Slide Number Placeholder 8"/>
           <p:cNvSpPr>
             <a:spLocks noGrp="1"/>
           </p:cNvSpPr>
@@ -1873,7 +3886,7 @@
     </p:spTree>
     <p:extLst>
       <p:ext uri="{BB962C8B-B14F-4D97-AF65-F5344CB8AC3E}">
-        <p14:creationId xmlns:p14="http://schemas.microsoft.com/office/powerpoint/2010/main" val="3059840546"/>
+        <p14:creationId xmlns:p14="http://schemas.microsoft.com/office/powerpoint/2010/main" val="2773002500"/>
       </p:ext>
     </p:extLst>
   </p:cSld>
@@ -1902,13 +3915,7 @@
       </p:grpSpPr>
       <p:sp>
         <p:nvSpPr>
-          <p:cNvPr id="2" name="Title 1">
-            <a:extLst>
-              <a:ext uri="{FF2B5EF4-FFF2-40B4-BE49-F238E27FC236}">
-                <a16:creationId xmlns:a16="http://schemas.microsoft.com/office/drawing/2014/main" id="{48D06923-0073-3546-A84D-A3FAAF2B6355}"/>
-              </a:ext>
-            </a:extLst>
-          </p:cNvPr>
+          <p:cNvPr id="2" name="Title 1"/>
           <p:cNvSpPr>
             <a:spLocks noGrp="1"/>
           </p:cNvSpPr>
@@ -1916,7 +3923,12 @@
             <p:ph type="title"/>
           </p:nvPr>
         </p:nvSpPr>
-        <p:spPr/>
+        <p:spPr>
+          <a:xfrm>
+            <a:off x="677334" y="609600"/>
+            <a:ext cx="8596668" cy="1320800"/>
+          </a:xfrm>
+        </p:spPr>
         <p:txBody>
           <a:bodyPr/>
           <a:lstStyle/>
@@ -1925,18 +3937,13 @@
               <a:rPr lang="en-US"/>
               <a:t>Click to edit Master title style</a:t>
             </a:r>
-          </a:p>
-        </p:txBody>
-      </p:sp>
-      <p:sp>
-        <p:nvSpPr>
-          <p:cNvPr id="3" name="Date Placeholder 2">
-            <a:extLst>
-              <a:ext uri="{FF2B5EF4-FFF2-40B4-BE49-F238E27FC236}">
-                <a16:creationId xmlns:a16="http://schemas.microsoft.com/office/drawing/2014/main" id="{841A03BA-FFD9-2D46-8E38-622C0A51AF0F}"/>
-              </a:ext>
-            </a:extLst>
-          </p:cNvPr>
+            <a:endParaRPr lang="en-US" dirty="0"/>
+          </a:p>
+        </p:txBody>
+      </p:sp>
+      <p:sp>
+        <p:nvSpPr>
+          <p:cNvPr id="3" name="Date Placeholder 2"/>
           <p:cNvSpPr>
             <a:spLocks noGrp="1"/>
           </p:cNvSpPr>
@@ -1951,7 +3958,7 @@
           <a:p>
             <a:fld id="{2BE45E80-1765-774A-A455-E954E38424A6}" type="datetimeFigureOut">
               <a:rPr lang="en-US" smtClean="0"/>
-              <a:t>7/23/21</a:t>
+              <a:t>8/5/21</a:t>
             </a:fld>
             <a:endParaRPr lang="en-US"/>
           </a:p>
@@ -1959,13 +3966,7 @@
       </p:sp>
       <p:sp>
         <p:nvSpPr>
-          <p:cNvPr id="4" name="Footer Placeholder 3">
-            <a:extLst>
-              <a:ext uri="{FF2B5EF4-FFF2-40B4-BE49-F238E27FC236}">
-                <a16:creationId xmlns:a16="http://schemas.microsoft.com/office/drawing/2014/main" id="{60D3502A-F89F-534D-8251-D36833FF73E7}"/>
-              </a:ext>
-            </a:extLst>
-          </p:cNvPr>
+          <p:cNvPr id="4" name="Footer Placeholder 3"/>
           <p:cNvSpPr>
             <a:spLocks noGrp="1"/>
           </p:cNvSpPr>
@@ -1984,13 +3985,7 @@
       </p:sp>
       <p:sp>
         <p:nvSpPr>
-          <p:cNvPr id="5" name="Slide Number Placeholder 4">
-            <a:extLst>
-              <a:ext uri="{FF2B5EF4-FFF2-40B4-BE49-F238E27FC236}">
-                <a16:creationId xmlns:a16="http://schemas.microsoft.com/office/drawing/2014/main" id="{F9E455BC-727D-774E-AA1F-56CFB8ABEE06}"/>
-              </a:ext>
-            </a:extLst>
-          </p:cNvPr>
+          <p:cNvPr id="5" name="Slide Number Placeholder 4"/>
           <p:cNvSpPr>
             <a:spLocks noGrp="1"/>
           </p:cNvSpPr>
@@ -2014,7 +4009,7 @@
     </p:spTree>
     <p:extLst>
       <p:ext uri="{BB962C8B-B14F-4D97-AF65-F5344CB8AC3E}">
-        <p14:creationId xmlns:p14="http://schemas.microsoft.com/office/powerpoint/2010/main" val="881815859"/>
+        <p14:creationId xmlns:p14="http://schemas.microsoft.com/office/powerpoint/2010/main" val="3103167599"/>
       </p:ext>
     </p:extLst>
   </p:cSld>
@@ -2043,13 +4038,7 @@
       </p:grpSpPr>
       <p:sp>
         <p:nvSpPr>
-          <p:cNvPr id="2" name="Date Placeholder 1">
-            <a:extLst>
-              <a:ext uri="{FF2B5EF4-FFF2-40B4-BE49-F238E27FC236}">
-                <a16:creationId xmlns:a16="http://schemas.microsoft.com/office/drawing/2014/main" id="{F2C57E83-F18C-6240-A6F6-C81805E2441F}"/>
-              </a:ext>
-            </a:extLst>
-          </p:cNvPr>
+          <p:cNvPr id="2" name="Date Placeholder 1"/>
           <p:cNvSpPr>
             <a:spLocks noGrp="1"/>
           </p:cNvSpPr>
@@ -2064,7 +4053,7 @@
           <a:p>
             <a:fld id="{2BE45E80-1765-774A-A455-E954E38424A6}" type="datetimeFigureOut">
               <a:rPr lang="en-US" smtClean="0"/>
-              <a:t>7/23/21</a:t>
+              <a:t>8/5/21</a:t>
             </a:fld>
             <a:endParaRPr lang="en-US"/>
           </a:p>
@@ -2072,13 +4061,7 @@
       </p:sp>
       <p:sp>
         <p:nvSpPr>
-          <p:cNvPr id="3" name="Footer Placeholder 2">
-            <a:extLst>
-              <a:ext uri="{FF2B5EF4-FFF2-40B4-BE49-F238E27FC236}">
-                <a16:creationId xmlns:a16="http://schemas.microsoft.com/office/drawing/2014/main" id="{11FD78A5-B705-444B-9C96-6E2B8ECF9282}"/>
-              </a:ext>
-            </a:extLst>
-          </p:cNvPr>
+          <p:cNvPr id="3" name="Footer Placeholder 2"/>
           <p:cNvSpPr>
             <a:spLocks noGrp="1"/>
           </p:cNvSpPr>
@@ -2097,13 +4080,7 @@
       </p:sp>
       <p:sp>
         <p:nvSpPr>
-          <p:cNvPr id="4" name="Slide Number Placeholder 3">
-            <a:extLst>
-              <a:ext uri="{FF2B5EF4-FFF2-40B4-BE49-F238E27FC236}">
-                <a16:creationId xmlns:a16="http://schemas.microsoft.com/office/drawing/2014/main" id="{38A6179E-6892-904A-AF54-0C161FC88C6E}"/>
-              </a:ext>
-            </a:extLst>
-          </p:cNvPr>
+          <p:cNvPr id="4" name="Slide Number Placeholder 3"/>
           <p:cNvSpPr>
             <a:spLocks noGrp="1"/>
           </p:cNvSpPr>
@@ -2127,7 +4104,7 @@
     </p:spTree>
     <p:extLst>
       <p:ext uri="{BB962C8B-B14F-4D97-AF65-F5344CB8AC3E}">
-        <p14:creationId xmlns:p14="http://schemas.microsoft.com/office/powerpoint/2010/main" val="3502977549"/>
+        <p14:creationId xmlns:p14="http://schemas.microsoft.com/office/powerpoint/2010/main" val="1201667501"/>
       </p:ext>
     </p:extLst>
   </p:cSld>
@@ -2156,13 +4133,7 @@
       </p:grpSpPr>
       <p:sp>
         <p:nvSpPr>
-          <p:cNvPr id="2" name="Title 1">
-            <a:extLst>
-              <a:ext uri="{FF2B5EF4-FFF2-40B4-BE49-F238E27FC236}">
-                <a16:creationId xmlns:a16="http://schemas.microsoft.com/office/drawing/2014/main" id="{801D6E30-0A9D-994F-AC2A-3A8ED512FBBB}"/>
-              </a:ext>
-            </a:extLst>
-          </p:cNvPr>
+          <p:cNvPr id="2" name="Title 1"/>
           <p:cNvSpPr>
             <a:spLocks noGrp="1"/>
           </p:cNvSpPr>
@@ -2172,15 +4143,17 @@
         </p:nvSpPr>
         <p:spPr>
           <a:xfrm>
-            <a:off x="839788" y="457200"/>
-            <a:ext cx="3932237" cy="1600200"/>
+            <a:off x="677334" y="1498604"/>
+            <a:ext cx="3854528" cy="1278466"/>
           </a:xfrm>
         </p:spPr>
         <p:txBody>
-          <a:bodyPr anchor="b"/>
+          <a:bodyPr anchor="b">
+            <a:normAutofit/>
+          </a:bodyPr>
           <a:lstStyle>
             <a:lvl1pPr>
-              <a:defRPr sz="3200"/>
+              <a:defRPr sz="2000"/>
             </a:lvl1pPr>
           </a:lstStyle>
           <a:p>
@@ -2188,18 +4161,13 @@
               <a:rPr lang="en-US"/>
               <a:t>Click to edit Master title style</a:t>
             </a:r>
-          </a:p>
-        </p:txBody>
-      </p:sp>
-      <p:sp>
-        <p:nvSpPr>
-          <p:cNvPr id="3" name="Content Placeholder 2">
-            <a:extLst>
-              <a:ext uri="{FF2B5EF4-FFF2-40B4-BE49-F238E27FC236}">
-                <a16:creationId xmlns:a16="http://schemas.microsoft.com/office/drawing/2014/main" id="{39CAC2B4-FA6D-FB49-BE43-BDDC87E2D539}"/>
-              </a:ext>
-            </a:extLst>
-          </p:cNvPr>
+            <a:endParaRPr lang="en-US" dirty="0"/>
+          </a:p>
+        </p:txBody>
+      </p:sp>
+      <p:sp>
+        <p:nvSpPr>
+          <p:cNvPr id="3" name="Content Placeholder 2"/>
           <p:cNvSpPr>
             <a:spLocks noGrp="1"/>
           </p:cNvSpPr>
@@ -2209,41 +4177,15 @@
         </p:nvSpPr>
         <p:spPr>
           <a:xfrm>
-            <a:off x="5183188" y="987425"/>
-            <a:ext cx="6172200" cy="4873625"/>
+            <a:off x="4760461" y="514924"/>
+            <a:ext cx="4513541" cy="5526437"/>
           </a:xfrm>
         </p:spPr>
         <p:txBody>
-          <a:bodyPr/>
-          <a:lstStyle>
-            <a:lvl1pPr>
-              <a:defRPr sz="3200"/>
-            </a:lvl1pPr>
-            <a:lvl2pPr>
-              <a:defRPr sz="2800"/>
-            </a:lvl2pPr>
-            <a:lvl3pPr>
-              <a:defRPr sz="2400"/>
-            </a:lvl3pPr>
-            <a:lvl4pPr>
-              <a:defRPr sz="2000"/>
-            </a:lvl4pPr>
-            <a:lvl5pPr>
-              <a:defRPr sz="2000"/>
-            </a:lvl5pPr>
-            <a:lvl6pPr>
-              <a:defRPr sz="2000"/>
-            </a:lvl6pPr>
-            <a:lvl7pPr>
-              <a:defRPr sz="2000"/>
-            </a:lvl7pPr>
-            <a:lvl8pPr>
-              <a:defRPr sz="2000"/>
-            </a:lvl8pPr>
-            <a:lvl9pPr>
-              <a:defRPr sz="2000"/>
-            </a:lvl9pPr>
-          </a:lstStyle>
+          <a:bodyPr>
+            <a:normAutofit/>
+          </a:bodyPr>
+          <a:lstStyle/>
           <a:p>
             <a:pPr lvl="0"/>
             <a:r>
@@ -2278,18 +4220,13 @@
               <a:rPr lang="en-US"/>
               <a:t>Fifth level</a:t>
             </a:r>
-          </a:p>
-        </p:txBody>
-      </p:sp>
-      <p:sp>
-        <p:nvSpPr>
-          <p:cNvPr id="4" name="Text Placeholder 3">
-            <a:extLst>
-              <a:ext uri="{FF2B5EF4-FFF2-40B4-BE49-F238E27FC236}">
-                <a16:creationId xmlns:a16="http://schemas.microsoft.com/office/drawing/2014/main" id="{C16E17AB-1518-EA41-9D8E-AF0AE05FB5E5}"/>
-              </a:ext>
-            </a:extLst>
-          </p:cNvPr>
+            <a:endParaRPr lang="en-US" dirty="0"/>
+          </a:p>
+        </p:txBody>
+      </p:sp>
+      <p:sp>
+        <p:nvSpPr>
+          <p:cNvPr id="4" name="Text Placeholder 3"/>
           <p:cNvSpPr>
             <a:spLocks noGrp="1"/>
           </p:cNvSpPr>
@@ -2299,46 +4236,48 @@
         </p:nvSpPr>
         <p:spPr>
           <a:xfrm>
-            <a:off x="839788" y="2057400"/>
-            <a:ext cx="3932237" cy="3811588"/>
+            <a:off x="677334" y="2777069"/>
+            <a:ext cx="3854528" cy="2584449"/>
           </a:xfrm>
         </p:spPr>
         <p:txBody>
-          <a:bodyPr/>
+          <a:bodyPr>
+            <a:normAutofit/>
+          </a:bodyPr>
           <a:lstStyle>
             <a:lvl1pPr marL="0" indent="0">
               <a:buNone/>
-              <a:defRPr sz="1600"/>
+              <a:defRPr sz="1400"/>
             </a:lvl1pPr>
-            <a:lvl2pPr marL="457200" indent="0">
+            <a:lvl2pPr marL="457063" indent="0">
               <a:buNone/>
               <a:defRPr sz="1400"/>
             </a:lvl2pPr>
-            <a:lvl3pPr marL="914400" indent="0">
+            <a:lvl3pPr marL="914126" indent="0">
               <a:buNone/>
               <a:defRPr sz="1200"/>
             </a:lvl3pPr>
-            <a:lvl4pPr marL="1371600" indent="0">
+            <a:lvl4pPr marL="1371189" indent="0">
               <a:buNone/>
               <a:defRPr sz="1000"/>
             </a:lvl4pPr>
-            <a:lvl5pPr marL="1828800" indent="0">
+            <a:lvl5pPr marL="1828251" indent="0">
               <a:buNone/>
               <a:defRPr sz="1000"/>
             </a:lvl5pPr>
-            <a:lvl6pPr marL="2286000" indent="0">
+            <a:lvl6pPr marL="2285314" indent="0">
               <a:buNone/>
               <a:defRPr sz="1000"/>
             </a:lvl6pPr>
-            <a:lvl7pPr marL="2743200" indent="0">
+            <a:lvl7pPr marL="2742377" indent="0">
               <a:buNone/>
               <a:defRPr sz="1000"/>
             </a:lvl7pPr>
-            <a:lvl8pPr marL="3200400" indent="0">
+            <a:lvl8pPr marL="3199440" indent="0">
               <a:buNone/>
               <a:defRPr sz="1000"/>
             </a:lvl8pPr>
-            <a:lvl9pPr marL="3657600" indent="0">
+            <a:lvl9pPr marL="3656503" indent="0">
               <a:buNone/>
               <a:defRPr sz="1000"/>
             </a:lvl9pPr>
@@ -2354,13 +4293,7 @@
       </p:sp>
       <p:sp>
         <p:nvSpPr>
-          <p:cNvPr id="5" name="Date Placeholder 4">
-            <a:extLst>
-              <a:ext uri="{FF2B5EF4-FFF2-40B4-BE49-F238E27FC236}">
-                <a16:creationId xmlns:a16="http://schemas.microsoft.com/office/drawing/2014/main" id="{CE231476-DA80-574F-B7B3-80C1987E25A1}"/>
-              </a:ext>
-            </a:extLst>
-          </p:cNvPr>
+          <p:cNvPr id="5" name="Date Placeholder 4"/>
           <p:cNvSpPr>
             <a:spLocks noGrp="1"/>
           </p:cNvSpPr>
@@ -2375,7 +4308,7 @@
           <a:p>
             <a:fld id="{2BE45E80-1765-774A-A455-E954E38424A6}" type="datetimeFigureOut">
               <a:rPr lang="en-US" smtClean="0"/>
-              <a:t>7/23/21</a:t>
+              <a:t>8/5/21</a:t>
             </a:fld>
             <a:endParaRPr lang="en-US"/>
           </a:p>
@@ -2383,13 +4316,7 @@
       </p:sp>
       <p:sp>
         <p:nvSpPr>
-          <p:cNvPr id="6" name="Footer Placeholder 5">
-            <a:extLst>
-              <a:ext uri="{FF2B5EF4-FFF2-40B4-BE49-F238E27FC236}">
-                <a16:creationId xmlns:a16="http://schemas.microsoft.com/office/drawing/2014/main" id="{0334C97A-9F8A-9449-A878-A87C6683A747}"/>
-              </a:ext>
-            </a:extLst>
-          </p:cNvPr>
+          <p:cNvPr id="6" name="Footer Placeholder 5"/>
           <p:cNvSpPr>
             <a:spLocks noGrp="1"/>
           </p:cNvSpPr>
@@ -2408,13 +4335,7 @@
       </p:sp>
       <p:sp>
         <p:nvSpPr>
-          <p:cNvPr id="7" name="Slide Number Placeholder 6">
-            <a:extLst>
-              <a:ext uri="{FF2B5EF4-FFF2-40B4-BE49-F238E27FC236}">
-                <a16:creationId xmlns:a16="http://schemas.microsoft.com/office/drawing/2014/main" id="{D2FCEDA2-31E0-1D4D-ADEC-59AC6F471D9C}"/>
-              </a:ext>
-            </a:extLst>
-          </p:cNvPr>
+          <p:cNvPr id="7" name="Slide Number Placeholder 6"/>
           <p:cNvSpPr>
             <a:spLocks noGrp="1"/>
           </p:cNvSpPr>
@@ -2438,7 +4359,7 @@
     </p:spTree>
     <p:extLst>
       <p:ext uri="{BB962C8B-B14F-4D97-AF65-F5344CB8AC3E}">
-        <p14:creationId xmlns:p14="http://schemas.microsoft.com/office/powerpoint/2010/main" val="3728456362"/>
+        <p14:creationId xmlns:p14="http://schemas.microsoft.com/office/powerpoint/2010/main" val="451313557"/>
       </p:ext>
     </p:extLst>
   </p:cSld>
@@ -2467,13 +4388,7 @@
       </p:grpSpPr>
       <p:sp>
         <p:nvSpPr>
-          <p:cNvPr id="2" name="Title 1">
-            <a:extLst>
-              <a:ext uri="{FF2B5EF4-FFF2-40B4-BE49-F238E27FC236}">
-                <a16:creationId xmlns:a16="http://schemas.microsoft.com/office/drawing/2014/main" id="{1A218364-FA6E-7E43-96A4-B8B7EACD18B3}"/>
-              </a:ext>
-            </a:extLst>
-          </p:cNvPr>
+          <p:cNvPr id="2" name="Title 1"/>
           <p:cNvSpPr>
             <a:spLocks noGrp="1"/>
           </p:cNvSpPr>
@@ -2483,15 +4398,17 @@
         </p:nvSpPr>
         <p:spPr>
           <a:xfrm>
-            <a:off x="839788" y="457200"/>
-            <a:ext cx="3932237" cy="1600200"/>
+            <a:off x="677334" y="4800600"/>
+            <a:ext cx="8596667" cy="566738"/>
           </a:xfrm>
         </p:spPr>
         <p:txBody>
-          <a:bodyPr anchor="b"/>
+          <a:bodyPr anchor="b">
+            <a:normAutofit/>
+          </a:bodyPr>
           <a:lstStyle>
-            <a:lvl1pPr>
-              <a:defRPr sz="3200"/>
+            <a:lvl1pPr algn="l">
+              <a:defRPr sz="2400" b="0"/>
             </a:lvl1pPr>
           </a:lstStyle>
           <a:p>
@@ -2499,20 +4416,15 @@
               <a:rPr lang="en-US"/>
               <a:t>Click to edit Master title style</a:t>
             </a:r>
-          </a:p>
-        </p:txBody>
-      </p:sp>
-      <p:sp>
-        <p:nvSpPr>
-          <p:cNvPr id="3" name="Picture Placeholder 2">
-            <a:extLst>
-              <a:ext uri="{FF2B5EF4-FFF2-40B4-BE49-F238E27FC236}">
-                <a16:creationId xmlns:a16="http://schemas.microsoft.com/office/drawing/2014/main" id="{5D664226-9074-0D41-9EE1-1013D545D059}"/>
-              </a:ext>
-            </a:extLst>
-          </p:cNvPr>
-          <p:cNvSpPr>
-            <a:spLocks noGrp="1"/>
+            <a:endParaRPr lang="en-US" dirty="0"/>
+          </a:p>
+        </p:txBody>
+      </p:sp>
+      <p:sp>
+        <p:nvSpPr>
+          <p:cNvPr id="3" name="Picture Placeholder 2"/>
+          <p:cNvSpPr>
+            <a:spLocks noGrp="1" noChangeAspect="1"/>
           </p:cNvSpPr>
           <p:nvPr>
             <p:ph type="pic" idx="1"/>
@@ -2520,118 +4432,120 @@
         </p:nvSpPr>
         <p:spPr>
           <a:xfrm>
-            <a:off x="5183188" y="987425"/>
-            <a:ext cx="6172200" cy="4873625"/>
+            <a:off x="677334" y="609600"/>
+            <a:ext cx="8596668" cy="3845718"/>
           </a:xfrm>
         </p:spPr>
         <p:txBody>
-          <a:bodyPr/>
+          <a:bodyPr anchor="t">
+            <a:normAutofit/>
+          </a:bodyPr>
           <a:lstStyle>
-            <a:lvl1pPr marL="0" indent="0">
-              <a:buNone/>
-              <a:defRPr sz="3200"/>
-            </a:lvl1pPr>
-            <a:lvl2pPr marL="457200" indent="0">
-              <a:buNone/>
-              <a:defRPr sz="2800"/>
-            </a:lvl2pPr>
-            <a:lvl3pPr marL="914400" indent="0">
-              <a:buNone/>
-              <a:defRPr sz="2400"/>
-            </a:lvl3pPr>
-            <a:lvl4pPr marL="1371600" indent="0">
-              <a:buNone/>
-              <a:defRPr sz="2000"/>
-            </a:lvl4pPr>
-            <a:lvl5pPr marL="1828800" indent="0">
-              <a:buNone/>
-              <a:defRPr sz="2000"/>
-            </a:lvl5pPr>
-            <a:lvl6pPr marL="2286000" indent="0">
-              <a:buNone/>
-              <a:defRPr sz="2000"/>
-            </a:lvl6pPr>
-            <a:lvl7pPr marL="2743200" indent="0">
-              <a:buNone/>
-              <a:defRPr sz="2000"/>
-            </a:lvl7pPr>
-            <a:lvl8pPr marL="3200400" indent="0">
-              <a:buNone/>
-              <a:defRPr sz="2000"/>
-            </a:lvl8pPr>
-            <a:lvl9pPr marL="3657600" indent="0">
-              <a:buNone/>
-              <a:defRPr sz="2000"/>
-            </a:lvl9pPr>
-          </a:lstStyle>
-          <a:p>
-            <a:endParaRPr lang="en-US"/>
-          </a:p>
-        </p:txBody>
-      </p:sp>
-      <p:sp>
-        <p:nvSpPr>
-          <p:cNvPr id="4" name="Text Placeholder 3">
-            <a:extLst>
-              <a:ext uri="{FF2B5EF4-FFF2-40B4-BE49-F238E27FC236}">
-                <a16:creationId xmlns:a16="http://schemas.microsoft.com/office/drawing/2014/main" id="{841D9400-1390-E64F-A12F-394FBCD8CD44}"/>
-              </a:ext>
-            </a:extLst>
-          </p:cNvPr>
-          <p:cNvSpPr>
-            <a:spLocks noGrp="1"/>
-          </p:cNvSpPr>
-          <p:nvPr>
-            <p:ph type="body" sz="half" idx="2"/>
-          </p:nvPr>
-        </p:nvSpPr>
-        <p:spPr>
-          <a:xfrm>
-            <a:off x="839788" y="2057400"/>
-            <a:ext cx="3932237" cy="3811588"/>
-          </a:xfrm>
-        </p:spPr>
-        <p:txBody>
-          <a:bodyPr/>
-          <a:lstStyle>
-            <a:lvl1pPr marL="0" indent="0">
+            <a:lvl1pPr marL="0" indent="0" algn="ctr">
               <a:buNone/>
               <a:defRPr sz="1600"/>
             </a:lvl1pPr>
             <a:lvl2pPr marL="457200" indent="0">
               <a:buNone/>
-              <a:defRPr sz="1400"/>
+              <a:defRPr sz="1600"/>
             </a:lvl2pPr>
             <a:lvl3pPr marL="914400" indent="0">
               <a:buNone/>
-              <a:defRPr sz="1200"/>
+              <a:defRPr sz="1600"/>
             </a:lvl3pPr>
             <a:lvl4pPr marL="1371600" indent="0">
               <a:buNone/>
-              <a:defRPr sz="1000"/>
+              <a:defRPr sz="1600"/>
             </a:lvl4pPr>
             <a:lvl5pPr marL="1828800" indent="0">
               <a:buNone/>
-              <a:defRPr sz="1000"/>
+              <a:defRPr sz="1600"/>
             </a:lvl5pPr>
             <a:lvl6pPr marL="2286000" indent="0">
               <a:buNone/>
-              <a:defRPr sz="1000"/>
+              <a:defRPr sz="1600"/>
             </a:lvl6pPr>
             <a:lvl7pPr marL="2743200" indent="0">
               <a:buNone/>
-              <a:defRPr sz="1000"/>
+              <a:defRPr sz="1600"/>
             </a:lvl7pPr>
             <a:lvl8pPr marL="3200400" indent="0">
               <a:buNone/>
-              <a:defRPr sz="1000"/>
+              <a:defRPr sz="1600"/>
             </a:lvl8pPr>
             <a:lvl9pPr marL="3657600" indent="0">
               <a:buNone/>
-              <a:defRPr sz="1000"/>
+              <a:defRPr sz="1600"/>
             </a:lvl9pPr>
           </a:lstStyle>
           <a:p>
+            <a:r>
+              <a:rPr lang="en-US"/>
+              <a:t>Click icon to add picture</a:t>
+            </a:r>
+            <a:endParaRPr lang="en-US" dirty="0"/>
+          </a:p>
+        </p:txBody>
+      </p:sp>
+      <p:sp>
+        <p:nvSpPr>
+          <p:cNvPr id="4" name="Text Placeholder 3"/>
+          <p:cNvSpPr>
+            <a:spLocks noGrp="1"/>
+          </p:cNvSpPr>
+          <p:nvPr>
+            <p:ph type="body" sz="half" idx="2"/>
+          </p:nvPr>
+        </p:nvSpPr>
+        <p:spPr>
+          <a:xfrm>
+            <a:off x="677334" y="5367338"/>
+            <a:ext cx="8596667" cy="674024"/>
+          </a:xfrm>
+        </p:spPr>
+        <p:txBody>
+          <a:bodyPr>
+            <a:normAutofit/>
+          </a:bodyPr>
+          <a:lstStyle>
+            <a:lvl1pPr marL="0" indent="0">
+              <a:buNone/>
+              <a:defRPr sz="1200"/>
+            </a:lvl1pPr>
+            <a:lvl2pPr marL="457200" indent="0">
+              <a:buNone/>
+              <a:defRPr sz="1200"/>
+            </a:lvl2pPr>
+            <a:lvl3pPr marL="914400" indent="0">
+              <a:buNone/>
+              <a:defRPr sz="1000"/>
+            </a:lvl3pPr>
+            <a:lvl4pPr marL="1371600" indent="0">
+              <a:buNone/>
+              <a:defRPr sz="900"/>
+            </a:lvl4pPr>
+            <a:lvl5pPr marL="1828800" indent="0">
+              <a:buNone/>
+              <a:defRPr sz="900"/>
+            </a:lvl5pPr>
+            <a:lvl6pPr marL="2286000" indent="0">
+              <a:buNone/>
+              <a:defRPr sz="900"/>
+            </a:lvl6pPr>
+            <a:lvl7pPr marL="2743200" indent="0">
+              <a:buNone/>
+              <a:defRPr sz="900"/>
+            </a:lvl7pPr>
+            <a:lvl8pPr marL="3200400" indent="0">
+              <a:buNone/>
+              <a:defRPr sz="900"/>
+            </a:lvl8pPr>
+            <a:lvl9pPr marL="3657600" indent="0">
+              <a:buNone/>
+              <a:defRPr sz="900"/>
+            </a:lvl9pPr>
+          </a:lstStyle>
+          <a:p>
             <a:pPr lvl="0"/>
             <a:r>
               <a:rPr lang="en-US"/>
@@ -2642,18 +4556,12 @@
       </p:sp>
       <p:sp>
         <p:nvSpPr>
-          <p:cNvPr id="5" name="Date Placeholder 4">
-            <a:extLst>
-              <a:ext uri="{FF2B5EF4-FFF2-40B4-BE49-F238E27FC236}">
-                <a16:creationId xmlns:a16="http://schemas.microsoft.com/office/drawing/2014/main" id="{9DAF6229-EE8B-E749-9C03-C10E57D6C7C0}"/>
-              </a:ext>
-            </a:extLst>
-          </p:cNvPr>
-          <p:cNvSpPr>
-            <a:spLocks noGrp="1"/>
-          </p:cNvSpPr>
-          <p:nvPr>
-            <p:ph type="dt" sz="half" idx="10"/>
+          <p:cNvPr id="6" name="Footer Placeholder 5"/>
+          <p:cNvSpPr>
+            <a:spLocks noGrp="1"/>
+          </p:cNvSpPr>
+          <p:nvPr>
+            <p:ph type="ftr" sz="quarter" idx="11"/>
           </p:nvPr>
         </p:nvSpPr>
         <p:spPr/>
@@ -2661,48 +4569,13 @@
           <a:bodyPr/>
           <a:lstStyle/>
           <a:p>
-            <a:fld id="{2BE45E80-1765-774A-A455-E954E38424A6}" type="datetimeFigureOut">
-              <a:rPr lang="en-US" smtClean="0"/>
-              <a:t>7/23/21</a:t>
-            </a:fld>
             <a:endParaRPr lang="en-US"/>
           </a:p>
         </p:txBody>
       </p:sp>
       <p:sp>
         <p:nvSpPr>
-          <p:cNvPr id="6" name="Footer Placeholder 5">
-            <a:extLst>
-              <a:ext uri="{FF2B5EF4-FFF2-40B4-BE49-F238E27FC236}">
-                <a16:creationId xmlns:a16="http://schemas.microsoft.com/office/drawing/2014/main" id="{B26399A5-6D90-7841-BDD0-7897F3FF785B}"/>
-              </a:ext>
-            </a:extLst>
-          </p:cNvPr>
-          <p:cNvSpPr>
-            <a:spLocks noGrp="1"/>
-          </p:cNvSpPr>
-          <p:nvPr>
-            <p:ph type="ftr" sz="quarter" idx="11"/>
-          </p:nvPr>
-        </p:nvSpPr>
-        <p:spPr/>
-        <p:txBody>
-          <a:bodyPr/>
-          <a:lstStyle/>
-          <a:p>
-            <a:endParaRPr lang="en-US"/>
-          </a:p>
-        </p:txBody>
-      </p:sp>
-      <p:sp>
-        <p:nvSpPr>
-          <p:cNvPr id="7" name="Slide Number Placeholder 6">
-            <a:extLst>
-              <a:ext uri="{FF2B5EF4-FFF2-40B4-BE49-F238E27FC236}">
-                <a16:creationId xmlns:a16="http://schemas.microsoft.com/office/drawing/2014/main" id="{D5490370-1126-D442-81DC-5B45CEE47306}"/>
-              </a:ext>
-            </a:extLst>
-          </p:cNvPr>
+          <p:cNvPr id="7" name="Slide Number Placeholder 6"/>
           <p:cNvSpPr>
             <a:spLocks noGrp="1"/>
           </p:cNvSpPr>
@@ -2723,10 +4596,33 @@
           </a:p>
         </p:txBody>
       </p:sp>
+      <p:sp>
+        <p:nvSpPr>
+          <p:cNvPr id="5" name="Date Placeholder 4"/>
+          <p:cNvSpPr>
+            <a:spLocks noGrp="1"/>
+          </p:cNvSpPr>
+          <p:nvPr>
+            <p:ph type="dt" sz="half" idx="10"/>
+          </p:nvPr>
+        </p:nvSpPr>
+        <p:spPr/>
+        <p:txBody>
+          <a:bodyPr/>
+          <a:lstStyle/>
+          <a:p>
+            <a:fld id="{2BE45E80-1765-774A-A455-E954E38424A6}" type="datetimeFigureOut">
+              <a:rPr lang="en-US" smtClean="0"/>
+              <a:t>8/5/21</a:t>
+            </a:fld>
+            <a:endParaRPr lang="en-US"/>
+          </a:p>
+        </p:txBody>
+      </p:sp>
     </p:spTree>
     <p:extLst>
       <p:ext uri="{BB962C8B-B14F-4D97-AF65-F5344CB8AC3E}">
-        <p14:creationId xmlns:p14="http://schemas.microsoft.com/office/powerpoint/2010/main" val="4031099747"/>
+        <p14:creationId xmlns:p14="http://schemas.microsoft.com/office/powerpoint/2010/main" val="195667191"/>
       </p:ext>
     </p:extLst>
   </p:cSld>
@@ -2758,15 +4654,540 @@
           <a:chExt cx="0" cy="0"/>
         </a:xfrm>
       </p:grpSpPr>
-      <p:sp>
-        <p:nvSpPr>
-          <p:cNvPr id="2" name="Title Placeholder 1">
-            <a:extLst>
-              <a:ext uri="{FF2B5EF4-FFF2-40B4-BE49-F238E27FC236}">
-                <a16:creationId xmlns:a16="http://schemas.microsoft.com/office/drawing/2014/main" id="{BDCE28A6-B189-B148-BAF0-C16D2553E5B5}"/>
-              </a:ext>
-            </a:extLst>
-          </p:cNvPr>
+      <p:grpSp>
+        <p:nvGrpSpPr>
+          <p:cNvPr id="44" name="Group 43"/>
+          <p:cNvGrpSpPr/>
+          <p:nvPr/>
+        </p:nvGrpSpPr>
+        <p:grpSpPr>
+          <a:xfrm>
+            <a:off x="0" y="-8467"/>
+            <a:ext cx="12192000" cy="6866467"/>
+            <a:chOff x="0" y="-8467"/>
+            <a:chExt cx="12192000" cy="6866467"/>
+          </a:xfrm>
+        </p:grpSpPr>
+        <p:cxnSp>
+          <p:nvCxnSpPr>
+            <p:cNvPr id="20" name="Straight Connector 19"/>
+            <p:cNvCxnSpPr/>
+            <p:nvPr/>
+          </p:nvCxnSpPr>
+          <p:spPr>
+            <a:xfrm>
+              <a:off x="9371012" y="0"/>
+              <a:ext cx="1219200" cy="6858000"/>
+            </a:xfrm>
+            <a:prstGeom prst="line">
+              <a:avLst/>
+            </a:prstGeom>
+            <a:ln w="9525">
+              <a:solidFill>
+                <a:schemeClr val="accent1">
+                  <a:alpha val="70000"/>
+                </a:schemeClr>
+              </a:solidFill>
+            </a:ln>
+          </p:spPr>
+          <p:style>
+            <a:lnRef idx="2">
+              <a:schemeClr val="accent1"/>
+            </a:lnRef>
+            <a:fillRef idx="0">
+              <a:schemeClr val="accent1"/>
+            </a:fillRef>
+            <a:effectRef idx="1">
+              <a:schemeClr val="accent1"/>
+            </a:effectRef>
+            <a:fontRef idx="minor">
+              <a:schemeClr val="tx1"/>
+            </a:fontRef>
+          </p:style>
+        </p:cxnSp>
+        <p:cxnSp>
+          <p:nvCxnSpPr>
+            <p:cNvPr id="21" name="Straight Connector 20"/>
+            <p:cNvCxnSpPr/>
+            <p:nvPr/>
+          </p:nvCxnSpPr>
+          <p:spPr>
+            <a:xfrm flipH="1">
+              <a:off x="7425267" y="3681413"/>
+              <a:ext cx="4763558" cy="3176587"/>
+            </a:xfrm>
+            <a:prstGeom prst="line">
+              <a:avLst/>
+            </a:prstGeom>
+            <a:ln w="9525">
+              <a:solidFill>
+                <a:schemeClr val="accent1">
+                  <a:alpha val="70000"/>
+                </a:schemeClr>
+              </a:solidFill>
+            </a:ln>
+          </p:spPr>
+          <p:style>
+            <a:lnRef idx="2">
+              <a:schemeClr val="accent1"/>
+            </a:lnRef>
+            <a:fillRef idx="0">
+              <a:schemeClr val="accent1"/>
+            </a:fillRef>
+            <a:effectRef idx="1">
+              <a:schemeClr val="accent1"/>
+            </a:effectRef>
+            <a:fontRef idx="minor">
+              <a:schemeClr val="tx1"/>
+            </a:fontRef>
+          </p:style>
+        </p:cxnSp>
+        <p:sp>
+          <p:nvSpPr>
+            <p:cNvPr id="22" name="Rectangle 23"/>
+            <p:cNvSpPr/>
+            <p:nvPr/>
+          </p:nvSpPr>
+          <p:spPr>
+            <a:xfrm>
+              <a:off x="9181476" y="-8467"/>
+              <a:ext cx="3007349" cy="6866467"/>
+            </a:xfrm>
+            <a:custGeom>
+              <a:avLst/>
+              <a:gdLst/>
+              <a:ahLst/>
+              <a:cxnLst/>
+              <a:rect l="l" t="t" r="r" b="b"/>
+              <a:pathLst>
+                <a:path w="3007349" h="6866467">
+                  <a:moveTo>
+                    <a:pt x="2045532" y="0"/>
+                  </a:moveTo>
+                  <a:lnTo>
+                    <a:pt x="3007349" y="0"/>
+                  </a:lnTo>
+                  <a:lnTo>
+                    <a:pt x="3007349" y="6866467"/>
+                  </a:lnTo>
+                  <a:lnTo>
+                    <a:pt x="0" y="6866467"/>
+                  </a:lnTo>
+                  <a:lnTo>
+                    <a:pt x="2045532" y="0"/>
+                  </a:lnTo>
+                  <a:close/>
+                </a:path>
+              </a:pathLst>
+            </a:custGeom>
+            <a:solidFill>
+              <a:schemeClr val="accent1">
+                <a:alpha val="36000"/>
+              </a:schemeClr>
+            </a:solidFill>
+            <a:ln>
+              <a:noFill/>
+            </a:ln>
+            <a:effectLst/>
+          </p:spPr>
+          <p:style>
+            <a:lnRef idx="1">
+              <a:schemeClr val="accent1"/>
+            </a:lnRef>
+            <a:fillRef idx="3">
+              <a:schemeClr val="accent1"/>
+            </a:fillRef>
+            <a:effectRef idx="2">
+              <a:schemeClr val="accent1"/>
+            </a:effectRef>
+            <a:fontRef idx="minor">
+              <a:schemeClr val="lt1"/>
+            </a:fontRef>
+          </p:style>
+        </p:sp>
+        <p:sp>
+          <p:nvSpPr>
+            <p:cNvPr id="23" name="Rectangle 25"/>
+            <p:cNvSpPr/>
+            <p:nvPr/>
+          </p:nvSpPr>
+          <p:spPr>
+            <a:xfrm>
+              <a:off x="9603442" y="-8467"/>
+              <a:ext cx="2588558" cy="6866467"/>
+            </a:xfrm>
+            <a:custGeom>
+              <a:avLst/>
+              <a:gdLst/>
+              <a:ahLst/>
+              <a:cxnLst/>
+              <a:rect l="l" t="t" r="r" b="b"/>
+              <a:pathLst>
+                <a:path w="2573311" h="6866467">
+                  <a:moveTo>
+                    <a:pt x="0" y="0"/>
+                  </a:moveTo>
+                  <a:lnTo>
+                    <a:pt x="2573311" y="0"/>
+                  </a:lnTo>
+                  <a:lnTo>
+                    <a:pt x="2573311" y="6866467"/>
+                  </a:lnTo>
+                  <a:lnTo>
+                    <a:pt x="1202336" y="6866467"/>
+                  </a:lnTo>
+                  <a:lnTo>
+                    <a:pt x="0" y="0"/>
+                  </a:lnTo>
+                  <a:close/>
+                </a:path>
+              </a:pathLst>
+            </a:custGeom>
+            <a:solidFill>
+              <a:schemeClr val="accent1">
+                <a:alpha val="20000"/>
+              </a:schemeClr>
+            </a:solidFill>
+            <a:ln>
+              <a:noFill/>
+            </a:ln>
+            <a:effectLst/>
+          </p:spPr>
+          <p:style>
+            <a:lnRef idx="1">
+              <a:schemeClr val="accent1"/>
+            </a:lnRef>
+            <a:fillRef idx="3">
+              <a:schemeClr val="accent1"/>
+            </a:fillRef>
+            <a:effectRef idx="2">
+              <a:schemeClr val="accent1"/>
+            </a:effectRef>
+            <a:fontRef idx="minor">
+              <a:schemeClr val="lt1"/>
+            </a:fontRef>
+          </p:style>
+        </p:sp>
+        <p:sp>
+          <p:nvSpPr>
+            <p:cNvPr id="24" name="Isosceles Triangle 23"/>
+            <p:cNvSpPr/>
+            <p:nvPr/>
+          </p:nvSpPr>
+          <p:spPr>
+            <a:xfrm>
+              <a:off x="8932333" y="3048000"/>
+              <a:ext cx="3259667" cy="3810000"/>
+            </a:xfrm>
+            <a:prstGeom prst="triangle">
+              <a:avLst>
+                <a:gd name="adj" fmla="val 100000"/>
+              </a:avLst>
+            </a:prstGeom>
+            <a:solidFill>
+              <a:schemeClr val="accent1">
+                <a:lumMod val="75000"/>
+                <a:alpha val="66000"/>
+              </a:schemeClr>
+            </a:solidFill>
+            <a:ln>
+              <a:noFill/>
+            </a:ln>
+            <a:effectLst/>
+          </p:spPr>
+          <p:style>
+            <a:lnRef idx="1">
+              <a:schemeClr val="accent1"/>
+            </a:lnRef>
+            <a:fillRef idx="3">
+              <a:schemeClr val="accent1"/>
+            </a:fillRef>
+            <a:effectRef idx="2">
+              <a:schemeClr val="accent1"/>
+            </a:effectRef>
+            <a:fontRef idx="minor">
+              <a:schemeClr val="lt1"/>
+            </a:fontRef>
+          </p:style>
+        </p:sp>
+        <p:sp>
+          <p:nvSpPr>
+            <p:cNvPr id="25" name="Rectangle 27"/>
+            <p:cNvSpPr/>
+            <p:nvPr/>
+          </p:nvSpPr>
+          <p:spPr>
+            <a:xfrm>
+              <a:off x="9334500" y="-8467"/>
+              <a:ext cx="2854326" cy="6866467"/>
+            </a:xfrm>
+            <a:custGeom>
+              <a:avLst/>
+              <a:gdLst/>
+              <a:ahLst/>
+              <a:cxnLst/>
+              <a:rect l="l" t="t" r="r" b="b"/>
+              <a:pathLst>
+                <a:path w="2858013" h="6866467">
+                  <a:moveTo>
+                    <a:pt x="0" y="0"/>
+                  </a:moveTo>
+                  <a:lnTo>
+                    <a:pt x="2858013" y="0"/>
+                  </a:lnTo>
+                  <a:lnTo>
+                    <a:pt x="2858013" y="6866467"/>
+                  </a:lnTo>
+                  <a:lnTo>
+                    <a:pt x="2473942" y="6866467"/>
+                  </a:lnTo>
+                  <a:lnTo>
+                    <a:pt x="0" y="0"/>
+                  </a:lnTo>
+                  <a:close/>
+                </a:path>
+              </a:pathLst>
+            </a:custGeom>
+            <a:solidFill>
+              <a:schemeClr val="accent1">
+                <a:lumMod val="75000"/>
+                <a:alpha val="50000"/>
+              </a:schemeClr>
+            </a:solidFill>
+            <a:ln>
+              <a:noFill/>
+            </a:ln>
+            <a:effectLst/>
+          </p:spPr>
+          <p:style>
+            <a:lnRef idx="1">
+              <a:schemeClr val="accent1"/>
+            </a:lnRef>
+            <a:fillRef idx="3">
+              <a:schemeClr val="accent1"/>
+            </a:fillRef>
+            <a:effectRef idx="2">
+              <a:schemeClr val="accent1"/>
+            </a:effectRef>
+            <a:fontRef idx="minor">
+              <a:schemeClr val="lt1"/>
+            </a:fontRef>
+          </p:style>
+        </p:sp>
+        <p:sp>
+          <p:nvSpPr>
+            <p:cNvPr id="26" name="Rectangle 28"/>
+            <p:cNvSpPr/>
+            <p:nvPr/>
+          </p:nvSpPr>
+          <p:spPr>
+            <a:xfrm>
+              <a:off x="10898730" y="-8467"/>
+              <a:ext cx="1290094" cy="6866467"/>
+            </a:xfrm>
+            <a:custGeom>
+              <a:avLst/>
+              <a:gdLst/>
+              <a:ahLst/>
+              <a:cxnLst/>
+              <a:rect l="l" t="t" r="r" b="b"/>
+              <a:pathLst>
+                <a:path w="1290094" h="6858000">
+                  <a:moveTo>
+                    <a:pt x="1019735" y="0"/>
+                  </a:moveTo>
+                  <a:lnTo>
+                    <a:pt x="1290094" y="0"/>
+                  </a:lnTo>
+                  <a:lnTo>
+                    <a:pt x="1290094" y="6858000"/>
+                  </a:lnTo>
+                  <a:lnTo>
+                    <a:pt x="0" y="6858000"/>
+                  </a:lnTo>
+                  <a:lnTo>
+                    <a:pt x="1019735" y="0"/>
+                  </a:lnTo>
+                  <a:close/>
+                </a:path>
+              </a:pathLst>
+            </a:custGeom>
+            <a:solidFill>
+              <a:schemeClr val="accent2">
+                <a:alpha val="70000"/>
+              </a:schemeClr>
+            </a:solidFill>
+            <a:ln>
+              <a:noFill/>
+            </a:ln>
+            <a:effectLst/>
+          </p:spPr>
+          <p:style>
+            <a:lnRef idx="1">
+              <a:schemeClr val="accent1"/>
+            </a:lnRef>
+            <a:fillRef idx="3">
+              <a:schemeClr val="accent1"/>
+            </a:fillRef>
+            <a:effectRef idx="2">
+              <a:schemeClr val="accent1"/>
+            </a:effectRef>
+            <a:fontRef idx="minor">
+              <a:schemeClr val="lt1"/>
+            </a:fontRef>
+          </p:style>
+        </p:sp>
+        <p:sp>
+          <p:nvSpPr>
+            <p:cNvPr id="27" name="Rectangle 29"/>
+            <p:cNvSpPr/>
+            <p:nvPr/>
+          </p:nvSpPr>
+          <p:spPr>
+            <a:xfrm>
+              <a:off x="10938999" y="-8467"/>
+              <a:ext cx="1249825" cy="6866467"/>
+            </a:xfrm>
+            <a:custGeom>
+              <a:avLst/>
+              <a:gdLst/>
+              <a:ahLst/>
+              <a:cxnLst/>
+              <a:rect l="l" t="t" r="r" b="b"/>
+              <a:pathLst>
+                <a:path w="1249825" h="6858000">
+                  <a:moveTo>
+                    <a:pt x="0" y="0"/>
+                  </a:moveTo>
+                  <a:lnTo>
+                    <a:pt x="1249825" y="0"/>
+                  </a:lnTo>
+                  <a:lnTo>
+                    <a:pt x="1249825" y="6858000"/>
+                  </a:lnTo>
+                  <a:lnTo>
+                    <a:pt x="1109382" y="6858000"/>
+                  </a:lnTo>
+                  <a:lnTo>
+                    <a:pt x="0" y="0"/>
+                  </a:lnTo>
+                  <a:close/>
+                </a:path>
+              </a:pathLst>
+            </a:custGeom>
+            <a:solidFill>
+              <a:schemeClr val="accent2">
+                <a:lumMod val="75000"/>
+                <a:alpha val="80000"/>
+              </a:schemeClr>
+            </a:solidFill>
+            <a:ln>
+              <a:noFill/>
+            </a:ln>
+            <a:effectLst/>
+          </p:spPr>
+          <p:style>
+            <a:lnRef idx="1">
+              <a:schemeClr val="accent1"/>
+            </a:lnRef>
+            <a:fillRef idx="3">
+              <a:schemeClr val="accent1"/>
+            </a:fillRef>
+            <a:effectRef idx="2">
+              <a:schemeClr val="accent1"/>
+            </a:effectRef>
+            <a:fontRef idx="minor">
+              <a:schemeClr val="lt1"/>
+            </a:fontRef>
+          </p:style>
+        </p:sp>
+        <p:sp>
+          <p:nvSpPr>
+            <p:cNvPr id="28" name="Isosceles Triangle 27"/>
+            <p:cNvSpPr/>
+            <p:nvPr/>
+          </p:nvSpPr>
+          <p:spPr>
+            <a:xfrm>
+              <a:off x="10371666" y="3589867"/>
+              <a:ext cx="1817159" cy="3268133"/>
+            </a:xfrm>
+            <a:prstGeom prst="triangle">
+              <a:avLst>
+                <a:gd name="adj" fmla="val 100000"/>
+              </a:avLst>
+            </a:prstGeom>
+            <a:solidFill>
+              <a:schemeClr val="accent1">
+                <a:lumMod val="75000"/>
+                <a:alpha val="66000"/>
+              </a:schemeClr>
+            </a:solidFill>
+            <a:ln>
+              <a:noFill/>
+            </a:ln>
+            <a:effectLst/>
+          </p:spPr>
+          <p:style>
+            <a:lnRef idx="1">
+              <a:schemeClr val="accent1"/>
+            </a:lnRef>
+            <a:fillRef idx="3">
+              <a:schemeClr val="accent1"/>
+            </a:fillRef>
+            <a:effectRef idx="2">
+              <a:schemeClr val="accent1"/>
+            </a:effectRef>
+            <a:fontRef idx="minor">
+              <a:schemeClr val="lt1"/>
+            </a:fontRef>
+          </p:style>
+        </p:sp>
+        <p:sp>
+          <p:nvSpPr>
+            <p:cNvPr id="19" name="Isosceles Triangle 18"/>
+            <p:cNvSpPr/>
+            <p:nvPr/>
+          </p:nvSpPr>
+          <p:spPr>
+            <a:xfrm>
+              <a:off x="0" y="4013200"/>
+              <a:ext cx="448733" cy="2844800"/>
+            </a:xfrm>
+            <a:prstGeom prst="triangle">
+              <a:avLst>
+                <a:gd name="adj" fmla="val 0"/>
+              </a:avLst>
+            </a:prstGeom>
+            <a:solidFill>
+              <a:schemeClr val="accent1">
+                <a:alpha val="70000"/>
+              </a:schemeClr>
+            </a:solidFill>
+            <a:ln>
+              <a:noFill/>
+            </a:ln>
+            <a:effectLst/>
+          </p:spPr>
+          <p:style>
+            <a:lnRef idx="1">
+              <a:schemeClr val="accent1"/>
+            </a:lnRef>
+            <a:fillRef idx="3">
+              <a:schemeClr val="accent1"/>
+            </a:fillRef>
+            <a:effectRef idx="2">
+              <a:schemeClr val="accent1"/>
+            </a:effectRef>
+            <a:fontRef idx="minor">
+              <a:schemeClr val="lt1"/>
+            </a:fontRef>
+          </p:style>
+        </p:sp>
+      </p:grpSp>
+      <p:sp>
+        <p:nvSpPr>
+          <p:cNvPr id="2" name="Title Placeholder 1"/>
           <p:cNvSpPr>
             <a:spLocks noGrp="1"/>
           </p:cNvSpPr>
@@ -2776,15 +5197,15 @@
         </p:nvSpPr>
         <p:spPr>
           <a:xfrm>
-            <a:off x="838200" y="365125"/>
-            <a:ext cx="10515600" cy="1325563"/>
+            <a:off x="677334" y="609600"/>
+            <a:ext cx="8596668" cy="1320800"/>
           </a:xfrm>
           <a:prstGeom prst="rect">
             <a:avLst/>
           </a:prstGeom>
         </p:spPr>
         <p:txBody>
-          <a:bodyPr vert="horz" lIns="91440" tIns="45720" rIns="91440" bIns="45720" rtlCol="0" anchor="ctr">
+          <a:bodyPr vert="horz" lIns="91440" tIns="45720" rIns="91440" bIns="45720" rtlCol="0" anchor="t">
             <a:normAutofit/>
           </a:bodyPr>
           <a:lstStyle/>
@@ -2793,18 +5214,13 @@
               <a:rPr lang="en-US"/>
               <a:t>Click to edit Master title style</a:t>
             </a:r>
-          </a:p>
-        </p:txBody>
-      </p:sp>
-      <p:sp>
-        <p:nvSpPr>
-          <p:cNvPr id="3" name="Text Placeholder 2">
-            <a:extLst>
-              <a:ext uri="{FF2B5EF4-FFF2-40B4-BE49-F238E27FC236}">
-                <a16:creationId xmlns:a16="http://schemas.microsoft.com/office/drawing/2014/main" id="{3EC3219B-2304-E343-9F67-EF09C1D89327}"/>
-              </a:ext>
-            </a:extLst>
-          </p:cNvPr>
+            <a:endParaRPr lang="en-US" dirty="0"/>
+          </a:p>
+        </p:txBody>
+      </p:sp>
+      <p:sp>
+        <p:nvSpPr>
+          <p:cNvPr id="3" name="Text Placeholder 2"/>
           <p:cNvSpPr>
             <a:spLocks noGrp="1"/>
           </p:cNvSpPr>
@@ -2814,8 +5230,8 @@
         </p:nvSpPr>
         <p:spPr>
           <a:xfrm>
-            <a:off x="838200" y="1825625"/>
-            <a:ext cx="10515600" cy="4351338"/>
+            <a:off x="677334" y="2160589"/>
+            <a:ext cx="8596668" cy="3880773"/>
           </a:xfrm>
           <a:prstGeom prst="rect">
             <a:avLst/>
@@ -2860,18 +5276,13 @@
               <a:rPr lang="en-US"/>
               <a:t>Fifth level</a:t>
             </a:r>
-          </a:p>
-        </p:txBody>
-      </p:sp>
-      <p:sp>
-        <p:nvSpPr>
-          <p:cNvPr id="4" name="Date Placeholder 3">
-            <a:extLst>
-              <a:ext uri="{FF2B5EF4-FFF2-40B4-BE49-F238E27FC236}">
-                <a16:creationId xmlns:a16="http://schemas.microsoft.com/office/drawing/2014/main" id="{4DD639DF-5F98-F743-967C-7438FD99E3E2}"/>
-              </a:ext>
-            </a:extLst>
-          </p:cNvPr>
+            <a:endParaRPr lang="en-US" dirty="0"/>
+          </a:p>
+        </p:txBody>
+      </p:sp>
+      <p:sp>
+        <p:nvSpPr>
+          <p:cNvPr id="4" name="Date Placeholder 3"/>
           <p:cNvSpPr>
             <a:spLocks noGrp="1"/>
           </p:cNvSpPr>
@@ -2881,8 +5292,8 @@
         </p:nvSpPr>
         <p:spPr>
           <a:xfrm>
-            <a:off x="838200" y="6356350"/>
-            <a:ext cx="2743200" cy="365125"/>
+            <a:off x="7205133" y="6041362"/>
+            <a:ext cx="911939" cy="365125"/>
           </a:xfrm>
           <a:prstGeom prst="rect">
             <a:avLst/>
@@ -2891,8 +5302,8 @@
         <p:txBody>
           <a:bodyPr vert="horz" lIns="91440" tIns="45720" rIns="91440" bIns="45720" rtlCol="0" anchor="ctr"/>
           <a:lstStyle>
-            <a:lvl1pPr algn="l">
-              <a:defRPr sz="1200">
+            <a:lvl1pPr algn="r">
+              <a:defRPr sz="900">
                 <a:solidFill>
                   <a:schemeClr val="tx1">
                     <a:tint val="75000"/>
@@ -2904,7 +5315,7 @@
           <a:p>
             <a:fld id="{2BE45E80-1765-774A-A455-E954E38424A6}" type="datetimeFigureOut">
               <a:rPr lang="en-US" smtClean="0"/>
-              <a:t>7/23/21</a:t>
+              <a:t>8/5/21</a:t>
             </a:fld>
             <a:endParaRPr lang="en-US"/>
           </a:p>
@@ -2912,13 +5323,7 @@
       </p:sp>
       <p:sp>
         <p:nvSpPr>
-          <p:cNvPr id="5" name="Footer Placeholder 4">
-            <a:extLst>
-              <a:ext uri="{FF2B5EF4-FFF2-40B4-BE49-F238E27FC236}">
-                <a16:creationId xmlns:a16="http://schemas.microsoft.com/office/drawing/2014/main" id="{54BA1760-9D95-414D-BA62-6D53B336BD70}"/>
-              </a:ext>
-            </a:extLst>
-          </p:cNvPr>
+          <p:cNvPr id="5" name="Footer Placeholder 4"/>
           <p:cNvSpPr>
             <a:spLocks noGrp="1"/>
           </p:cNvSpPr>
@@ -2928,8 +5333,8 @@
         </p:nvSpPr>
         <p:spPr>
           <a:xfrm>
-            <a:off x="4038600" y="6356350"/>
-            <a:ext cx="4114800" cy="365125"/>
+            <a:off x="677334" y="6041362"/>
+            <a:ext cx="6297612" cy="365125"/>
           </a:xfrm>
           <a:prstGeom prst="rect">
             <a:avLst/>
@@ -2938,8 +5343,8 @@
         <p:txBody>
           <a:bodyPr vert="horz" lIns="91440" tIns="45720" rIns="91440" bIns="45720" rtlCol="0" anchor="ctr"/>
           <a:lstStyle>
-            <a:lvl1pPr algn="ctr">
-              <a:defRPr sz="1200">
+            <a:lvl1pPr algn="l">
+              <a:defRPr sz="900">
                 <a:solidFill>
                   <a:schemeClr val="tx1">
                     <a:tint val="75000"/>
@@ -2955,13 +5360,7 @@
       </p:sp>
       <p:sp>
         <p:nvSpPr>
-          <p:cNvPr id="6" name="Slide Number Placeholder 5">
-            <a:extLst>
-              <a:ext uri="{FF2B5EF4-FFF2-40B4-BE49-F238E27FC236}">
-                <a16:creationId xmlns:a16="http://schemas.microsoft.com/office/drawing/2014/main" id="{7ABC08B8-7EEE-9249-BD5D-A9020BA68C8C}"/>
-              </a:ext>
-            </a:extLst>
-          </p:cNvPr>
+          <p:cNvPr id="6" name="Slide Number Placeholder 5"/>
           <p:cNvSpPr>
             <a:spLocks noGrp="1"/>
           </p:cNvSpPr>
@@ -2971,8 +5370,8 @@
         </p:nvSpPr>
         <p:spPr>
           <a:xfrm>
-            <a:off x="8610600" y="6356350"/>
-            <a:ext cx="2743200" cy="365125"/>
+            <a:off x="8590663" y="6041362"/>
+            <a:ext cx="683339" cy="365125"/>
           </a:xfrm>
           <a:prstGeom prst="rect">
             <a:avLst/>
@@ -2982,11 +5381,9 @@
           <a:bodyPr vert="horz" lIns="91440" tIns="45720" rIns="91440" bIns="45720" rtlCol="0" anchor="ctr"/>
           <a:lstStyle>
             <a:lvl1pPr algn="r">
-              <a:defRPr sz="1200">
-                <a:solidFill>
-                  <a:schemeClr val="tx1">
-                    <a:tint val="75000"/>
-                  </a:schemeClr>
+              <a:defRPr sz="900">
+                <a:solidFill>
+                  <a:schemeClr val="accent1"/>
                 </a:solidFill>
               </a:defRPr>
             </a:lvl1pPr>
@@ -3003,201 +5400,322 @@
     </p:spTree>
     <p:extLst>
       <p:ext uri="{BB962C8B-B14F-4D97-AF65-F5344CB8AC3E}">
-        <p14:creationId xmlns:p14="http://schemas.microsoft.com/office/powerpoint/2010/main" val="2141934367"/>
+        <p14:creationId xmlns:p14="http://schemas.microsoft.com/office/powerpoint/2010/main" val="2838657234"/>
       </p:ext>
     </p:extLst>
   </p:cSld>
   <p:clrMap bg1="lt1" tx1="dk1" bg2="lt2" tx2="dk2" accent1="accent1" accent2="accent2" accent3="accent3" accent4="accent4" accent5="accent5" accent6="accent6" hlink="hlink" folHlink="folHlink"/>
   <p:sldLayoutIdLst>
-    <p:sldLayoutId id="2147483649" r:id="rId1"/>
-    <p:sldLayoutId id="2147483650" r:id="rId2"/>
-    <p:sldLayoutId id="2147483651" r:id="rId3"/>
-    <p:sldLayoutId id="2147483652" r:id="rId4"/>
-    <p:sldLayoutId id="2147483653" r:id="rId5"/>
-    <p:sldLayoutId id="2147483654" r:id="rId6"/>
-    <p:sldLayoutId id="2147483655" r:id="rId7"/>
-    <p:sldLayoutId id="2147483656" r:id="rId8"/>
-    <p:sldLayoutId id="2147483657" r:id="rId9"/>
-    <p:sldLayoutId id="2147483658" r:id="rId10"/>
-    <p:sldLayoutId id="2147483659" r:id="rId11"/>
+    <p:sldLayoutId id="2147483805" r:id="rId1"/>
+    <p:sldLayoutId id="2147483806" r:id="rId2"/>
+    <p:sldLayoutId id="2147483807" r:id="rId3"/>
+    <p:sldLayoutId id="2147483808" r:id="rId4"/>
+    <p:sldLayoutId id="2147483809" r:id="rId5"/>
+    <p:sldLayoutId id="2147483810" r:id="rId6"/>
+    <p:sldLayoutId id="2147483811" r:id="rId7"/>
+    <p:sldLayoutId id="2147483812" r:id="rId8"/>
+    <p:sldLayoutId id="2147483813" r:id="rId9"/>
+    <p:sldLayoutId id="2147483814" r:id="rId10"/>
+    <p:sldLayoutId id="2147483815" r:id="rId11"/>
+    <p:sldLayoutId id="2147483816" r:id="rId12"/>
+    <p:sldLayoutId id="2147483817" r:id="rId13"/>
+    <p:sldLayoutId id="2147483818" r:id="rId14"/>
+    <p:sldLayoutId id="2147483819" r:id="rId15"/>
+    <p:sldLayoutId id="2147483820" r:id="rId16"/>
   </p:sldLayoutIdLst>
   <p:txStyles>
     <p:titleStyle>
-      <a:lvl1pPr algn="l" defTabSz="914400" rtl="0" eaLnBrk="1" latinLnBrk="0" hangingPunct="1">
-        <a:lnSpc>
-          <a:spcPct val="90000"/>
-        </a:lnSpc>
+      <a:lvl1pPr algn="l" defTabSz="457200" rtl="0" eaLnBrk="1" latinLnBrk="0" hangingPunct="1">
         <a:spcBef>
           <a:spcPct val="0"/>
         </a:spcBef>
         <a:buNone/>
-        <a:defRPr sz="4400" kern="1200">
+        <a:defRPr sz="3600" kern="1200">
           <a:solidFill>
-            <a:schemeClr val="tx1"/>
+            <a:schemeClr val="accent1"/>
           </a:solidFill>
           <a:latin typeface="+mj-lt"/>
           <a:ea typeface="+mj-ea"/>
           <a:cs typeface="+mj-cs"/>
         </a:defRPr>
       </a:lvl1pPr>
+      <a:lvl2pPr eaLnBrk="1" hangingPunct="1">
+        <a:defRPr>
+          <a:solidFill>
+            <a:schemeClr val="tx2"/>
+          </a:solidFill>
+        </a:defRPr>
+      </a:lvl2pPr>
+      <a:lvl3pPr eaLnBrk="1" hangingPunct="1">
+        <a:defRPr>
+          <a:solidFill>
+            <a:schemeClr val="tx2"/>
+          </a:solidFill>
+        </a:defRPr>
+      </a:lvl3pPr>
+      <a:lvl4pPr eaLnBrk="1" hangingPunct="1">
+        <a:defRPr>
+          <a:solidFill>
+            <a:schemeClr val="tx2"/>
+          </a:solidFill>
+        </a:defRPr>
+      </a:lvl4pPr>
+      <a:lvl5pPr eaLnBrk="1" hangingPunct="1">
+        <a:defRPr>
+          <a:solidFill>
+            <a:schemeClr val="tx2"/>
+          </a:solidFill>
+        </a:defRPr>
+      </a:lvl5pPr>
+      <a:lvl6pPr eaLnBrk="1" hangingPunct="1">
+        <a:defRPr>
+          <a:solidFill>
+            <a:schemeClr val="tx2"/>
+          </a:solidFill>
+        </a:defRPr>
+      </a:lvl6pPr>
+      <a:lvl7pPr eaLnBrk="1" hangingPunct="1">
+        <a:defRPr>
+          <a:solidFill>
+            <a:schemeClr val="tx2"/>
+          </a:solidFill>
+        </a:defRPr>
+      </a:lvl7pPr>
+      <a:lvl8pPr eaLnBrk="1" hangingPunct="1">
+        <a:defRPr>
+          <a:solidFill>
+            <a:schemeClr val="tx2"/>
+          </a:solidFill>
+        </a:defRPr>
+      </a:lvl8pPr>
+      <a:lvl9pPr eaLnBrk="1" hangingPunct="1">
+        <a:defRPr>
+          <a:solidFill>
+            <a:schemeClr val="tx2"/>
+          </a:solidFill>
+        </a:defRPr>
+      </a:lvl9pPr>
     </p:titleStyle>
     <p:bodyStyle>
-      <a:lvl1pPr marL="228600" indent="-228600" algn="l" defTabSz="914400" rtl="0" eaLnBrk="1" latinLnBrk="0" hangingPunct="1">
-        <a:lnSpc>
-          <a:spcPct val="90000"/>
-        </a:lnSpc>
+      <a:lvl1pPr marL="342900" indent="-342900" algn="l" defTabSz="457200" rtl="0" eaLnBrk="1" latinLnBrk="0" hangingPunct="1">
         <a:spcBef>
           <a:spcPts val="1000"/>
         </a:spcBef>
-        <a:buFont typeface="Arial" panose="020B0604020202020204" pitchFamily="34" charset="0"/>
-        <a:buChar char="•"/>
-        <a:defRPr sz="2800" kern="1200">
+        <a:spcAft>
+          <a:spcPts val="0"/>
+        </a:spcAft>
+        <a:buClr>
+          <a:schemeClr val="accent1"/>
+        </a:buClr>
+        <a:buSzPct val="80000"/>
+        <a:buFont typeface="Wingdings 3" charset="2"/>
+        <a:buChar char=""/>
+        <a:defRPr sz="1800" kern="1200">
           <a:solidFill>
-            <a:schemeClr val="tx1"/>
+            <a:schemeClr val="tx1">
+              <a:lumMod val="75000"/>
+              <a:lumOff val="25000"/>
+            </a:schemeClr>
           </a:solidFill>
           <a:latin typeface="+mn-lt"/>
           <a:ea typeface="+mn-ea"/>
           <a:cs typeface="+mn-cs"/>
         </a:defRPr>
       </a:lvl1pPr>
-      <a:lvl2pPr marL="685800" indent="-228600" algn="l" defTabSz="914400" rtl="0" eaLnBrk="1" latinLnBrk="0" hangingPunct="1">
-        <a:lnSpc>
-          <a:spcPct val="90000"/>
-        </a:lnSpc>
+      <a:lvl2pPr marL="742950" indent="-285750" algn="l" defTabSz="457200" rtl="0" eaLnBrk="1" latinLnBrk="0" hangingPunct="1">
         <a:spcBef>
-          <a:spcPts val="500"/>
+          <a:spcPts val="1000"/>
         </a:spcBef>
-        <a:buFont typeface="Arial" panose="020B0604020202020204" pitchFamily="34" charset="0"/>
-        <a:buChar char="•"/>
-        <a:defRPr sz="2400" kern="1200">
+        <a:spcAft>
+          <a:spcPts val="0"/>
+        </a:spcAft>
+        <a:buClr>
+          <a:schemeClr val="accent1"/>
+        </a:buClr>
+        <a:buSzPct val="80000"/>
+        <a:buFont typeface="Wingdings 3" charset="2"/>
+        <a:buChar char=""/>
+        <a:defRPr sz="1600" kern="1200">
           <a:solidFill>
-            <a:schemeClr val="tx1"/>
+            <a:schemeClr val="tx1">
+              <a:lumMod val="75000"/>
+              <a:lumOff val="25000"/>
+            </a:schemeClr>
           </a:solidFill>
           <a:latin typeface="+mn-lt"/>
           <a:ea typeface="+mn-ea"/>
           <a:cs typeface="+mn-cs"/>
         </a:defRPr>
       </a:lvl2pPr>
-      <a:lvl3pPr marL="1143000" indent="-228600" algn="l" defTabSz="914400" rtl="0" eaLnBrk="1" latinLnBrk="0" hangingPunct="1">
-        <a:lnSpc>
-          <a:spcPct val="90000"/>
-        </a:lnSpc>
+      <a:lvl3pPr marL="1143000" indent="-228600" algn="l" defTabSz="457200" rtl="0" eaLnBrk="1" latinLnBrk="0" hangingPunct="1">
         <a:spcBef>
-          <a:spcPts val="500"/>
+          <a:spcPts val="1000"/>
         </a:spcBef>
-        <a:buFont typeface="Arial" panose="020B0604020202020204" pitchFamily="34" charset="0"/>
-        <a:buChar char="•"/>
-        <a:defRPr sz="2000" kern="1200">
+        <a:spcAft>
+          <a:spcPts val="0"/>
+        </a:spcAft>
+        <a:buClr>
+          <a:schemeClr val="accent1"/>
+        </a:buClr>
+        <a:buSzPct val="80000"/>
+        <a:buFont typeface="Wingdings 3" charset="2"/>
+        <a:buChar char=""/>
+        <a:defRPr sz="1400" kern="1200">
           <a:solidFill>
-            <a:schemeClr val="tx1"/>
+            <a:schemeClr val="tx1">
+              <a:lumMod val="75000"/>
+              <a:lumOff val="25000"/>
+            </a:schemeClr>
           </a:solidFill>
           <a:latin typeface="+mn-lt"/>
           <a:ea typeface="+mn-ea"/>
           <a:cs typeface="+mn-cs"/>
         </a:defRPr>
       </a:lvl3pPr>
-      <a:lvl4pPr marL="1600200" indent="-228600" algn="l" defTabSz="914400" rtl="0" eaLnBrk="1" latinLnBrk="0" hangingPunct="1">
-        <a:lnSpc>
-          <a:spcPct val="90000"/>
-        </a:lnSpc>
+      <a:lvl4pPr marL="1600200" indent="-228600" algn="l" defTabSz="457200" rtl="0" eaLnBrk="1" latinLnBrk="0" hangingPunct="1">
         <a:spcBef>
-          <a:spcPts val="500"/>
+          <a:spcPts val="1000"/>
         </a:spcBef>
-        <a:buFont typeface="Arial" panose="020B0604020202020204" pitchFamily="34" charset="0"/>
-        <a:buChar char="•"/>
-        <a:defRPr sz="1800" kern="1200">
+        <a:spcAft>
+          <a:spcPts val="0"/>
+        </a:spcAft>
+        <a:buClr>
+          <a:schemeClr val="accent1"/>
+        </a:buClr>
+        <a:buSzPct val="80000"/>
+        <a:buFont typeface="Wingdings 3" charset="2"/>
+        <a:buChar char=""/>
+        <a:defRPr sz="1200" kern="1200">
           <a:solidFill>
-            <a:schemeClr val="tx1"/>
+            <a:schemeClr val="tx1">
+              <a:lumMod val="75000"/>
+              <a:lumOff val="25000"/>
+            </a:schemeClr>
           </a:solidFill>
           <a:latin typeface="+mn-lt"/>
           <a:ea typeface="+mn-ea"/>
           <a:cs typeface="+mn-cs"/>
         </a:defRPr>
       </a:lvl4pPr>
-      <a:lvl5pPr marL="2057400" indent="-228600" algn="l" defTabSz="914400" rtl="0" eaLnBrk="1" latinLnBrk="0" hangingPunct="1">
-        <a:lnSpc>
-          <a:spcPct val="90000"/>
-        </a:lnSpc>
+      <a:lvl5pPr marL="2057400" indent="-228600" algn="l" defTabSz="457200" rtl="0" eaLnBrk="1" latinLnBrk="0" hangingPunct="1">
         <a:spcBef>
-          <a:spcPts val="500"/>
+          <a:spcPts val="1000"/>
         </a:spcBef>
-        <a:buFont typeface="Arial" panose="020B0604020202020204" pitchFamily="34" charset="0"/>
-        <a:buChar char="•"/>
-        <a:defRPr sz="1800" kern="1200">
+        <a:spcAft>
+          <a:spcPts val="0"/>
+        </a:spcAft>
+        <a:buClr>
+          <a:schemeClr val="accent1"/>
+        </a:buClr>
+        <a:buSzPct val="80000"/>
+        <a:buFont typeface="Wingdings 3" charset="2"/>
+        <a:buChar char=""/>
+        <a:defRPr sz="1200" kern="1200">
           <a:solidFill>
-            <a:schemeClr val="tx1"/>
+            <a:schemeClr val="tx1">
+              <a:lumMod val="75000"/>
+              <a:lumOff val="25000"/>
+            </a:schemeClr>
           </a:solidFill>
           <a:latin typeface="+mn-lt"/>
           <a:ea typeface="+mn-ea"/>
           <a:cs typeface="+mn-cs"/>
         </a:defRPr>
       </a:lvl5pPr>
-      <a:lvl6pPr marL="2514600" indent="-228600" algn="l" defTabSz="914400" rtl="0" eaLnBrk="1" latinLnBrk="0" hangingPunct="1">
-        <a:lnSpc>
-          <a:spcPct val="90000"/>
-        </a:lnSpc>
+      <a:lvl6pPr marL="2514600" indent="-228600" algn="l" defTabSz="457200" rtl="0" eaLnBrk="1" latinLnBrk="0" hangingPunct="1">
         <a:spcBef>
-          <a:spcPts val="500"/>
+          <a:spcPts val="1000"/>
         </a:spcBef>
-        <a:buFont typeface="Arial" panose="020B0604020202020204" pitchFamily="34" charset="0"/>
-        <a:buChar char="•"/>
-        <a:defRPr sz="1800" kern="1200">
+        <a:spcAft>
+          <a:spcPts val="0"/>
+        </a:spcAft>
+        <a:buClr>
+          <a:schemeClr val="accent1"/>
+        </a:buClr>
+        <a:buSzPct val="80000"/>
+        <a:buFont typeface="Wingdings 3" charset="2"/>
+        <a:buChar char=""/>
+        <a:defRPr sz="1200" kern="1200">
           <a:solidFill>
-            <a:schemeClr val="tx1"/>
+            <a:schemeClr val="tx1">
+              <a:lumMod val="75000"/>
+              <a:lumOff val="25000"/>
+            </a:schemeClr>
           </a:solidFill>
           <a:latin typeface="+mn-lt"/>
           <a:ea typeface="+mn-ea"/>
           <a:cs typeface="+mn-cs"/>
         </a:defRPr>
       </a:lvl6pPr>
-      <a:lvl7pPr marL="2971800" indent="-228600" algn="l" defTabSz="914400" rtl="0" eaLnBrk="1" latinLnBrk="0" hangingPunct="1">
-        <a:lnSpc>
-          <a:spcPct val="90000"/>
-        </a:lnSpc>
+      <a:lvl7pPr marL="2971800" indent="-228600" algn="l" defTabSz="457200" rtl="0" eaLnBrk="1" latinLnBrk="0" hangingPunct="1">
         <a:spcBef>
-          <a:spcPts val="500"/>
+          <a:spcPts val="1000"/>
         </a:spcBef>
-        <a:buFont typeface="Arial" panose="020B0604020202020204" pitchFamily="34" charset="0"/>
-        <a:buChar char="•"/>
-        <a:defRPr sz="1800" kern="1200">
+        <a:spcAft>
+          <a:spcPts val="0"/>
+        </a:spcAft>
+        <a:buClr>
+          <a:schemeClr val="accent1"/>
+        </a:buClr>
+        <a:buSzPct val="80000"/>
+        <a:buFont typeface="Wingdings 3" charset="2"/>
+        <a:buChar char=""/>
+        <a:defRPr sz="1200" kern="1200">
           <a:solidFill>
-            <a:schemeClr val="tx1"/>
+            <a:schemeClr val="tx1">
+              <a:lumMod val="75000"/>
+              <a:lumOff val="25000"/>
+            </a:schemeClr>
           </a:solidFill>
           <a:latin typeface="+mn-lt"/>
           <a:ea typeface="+mn-ea"/>
           <a:cs typeface="+mn-cs"/>
         </a:defRPr>
       </a:lvl7pPr>
-      <a:lvl8pPr marL="3429000" indent="-228600" algn="l" defTabSz="914400" rtl="0" eaLnBrk="1" latinLnBrk="0" hangingPunct="1">
-        <a:lnSpc>
-          <a:spcPct val="90000"/>
-        </a:lnSpc>
+      <a:lvl8pPr marL="3429000" indent="-228600" algn="l" defTabSz="457200" rtl="0" eaLnBrk="1" latinLnBrk="0" hangingPunct="1">
         <a:spcBef>
-          <a:spcPts val="500"/>
+          <a:spcPts val="1000"/>
         </a:spcBef>
-        <a:buFont typeface="Arial" panose="020B0604020202020204" pitchFamily="34" charset="0"/>
-        <a:buChar char="•"/>
-        <a:defRPr sz="1800" kern="1200">
+        <a:spcAft>
+          <a:spcPts val="0"/>
+        </a:spcAft>
+        <a:buClr>
+          <a:schemeClr val="accent1"/>
+        </a:buClr>
+        <a:buSzPct val="80000"/>
+        <a:buFont typeface="Wingdings 3" charset="2"/>
+        <a:buChar char=""/>
+        <a:defRPr sz="1200" kern="1200">
           <a:solidFill>
-            <a:schemeClr val="tx1"/>
+            <a:schemeClr val="tx1">
+              <a:lumMod val="75000"/>
+              <a:lumOff val="25000"/>
+            </a:schemeClr>
           </a:solidFill>
           <a:latin typeface="+mn-lt"/>
           <a:ea typeface="+mn-ea"/>
           <a:cs typeface="+mn-cs"/>
         </a:defRPr>
       </a:lvl8pPr>
-      <a:lvl9pPr marL="3886200" indent="-228600" algn="l" defTabSz="914400" rtl="0" eaLnBrk="1" latinLnBrk="0" hangingPunct="1">
-        <a:lnSpc>
-          <a:spcPct val="90000"/>
-        </a:lnSpc>
+      <a:lvl9pPr marL="3886200" indent="-228600" algn="l" defTabSz="457200" rtl="0" eaLnBrk="1" latinLnBrk="0" hangingPunct="1">
         <a:spcBef>
-          <a:spcPts val="500"/>
+          <a:spcPts val="1000"/>
         </a:spcBef>
-        <a:buFont typeface="Arial" panose="020B0604020202020204" pitchFamily="34" charset="0"/>
-        <a:buChar char="•"/>
-        <a:defRPr sz="1800" kern="1200">
+        <a:spcAft>
+          <a:spcPts val="0"/>
+        </a:spcAft>
+        <a:buClr>
+          <a:schemeClr val="accent1"/>
+        </a:buClr>
+        <a:buSzPct val="80000"/>
+        <a:buFont typeface="Wingdings 3" charset="2"/>
+        <a:buChar char=""/>
+        <a:defRPr sz="1200" kern="1200">
           <a:solidFill>
-            <a:schemeClr val="tx1"/>
+            <a:schemeClr val="tx1">
+              <a:lumMod val="75000"/>
+              <a:lumOff val="25000"/>
+            </a:schemeClr>
           </a:solidFill>
           <a:latin typeface="+mn-lt"/>
           <a:ea typeface="+mn-ea"/>
@@ -3209,7 +5727,7 @@
       <a:defPPr>
         <a:defRPr lang="en-US"/>
       </a:defPPr>
-      <a:lvl1pPr marL="0" algn="l" defTabSz="914400" rtl="0" eaLnBrk="1" latinLnBrk="0" hangingPunct="1">
+      <a:lvl1pPr marL="0" algn="l" defTabSz="457200" rtl="0" eaLnBrk="1" latinLnBrk="0" hangingPunct="1">
         <a:defRPr sz="1800" kern="1200">
           <a:solidFill>
             <a:schemeClr val="tx1"/>
@@ -3219,7 +5737,7 @@
           <a:cs typeface="+mn-cs"/>
         </a:defRPr>
       </a:lvl1pPr>
-      <a:lvl2pPr marL="457200" algn="l" defTabSz="914400" rtl="0" eaLnBrk="1" latinLnBrk="0" hangingPunct="1">
+      <a:lvl2pPr marL="457200" algn="l" defTabSz="457200" rtl="0" eaLnBrk="1" latinLnBrk="0" hangingPunct="1">
         <a:defRPr sz="1800" kern="1200">
           <a:solidFill>
             <a:schemeClr val="tx1"/>
@@ -3229,7 +5747,7 @@
           <a:cs typeface="+mn-cs"/>
         </a:defRPr>
       </a:lvl2pPr>
-      <a:lvl3pPr marL="914400" algn="l" defTabSz="914400" rtl="0" eaLnBrk="1" latinLnBrk="0" hangingPunct="1">
+      <a:lvl3pPr marL="914400" algn="l" defTabSz="457200" rtl="0" eaLnBrk="1" latinLnBrk="0" hangingPunct="1">
         <a:defRPr sz="1800" kern="1200">
           <a:solidFill>
             <a:schemeClr val="tx1"/>
@@ -3239,7 +5757,7 @@
           <a:cs typeface="+mn-cs"/>
         </a:defRPr>
       </a:lvl3pPr>
-      <a:lvl4pPr marL="1371600" algn="l" defTabSz="914400" rtl="0" eaLnBrk="1" latinLnBrk="0" hangingPunct="1">
+      <a:lvl4pPr marL="1371600" algn="l" defTabSz="457200" rtl="0" eaLnBrk="1" latinLnBrk="0" hangingPunct="1">
         <a:defRPr sz="1800" kern="1200">
           <a:solidFill>
             <a:schemeClr val="tx1"/>
@@ -3249,7 +5767,7 @@
           <a:cs typeface="+mn-cs"/>
         </a:defRPr>
       </a:lvl4pPr>
-      <a:lvl5pPr marL="1828800" algn="l" defTabSz="914400" rtl="0" eaLnBrk="1" latinLnBrk="0" hangingPunct="1">
+      <a:lvl5pPr marL="1828800" algn="l" defTabSz="457200" rtl="0" eaLnBrk="1" latinLnBrk="0" hangingPunct="1">
         <a:defRPr sz="1800" kern="1200">
           <a:solidFill>
             <a:schemeClr val="tx1"/>
@@ -3259,7 +5777,7 @@
           <a:cs typeface="+mn-cs"/>
         </a:defRPr>
       </a:lvl5pPr>
-      <a:lvl6pPr marL="2286000" algn="l" defTabSz="914400" rtl="0" eaLnBrk="1" latinLnBrk="0" hangingPunct="1">
+      <a:lvl6pPr marL="2286000" algn="l" defTabSz="457200" rtl="0" eaLnBrk="1" latinLnBrk="0" hangingPunct="1">
         <a:defRPr sz="1800" kern="1200">
           <a:solidFill>
             <a:schemeClr val="tx1"/>
@@ -3269,7 +5787,7 @@
           <a:cs typeface="+mn-cs"/>
         </a:defRPr>
       </a:lvl6pPr>
-      <a:lvl7pPr marL="2743200" algn="l" defTabSz="914400" rtl="0" eaLnBrk="1" latinLnBrk="0" hangingPunct="1">
+      <a:lvl7pPr marL="2743200" algn="l" defTabSz="457200" rtl="0" eaLnBrk="1" latinLnBrk="0" hangingPunct="1">
         <a:defRPr sz="1800" kern="1200">
           <a:solidFill>
             <a:schemeClr val="tx1"/>
@@ -3279,7 +5797,7 @@
           <a:cs typeface="+mn-cs"/>
         </a:defRPr>
       </a:lvl7pPr>
-      <a:lvl8pPr marL="3200400" algn="l" defTabSz="914400" rtl="0" eaLnBrk="1" latinLnBrk="0" hangingPunct="1">
+      <a:lvl8pPr marL="3200400" algn="l" defTabSz="457200" rtl="0" eaLnBrk="1" latinLnBrk="0" hangingPunct="1">
         <a:defRPr sz="1800" kern="1200">
           <a:solidFill>
             <a:schemeClr val="tx1"/>
@@ -3289,7 +5807,7 @@
           <a:cs typeface="+mn-cs"/>
         </a:defRPr>
       </a:lvl8pPr>
-      <a:lvl9pPr marL="3657600" algn="l" defTabSz="914400" rtl="0" eaLnBrk="1" latinLnBrk="0" hangingPunct="1">
+      <a:lvl9pPr marL="3657600" algn="l" defTabSz="457200" rtl="0" eaLnBrk="1" latinLnBrk="0" hangingPunct="1">
         <a:defRPr sz="1800" kern="1200">
           <a:solidFill>
             <a:schemeClr val="tx1"/>
@@ -3301,6 +5819,11 @@
       </a:lvl9pPr>
     </p:otherStyle>
   </p:txStyles>
+  <p:extLst>
+    <p:ext uri="{27BBF7A9-308A-43DC-89C8-2F10F3537804}">
+      <p15:sldGuideLst xmlns:p15="http://schemas.microsoft.com/office/powerpoint/2012/main"/>
+    </p:ext>
+  </p:extLst>
 </p:sldMaster>
 </file>
 
@@ -3385,62 +5908,62 @@
 </file>
 
 <file path=ppt/theme/theme1.xml><?xml version="1.0" encoding="utf-8"?>
-<a:theme xmlns:a="http://schemas.openxmlformats.org/drawingml/2006/main" name="Office Theme">
+<a:theme xmlns:a="http://schemas.openxmlformats.org/drawingml/2006/main" name="Facet">
   <a:themeElements>
-    <a:clrScheme name="Office">
+    <a:clrScheme name="Marquee">
       <a:dk1>
-        <a:sysClr val="windowText" lastClr="000000"/>
+        <a:srgbClr val="000000"/>
       </a:dk1>
       <a:lt1>
         <a:sysClr val="window" lastClr="FFFFFF"/>
       </a:lt1>
       <a:dk2>
-        <a:srgbClr val="44546A"/>
+        <a:srgbClr val="5E5E5E"/>
       </a:dk2>
       <a:lt2>
-        <a:srgbClr val="E7E6E6"/>
+        <a:srgbClr val="DDDDDD"/>
       </a:lt2>
       <a:accent1>
-        <a:srgbClr val="4472C4"/>
+        <a:srgbClr val="418AB3"/>
       </a:accent1>
       <a:accent2>
-        <a:srgbClr val="ED7D31"/>
+        <a:srgbClr val="A6B727"/>
       </a:accent2>
       <a:accent3>
-        <a:srgbClr val="A5A5A5"/>
+        <a:srgbClr val="F69200"/>
       </a:accent3>
       <a:accent4>
-        <a:srgbClr val="FFC000"/>
+        <a:srgbClr val="838383"/>
       </a:accent4>
       <a:accent5>
-        <a:srgbClr val="5B9BD5"/>
+        <a:srgbClr val="FEC306"/>
       </a:accent5>
       <a:accent6>
-        <a:srgbClr val="70AD47"/>
+        <a:srgbClr val="DF5327"/>
       </a:accent6>
       <a:hlink>
-        <a:srgbClr val="0563C1"/>
+        <a:srgbClr val="F59E00"/>
       </a:hlink>
       <a:folHlink>
-        <a:srgbClr val="954F72"/>
+        <a:srgbClr val="B2B2B2"/>
       </a:folHlink>
     </a:clrScheme>
-    <a:fontScheme name="Office">
+    <a:fontScheme name="Facet">
       <a:majorFont>
-        <a:latin typeface="Calibri Light" panose="020F0302020204030204"/>
+        <a:latin typeface="Trebuchet MS" panose="020B0603020202020204"/>
         <a:ea typeface=""/>
         <a:cs typeface=""/>
-        <a:font script="Jpan" typeface="游ゴシック Light"/>
+        <a:font script="Jpan" typeface="メイリオ"/>
         <a:font script="Hang" typeface="맑은 고딕"/>
-        <a:font script="Hans" typeface="等线 Light"/>
-        <a:font script="Hant" typeface="新細明體"/>
-        <a:font script="Arab" typeface="Times New Roman"/>
-        <a:font script="Hebr" typeface="Times New Roman"/>
-        <a:font script="Thai" typeface="Angsana New"/>
+        <a:font script="Hans" typeface="方正姚体"/>
+        <a:font script="Hant" typeface="微軟正黑體"/>
+        <a:font script="Arab" typeface="Tahoma"/>
+        <a:font script="Hebr" typeface="Arial"/>
+        <a:font script="Thai" typeface="Cordia New"/>
         <a:font script="Ethi" typeface="Nyala"/>
         <a:font script="Beng" typeface="Vrinda"/>
         <a:font script="Gujr" typeface="Shruti"/>
-        <a:font script="Khmr" typeface="MoolBoran"/>
+        <a:font script="Khmr" typeface="DaunPenh"/>
         <a:font script="Knda" typeface="Tunga"/>
         <a:font script="Guru" typeface="Raavi"/>
         <a:font script="Cans" typeface="Euphemia"/>
@@ -3457,38 +5980,21 @@
         <a:font script="Laoo" typeface="DokChampa"/>
         <a:font script="Sinh" typeface="Iskoola Pota"/>
         <a:font script="Mong" typeface="Mongolian Baiti"/>
-        <a:font script="Viet" typeface="Times New Roman"/>
+        <a:font script="Viet" typeface="Tahoma"/>
         <a:font script="Uigh" typeface="Microsoft Uighur"/>
         <a:font script="Geor" typeface="Sylfaen"/>
-        <a:font script="Armn" typeface="Arial"/>
-        <a:font script="Bugi" typeface="Leelawadee UI"/>
-        <a:font script="Bopo" typeface="Microsoft JhengHei"/>
-        <a:font script="Java" typeface="Javanese Text"/>
-        <a:font script="Lisu" typeface="Segoe UI"/>
-        <a:font script="Mymr" typeface="Myanmar Text"/>
-        <a:font script="Nkoo" typeface="Ebrima"/>
-        <a:font script="Olck" typeface="Nirmala UI"/>
-        <a:font script="Osma" typeface="Ebrima"/>
-        <a:font script="Phag" typeface="Phagspa"/>
-        <a:font script="Syrn" typeface="Estrangelo Edessa"/>
-        <a:font script="Syrj" typeface="Estrangelo Edessa"/>
-        <a:font script="Syre" typeface="Estrangelo Edessa"/>
-        <a:font script="Sora" typeface="Nirmala UI"/>
-        <a:font script="Tale" typeface="Microsoft Tai Le"/>
-        <a:font script="Talu" typeface="Microsoft New Tai Lue"/>
-        <a:font script="Tfng" typeface="Ebrima"/>
       </a:majorFont>
       <a:minorFont>
-        <a:latin typeface="Calibri" panose="020F0502020204030204"/>
+        <a:latin typeface="Trebuchet MS" panose="020B0603020202020204"/>
         <a:ea typeface=""/>
         <a:cs typeface=""/>
-        <a:font script="Jpan" typeface="游ゴシック"/>
-        <a:font script="Hang" typeface="맑은 고딕"/>
-        <a:font script="Hans" typeface="等线"/>
-        <a:font script="Hant" typeface="新細明體"/>
-        <a:font script="Arab" typeface="Arial"/>
-        <a:font script="Hebr" typeface="Arial"/>
-        <a:font script="Thai" typeface="Cordia New"/>
+        <a:font script="Jpan" typeface="メイリオ"/>
+        <a:font script="Hang" typeface="HY그래픽M"/>
+        <a:font script="Hans" typeface="华文新魏"/>
+        <a:font script="Hant" typeface="微軟正黑體"/>
+        <a:font script="Arab" typeface="Tahoma"/>
+        <a:font script="Hebr" typeface="Gisha"/>
+        <a:font script="Thai" typeface="IrisUPC"/>
         <a:font script="Ethi" typeface="Nyala"/>
         <a:font script="Beng" typeface="Vrinda"/>
         <a:font script="Gujr" typeface="Shruti"/>
@@ -3512,26 +6018,9 @@
         <a:font script="Viet" typeface="Arial"/>
         <a:font script="Uigh" typeface="Microsoft Uighur"/>
         <a:font script="Geor" typeface="Sylfaen"/>
-        <a:font script="Armn" typeface="Arial"/>
-        <a:font script="Bugi" typeface="Leelawadee UI"/>
-        <a:font script="Bopo" typeface="Microsoft JhengHei"/>
-        <a:font script="Java" typeface="Javanese Text"/>
-        <a:font script="Lisu" typeface="Segoe UI"/>
-        <a:font script="Mymr" typeface="Myanmar Text"/>
-        <a:font script="Nkoo" typeface="Ebrima"/>
-        <a:font script="Olck" typeface="Nirmala UI"/>
-        <a:font script="Osma" typeface="Ebrima"/>
-        <a:font script="Phag" typeface="Phagspa"/>
-        <a:font script="Syrn" typeface="Estrangelo Edessa"/>
-        <a:font script="Syrj" typeface="Estrangelo Edessa"/>
-        <a:font script="Syre" typeface="Estrangelo Edessa"/>
-        <a:font script="Sora" typeface="Nirmala UI"/>
-        <a:font script="Tale" typeface="Microsoft Tai Le"/>
-        <a:font script="Talu" typeface="Microsoft New Tai Lue"/>
-        <a:font script="Tfng" typeface="Ebrima"/>
       </a:minorFont>
     </a:fontScheme>
-    <a:fmtScheme name="Office">
+    <a:fmtScheme name="Facet">
       <a:fillStyleLst>
         <a:solidFill>
           <a:schemeClr val="phClr"/>
@@ -3540,23 +6029,13 @@
           <a:gsLst>
             <a:gs pos="0">
               <a:schemeClr val="phClr">
+                <a:tint val="65000"/>
                 <a:lumMod val="110000"/>
-                <a:satMod val="105000"/>
-                <a:tint val="67000"/>
               </a:schemeClr>
             </a:gs>
-            <a:gs pos="50000">
+            <a:gs pos="88000">
               <a:schemeClr val="phClr">
-                <a:lumMod val="105000"/>
-                <a:satMod val="103000"/>
-                <a:tint val="73000"/>
-              </a:schemeClr>
-            </a:gs>
-            <a:gs pos="100000">
-              <a:schemeClr val="phClr">
-                <a:lumMod val="105000"/>
-                <a:satMod val="109000"/>
-                <a:tint val="81000"/>
+                <a:tint val="90000"/>
               </a:schemeClr>
             </a:gs>
           </a:gsLst>
@@ -3566,23 +6045,14 @@
           <a:gsLst>
             <a:gs pos="0">
               <a:schemeClr val="phClr">
-                <a:satMod val="103000"/>
-                <a:lumMod val="102000"/>
-                <a:tint val="94000"/>
+                <a:tint val="96000"/>
+                <a:lumMod val="100000"/>
               </a:schemeClr>
             </a:gs>
-            <a:gs pos="50000">
+            <a:gs pos="78000">
               <a:schemeClr val="phClr">
-                <a:satMod val="110000"/>
-                <a:lumMod val="100000"/>
-                <a:shade val="100000"/>
-              </a:schemeClr>
-            </a:gs>
-            <a:gs pos="100000">
-              <a:schemeClr val="phClr">
-                <a:lumMod val="99000"/>
-                <a:satMod val="120000"/>
-                <a:shade val="78000"/>
+                <a:shade val="94000"/>
+                <a:lumMod val="94000"/>
               </a:schemeClr>
             </a:gs>
           </a:gsLst>
@@ -3590,26 +6060,23 @@
         </a:gradFill>
       </a:fillStyleLst>
       <a:lnStyleLst>
-        <a:ln w="6350" cap="flat" cmpd="sng" algn="ctr">
+        <a:ln w="12700" cap="rnd" cmpd="sng" algn="ctr">
           <a:solidFill>
             <a:schemeClr val="phClr"/>
           </a:solidFill>
           <a:prstDash val="solid"/>
-          <a:miter lim="800000"/>
         </a:ln>
-        <a:ln w="12700" cap="flat" cmpd="sng" algn="ctr">
+        <a:ln w="19050" cap="rnd" cmpd="sng" algn="ctr">
           <a:solidFill>
             <a:schemeClr val="phClr"/>
           </a:solidFill>
           <a:prstDash val="solid"/>
-          <a:miter lim="800000"/>
         </a:ln>
-        <a:ln w="19050" cap="flat" cmpd="sng" algn="ctr">
+        <a:ln w="25400" cap="rnd" cmpd="sng" algn="ctr">
           <a:solidFill>
             <a:schemeClr val="phClr"/>
           </a:solidFill>
           <a:prstDash val="solid"/>
-          <a:miter lim="800000"/>
         </a:ln>
       </a:lnStyleLst>
       <a:effectStyleLst>
@@ -3617,54 +6084,72 @@
           <a:effectLst/>
         </a:effectStyle>
         <a:effectStyle>
-          <a:effectLst/>
+          <a:effectLst>
+            <a:outerShdw blurRad="38100" dist="25400" dir="5400000" rotWithShape="0">
+              <a:srgbClr val="000000">
+                <a:alpha val="35000"/>
+              </a:srgbClr>
+            </a:outerShdw>
+          </a:effectLst>
         </a:effectStyle>
         <a:effectStyle>
           <a:effectLst>
-            <a:outerShdw blurRad="57150" dist="19050" dir="5400000" algn="ctr" rotWithShape="0">
+            <a:outerShdw blurRad="50800" dist="38100" dir="5400000" rotWithShape="0">
               <a:srgbClr val="000000">
-                <a:alpha val="63000"/>
+                <a:alpha val="35000"/>
               </a:srgbClr>
             </a:outerShdw>
           </a:effectLst>
+          <a:scene3d>
+            <a:camera prst="orthographicFront">
+              <a:rot lat="0" lon="0" rev="0"/>
+            </a:camera>
+            <a:lightRig rig="threePt" dir="tl"/>
+          </a:scene3d>
+          <a:sp3d prstMaterial="plastic">
+            <a:bevelT w="0" h="0"/>
+          </a:sp3d>
         </a:effectStyle>
       </a:effectStyleLst>
       <a:bgFillStyleLst>
         <a:solidFill>
           <a:schemeClr val="phClr"/>
         </a:solidFill>
-        <a:solidFill>
-          <a:schemeClr val="phClr">
-            <a:tint val="95000"/>
-            <a:satMod val="170000"/>
-          </a:schemeClr>
-        </a:solidFill>
         <a:gradFill rotWithShape="1">
           <a:gsLst>
             <a:gs pos="0">
               <a:schemeClr val="phClr">
-                <a:tint val="93000"/>
-                <a:satMod val="150000"/>
-                <a:shade val="98000"/>
-                <a:lumMod val="102000"/>
+                <a:tint val="90000"/>
+                <a:lumMod val="104000"/>
               </a:schemeClr>
             </a:gs>
-            <a:gs pos="50000">
+            <a:gs pos="94000">
               <a:schemeClr val="phClr">
-                <a:tint val="98000"/>
-                <a:satMod val="130000"/>
-                <a:shade val="90000"/>
-                <a:lumMod val="103000"/>
+                <a:shade val="96000"/>
+                <a:lumMod val="82000"/>
+              </a:schemeClr>
+            </a:gs>
+          </a:gsLst>
+          <a:lin ang="5400000" scaled="0"/>
+        </a:gradFill>
+        <a:gradFill rotWithShape="1">
+          <a:gsLst>
+            <a:gs pos="0">
+              <a:schemeClr val="phClr">
+                <a:tint val="90000"/>
+                <a:lumMod val="110000"/>
               </a:schemeClr>
             </a:gs>
             <a:gs pos="100000">
               <a:schemeClr val="phClr">
-                <a:shade val="63000"/>
-                <a:satMod val="120000"/>
+                <a:shade val="94000"/>
+                <a:lumMod val="96000"/>
               </a:schemeClr>
             </a:gs>
           </a:gsLst>
-          <a:lin ang="5400000" scaled="0"/>
+          <a:path path="circle">
+            <a:fillToRect l="50000" t="50000" r="100000" b="100000"/>
+          </a:path>
         </a:gradFill>
       </a:bgFillStyleLst>
     </a:fmtScheme>
@@ -3673,7 +6158,7 @@
   <a:extraClrSchemeLst/>
   <a:extLst>
     <a:ext uri="{05A4C25C-085E-4340-85A3-A5531E510DB2}">
-      <thm15:themeFamily xmlns:thm15="http://schemas.microsoft.com/office/thememl/2012/main" name="Office Theme" id="{62F939B6-93AF-4DB8-9C6B-D6C7DFDC589F}" vid="{4A3C46E8-61CC-4603-A589-7422A47A8E4A}"/>
+      <thm15:themeFamily xmlns:thm15="http://schemas.microsoft.com/office/thememl/2012/main" name="Facet" id="{C0C680CD-088A-49FC-A102-D699147F32B2}" vid="{0B5AB586-D108-4FC1-8368-649FE654B894}"/>
     </a:ext>
   </a:extLst>
 </a:theme>
